--- a/Classes_JS.pptx
+++ b/Classes_JS.pptx
@@ -13,43 +13,44 @@
     <p:sldId id="291" r:id="rId10"/>
     <p:sldId id="292" r:id="rId11"/>
     <p:sldId id="290" r:id="rId12"/>
-    <p:sldId id="293" r:id="rId13"/>
-    <p:sldId id="294" r:id="rId14"/>
-    <p:sldId id="298" r:id="rId15"/>
-    <p:sldId id="296" r:id="rId16"/>
-    <p:sldId id="299" r:id="rId17"/>
-    <p:sldId id="301" r:id="rId18"/>
-    <p:sldId id="300" r:id="rId19"/>
-    <p:sldId id="302" r:id="rId20"/>
-    <p:sldId id="303" r:id="rId21"/>
-    <p:sldId id="304" r:id="rId22"/>
-    <p:sldId id="305" r:id="rId23"/>
-    <p:sldId id="306" r:id="rId24"/>
-    <p:sldId id="308" r:id="rId25"/>
-    <p:sldId id="309" r:id="rId26"/>
-    <p:sldId id="287" r:id="rId27"/>
-    <p:sldId id="284" r:id="rId28"/>
+    <p:sldId id="310" r:id="rId13"/>
+    <p:sldId id="293" r:id="rId14"/>
+    <p:sldId id="294" r:id="rId15"/>
+    <p:sldId id="298" r:id="rId16"/>
+    <p:sldId id="296" r:id="rId17"/>
+    <p:sldId id="299" r:id="rId18"/>
+    <p:sldId id="301" r:id="rId19"/>
+    <p:sldId id="300" r:id="rId20"/>
+    <p:sldId id="302" r:id="rId21"/>
+    <p:sldId id="303" r:id="rId22"/>
+    <p:sldId id="304" r:id="rId23"/>
+    <p:sldId id="305" r:id="rId24"/>
+    <p:sldId id="306" r:id="rId25"/>
+    <p:sldId id="308" r:id="rId26"/>
+    <p:sldId id="309" r:id="rId27"/>
+    <p:sldId id="287" r:id="rId28"/>
+    <p:sldId id="284" r:id="rId29"/>
   </p:sldIdLst>
   <p:sldSz cx="12192000" cy="6858000"/>
   <p:notesSz cx="6858000" cy="9144000"/>
   <p:embeddedFontLst>
     <p:embeddedFont>
       <p:font typeface="Calibri" panose="020F0502020204030204" pitchFamily="34" charset="0"/>
-      <p:regular r:id="rId29"/>
-      <p:bold r:id="rId30"/>
-      <p:italic r:id="rId31"/>
-      <p:boldItalic r:id="rId32"/>
+      <p:regular r:id="rId30"/>
+      <p:bold r:id="rId31"/>
+      <p:italic r:id="rId32"/>
+      <p:boldItalic r:id="rId33"/>
     </p:embeddedFont>
     <p:embeddedFont>
       <p:font typeface="Open Sans" panose="020B0604020202020204" charset="0"/>
-      <p:regular r:id="rId33"/>
-      <p:bold r:id="rId34"/>
-      <p:italic r:id="rId35"/>
-      <p:boldItalic r:id="rId36"/>
+      <p:regular r:id="rId34"/>
+      <p:bold r:id="rId35"/>
+      <p:italic r:id="rId36"/>
+      <p:boldItalic r:id="rId37"/>
     </p:embeddedFont>
     <p:embeddedFont>
       <p:font typeface="Proxima Nova Black" panose="020B0604020202020204" charset="0"/>
-      <p:bold r:id="rId37"/>
+      <p:bold r:id="rId38"/>
     </p:embeddedFont>
   </p:embeddedFontLst>
   <p:defaultTextStyle>
@@ -10824,7 +10825,7 @@
           <p:cNvPr id="2" name="Заголовок 1">
             <a:extLst>
               <a:ext uri="{FF2B5EF4-FFF2-40B4-BE49-F238E27FC236}">
-                <a16:creationId xmlns:a16="http://schemas.microsoft.com/office/drawing/2014/main" id="{7D97A0D1-8D0F-4036-B0B1-89F78F69EF6A}"/>
+                <a16:creationId xmlns:a16="http://schemas.microsoft.com/office/drawing/2014/main" id="{D1307734-A513-449E-9CF6-572DFAA42628}"/>
               </a:ext>
             </a:extLst>
           </p:cNvPr>
@@ -10835,30 +10836,25 @@
             <p:ph type="title"/>
           </p:nvPr>
         </p:nvSpPr>
-        <p:spPr>
-          <a:xfrm>
-            <a:off x="685800" y="487019"/>
-            <a:ext cx="10820400" cy="685800"/>
-          </a:xfrm>
-        </p:spPr>
+        <p:spPr/>
         <p:txBody>
           <a:bodyPr/>
           <a:lstStyle/>
           <a:p>
             <a:r>
               <a:rPr lang="en-US" dirty="0"/>
-              <a:t>Inheritance</a:t>
-            </a:r>
-            <a:endParaRPr lang="ru-RU" dirty="0"/>
-          </a:p>
-        </p:txBody>
-      </p:sp>
-      <p:sp>
-        <p:nvSpPr>
-          <p:cNvPr id="3" name="Текст 2">
+              <a:t>Class properties</a:t>
+            </a:r>
+            <a:endParaRPr lang="uk-UA" dirty="0"/>
+          </a:p>
+        </p:txBody>
+      </p:sp>
+      <p:sp>
+        <p:nvSpPr>
+          <p:cNvPr id="3" name="Місце для тексту 2">
             <a:extLst>
               <a:ext uri="{FF2B5EF4-FFF2-40B4-BE49-F238E27FC236}">
-                <a16:creationId xmlns:a16="http://schemas.microsoft.com/office/drawing/2014/main" id="{565EBAF5-74D2-41E9-8D78-5EA8989C49E1}"/>
+                <a16:creationId xmlns:a16="http://schemas.microsoft.com/office/drawing/2014/main" id="{51A06BB8-A26E-428B-8BAF-E1372810A178}"/>
               </a:ext>
             </a:extLst>
           </p:cNvPr>
@@ -10871,8 +10867,8 @@
         </p:nvSpPr>
         <p:spPr>
           <a:xfrm>
-            <a:off x="685800" y="1172819"/>
-            <a:ext cx="5174998" cy="4313581"/>
+            <a:off x="685800" y="2057400"/>
+            <a:ext cx="5410200" cy="3429000"/>
           </a:xfrm>
         </p:spPr>
         <p:txBody>
@@ -10889,399 +10885,166 @@
             </a:r>
             <a:r>
               <a:rPr lang="en-US" dirty="0"/>
-              <a:t> Car  {</a:t>
-            </a:r>
-          </a:p>
-          <a:p>
-            <a:r>
-              <a:rPr lang="en-US" dirty="0"/>
-              <a:t>  constructor(brand) {</a:t>
-            </a:r>
-          </a:p>
-          <a:p>
-            <a:r>
-              <a:rPr lang="en-US" dirty="0"/>
-              <a:t>    </a:t>
-            </a:r>
-            <a:r>
-              <a:rPr lang="en-US" dirty="0" err="1">
-                <a:solidFill>
-                  <a:srgbClr val="0070C0"/>
-                </a:solidFill>
-              </a:rPr>
-              <a:t>this</a:t>
+              <a:t> User {</a:t>
+            </a:r>
+          </a:p>
+          <a:p>
+            <a:r>
+              <a:rPr lang="en-US" dirty="0"/>
+              <a:t>  name = "Anonymous";</a:t>
+            </a:r>
+          </a:p>
+          <a:p>
+            <a:endParaRPr lang="en-US" dirty="0"/>
+          </a:p>
+          <a:p>
+            <a:r>
+              <a:rPr lang="en-US" dirty="0"/>
+              <a:t>  </a:t>
             </a:r>
             <a:r>
               <a:rPr lang="en-US" dirty="0" err="1"/>
-              <a:t>.speed</a:t>
-            </a:r>
-            <a:r>
-              <a:rPr lang="en-US" dirty="0"/>
-              <a:t> = 0;</a:t>
-            </a:r>
-          </a:p>
-          <a:p>
-            <a:r>
-              <a:rPr lang="en-US" dirty="0"/>
-              <a:t>    </a:t>
-            </a:r>
-            <a:r>
-              <a:rPr lang="en-US" dirty="0" err="1">
-                <a:solidFill>
-                  <a:srgbClr val="0070C0"/>
-                </a:solidFill>
-              </a:rPr>
-              <a:t>this</a:t>
-            </a:r>
-            <a:r>
-              <a:rPr lang="en-US" dirty="0" err="1"/>
-              <a:t>.brand</a:t>
-            </a:r>
-            <a:r>
-              <a:rPr lang="en-US" dirty="0"/>
-              <a:t> = brand;</a:t>
-            </a:r>
-          </a:p>
-          <a:p>
-            <a:r>
-              <a:rPr lang="en-US" dirty="0"/>
-              <a:t>  }</a:t>
-            </a:r>
-          </a:p>
-          <a:p>
-            <a:r>
-              <a:rPr lang="en-US" dirty="0"/>
-              <a:t>  run(speed) {</a:t>
-            </a:r>
-          </a:p>
-          <a:p>
-            <a:r>
-              <a:rPr lang="en-US" dirty="0"/>
-              <a:t>    </a:t>
-            </a:r>
-            <a:r>
-              <a:rPr lang="en-US" dirty="0" err="1">
-                <a:solidFill>
-                  <a:srgbClr val="0070C0"/>
-                </a:solidFill>
-              </a:rPr>
-              <a:t>this</a:t>
-            </a:r>
-            <a:r>
-              <a:rPr lang="en-US" dirty="0" err="1"/>
-              <a:t>.speed</a:t>
-            </a:r>
-            <a:r>
-              <a:rPr lang="en-US" dirty="0"/>
-              <a:t> += speed;</a:t>
-            </a:r>
-          </a:p>
-          <a:p>
-            <a:r>
-              <a:rPr lang="en-US" dirty="0"/>
-              <a:t>    alert(`${</a:t>
-            </a:r>
-            <a:r>
-              <a:rPr lang="en-US" dirty="0" err="1"/>
-              <a:t>this.brand</a:t>
-            </a:r>
-            <a:r>
-              <a:rPr lang="en-US" dirty="0"/>
-              <a:t>} goes with speed 	  ${</a:t>
-            </a:r>
-            <a:r>
-              <a:rPr lang="en-US" dirty="0" err="1"/>
-              <a:t>this.speed</a:t>
-            </a:r>
-            <a:r>
-              <a:rPr lang="en-US" dirty="0"/>
-              <a:t>}`);</a:t>
-            </a:r>
-          </a:p>
-          <a:p>
-            <a:r>
-              <a:rPr lang="en-US" dirty="0"/>
-              <a:t>  }</a:t>
-            </a:r>
-          </a:p>
-          <a:p>
-            <a:r>
-              <a:rPr lang="en-US" dirty="0"/>
-              <a:t>}</a:t>
-            </a:r>
-          </a:p>
-          <a:p>
-            <a:endParaRPr lang="ru-RU" dirty="0"/>
-          </a:p>
-        </p:txBody>
-      </p:sp>
-      <p:sp>
-        <p:nvSpPr>
-          <p:cNvPr id="4" name="Текст 3">
-            <a:extLst>
-              <a:ext uri="{FF2B5EF4-FFF2-40B4-BE49-F238E27FC236}">
-                <a16:creationId xmlns:a16="http://schemas.microsoft.com/office/drawing/2014/main" id="{274C3D5B-0D96-42CD-AD8D-79C987650DFF}"/>
-              </a:ext>
-            </a:extLst>
-          </p:cNvPr>
-          <p:cNvSpPr>
-            <a:spLocks noGrp="1"/>
-          </p:cNvSpPr>
-          <p:nvPr>
-            <p:ph type="body" sz="quarter" idx="11"/>
-          </p:nvPr>
-        </p:nvSpPr>
-        <p:spPr>
-          <a:xfrm>
-            <a:off x="6330696" y="1172819"/>
-            <a:ext cx="5175504" cy="4313581"/>
-          </a:xfrm>
-        </p:spPr>
-        <p:txBody>
-          <a:bodyPr/>
-          <a:lstStyle/>
-          <a:p>
+              <a:t>sayHi</a:t>
+            </a:r>
+            <a:r>
+              <a:rPr lang="en-US" dirty="0"/>
+              <a:t>() {</a:t>
+            </a:r>
+          </a:p>
+          <a:p>
+            <a:r>
+              <a:rPr lang="en-US" dirty="0"/>
+              <a:t>    alert(`Hello, ${</a:t>
+            </a:r>
             <a:r>
               <a:rPr lang="en-US" dirty="0">
                 <a:solidFill>
                   <a:srgbClr val="0070C0"/>
                 </a:solidFill>
-                <a:latin typeface="Open Sans" panose="020B0604020202020204" charset="0"/>
-                <a:ea typeface="Open Sans" panose="020B0604020202020204" charset="0"/>
-                <a:cs typeface="Open Sans" panose="020B0604020202020204" charset="0"/>
-              </a:rPr>
-              <a:t>class</a:t>
-            </a:r>
-            <a:r>
-              <a:rPr lang="en-US" dirty="0">
-                <a:latin typeface="Open Sans" panose="020B0604020202020204" charset="0"/>
-                <a:ea typeface="Open Sans" panose="020B0604020202020204" charset="0"/>
-                <a:cs typeface="Open Sans" panose="020B0604020202020204" charset="0"/>
-              </a:rPr>
-              <a:t> </a:t>
-            </a:r>
-            <a:r>
-              <a:rPr lang="en-US" dirty="0" err="1">
-                <a:latin typeface="Open Sans" panose="020B0604020202020204" charset="0"/>
-                <a:ea typeface="Open Sans" panose="020B0604020202020204" charset="0"/>
-                <a:cs typeface="Open Sans" panose="020B0604020202020204" charset="0"/>
-              </a:rPr>
-              <a:t>Vovlo</a:t>
-            </a:r>
-            <a:r>
-              <a:rPr lang="en-US" dirty="0">
-                <a:latin typeface="Open Sans" panose="020B0604020202020204" charset="0"/>
-                <a:ea typeface="Open Sans" panose="020B0604020202020204" charset="0"/>
-                <a:cs typeface="Open Sans" panose="020B0604020202020204" charset="0"/>
-              </a:rPr>
-              <a:t> </a:t>
-            </a:r>
+              </a:rPr>
+              <a:t>this</a:t>
+            </a:r>
+            <a:r>
+              <a:rPr lang="en-US" dirty="0"/>
+              <a:t>.name}!`);</a:t>
+            </a:r>
+          </a:p>
+          <a:p>
+            <a:r>
+              <a:rPr lang="en-US" dirty="0"/>
+              <a:t>  }</a:t>
+            </a:r>
+          </a:p>
+          <a:p>
+            <a:r>
+              <a:rPr lang="en-US" dirty="0"/>
+              <a:t>}</a:t>
+            </a:r>
+          </a:p>
+          <a:p>
             <a:r>
               <a:rPr lang="en-US" dirty="0">
                 <a:solidFill>
                   <a:srgbClr val="0070C0"/>
                 </a:solidFill>
-                <a:latin typeface="Open Sans" panose="020B0604020202020204" charset="0"/>
-                <a:ea typeface="Open Sans" panose="020B0604020202020204" charset="0"/>
-                <a:cs typeface="Open Sans" panose="020B0604020202020204" charset="0"/>
-              </a:rPr>
-              <a:t>extends</a:t>
-            </a:r>
-            <a:r>
-              <a:rPr lang="en-US" dirty="0">
-                <a:latin typeface="Open Sans" panose="020B0604020202020204" charset="0"/>
-                <a:ea typeface="Open Sans" panose="020B0604020202020204" charset="0"/>
-                <a:cs typeface="Open Sans" panose="020B0604020202020204" charset="0"/>
-              </a:rPr>
-              <a:t> Car {</a:t>
-            </a:r>
-          </a:p>
-          <a:p>
-            <a:r>
-              <a:rPr lang="en-US" dirty="0">
-                <a:latin typeface="Open Sans" panose="020B0604020202020204" charset="0"/>
-                <a:ea typeface="Open Sans" panose="020B0604020202020204" charset="0"/>
-                <a:cs typeface="Open Sans" panose="020B0604020202020204" charset="0"/>
-              </a:rPr>
-              <a:t>  info() {</a:t>
-            </a:r>
-          </a:p>
-          <a:p>
-            <a:r>
-              <a:rPr lang="en-US" dirty="0">
-                <a:latin typeface="Open Sans" panose="020B0604020202020204" charset="0"/>
-                <a:ea typeface="Open Sans" panose="020B0604020202020204" charset="0"/>
-                <a:cs typeface="Open Sans" panose="020B0604020202020204" charset="0"/>
-              </a:rPr>
-              <a:t>    alert(`This is ${</a:t>
-            </a:r>
-            <a:r>
-              <a:rPr lang="en-US" dirty="0" err="1">
-                <a:latin typeface="Open Sans" panose="020B0604020202020204" charset="0"/>
-                <a:ea typeface="Open Sans" panose="020B0604020202020204" charset="0"/>
-                <a:cs typeface="Open Sans" panose="020B0604020202020204" charset="0"/>
-              </a:rPr>
-              <a:t>this.brand</a:t>
-            </a:r>
-            <a:r>
-              <a:rPr lang="en-US" dirty="0">
-                <a:latin typeface="Open Sans" panose="020B0604020202020204" charset="0"/>
-                <a:ea typeface="Open Sans" panose="020B0604020202020204" charset="0"/>
-                <a:cs typeface="Open Sans" panose="020B0604020202020204" charset="0"/>
-              </a:rPr>
-              <a:t>}`);</a:t>
-            </a:r>
-          </a:p>
-          <a:p>
-            <a:r>
-              <a:rPr lang="en-US" dirty="0">
-                <a:latin typeface="Open Sans" panose="020B0604020202020204" charset="0"/>
-                <a:ea typeface="Open Sans" panose="020B0604020202020204" charset="0"/>
-                <a:cs typeface="Open Sans" panose="020B0604020202020204" charset="0"/>
-              </a:rPr>
-              <a:t>  }</a:t>
-            </a:r>
-          </a:p>
-          <a:p>
-            <a:r>
-              <a:rPr lang="en-US" dirty="0">
-                <a:latin typeface="Open Sans" panose="020B0604020202020204" charset="0"/>
-                <a:ea typeface="Open Sans" panose="020B0604020202020204" charset="0"/>
-                <a:cs typeface="Open Sans" panose="020B0604020202020204" charset="0"/>
-              </a:rPr>
-              <a:t>}</a:t>
-            </a:r>
-          </a:p>
-          <a:p>
-            <a:r>
-              <a:rPr lang="en-US" dirty="0">
-                <a:solidFill>
-                  <a:srgbClr val="0070C0"/>
-                </a:solidFill>
-                <a:latin typeface="Open Sans" panose="020B0604020202020204" charset="0"/>
-                <a:ea typeface="Open Sans" panose="020B0604020202020204" charset="0"/>
-                <a:cs typeface="Open Sans" panose="020B0604020202020204" charset="0"/>
-              </a:rPr>
-              <a:t>let</a:t>
-            </a:r>
-            <a:r>
-              <a:rPr lang="en-US" dirty="0">
-                <a:latin typeface="Open Sans" panose="020B0604020202020204" charset="0"/>
-                <a:ea typeface="Open Sans" panose="020B0604020202020204" charset="0"/>
-                <a:cs typeface="Open Sans" panose="020B0604020202020204" charset="0"/>
-              </a:rPr>
-              <a:t> </a:t>
-            </a:r>
-            <a:r>
-              <a:rPr lang="en-US" dirty="0" err="1">
-                <a:latin typeface="Open Sans" panose="020B0604020202020204" charset="0"/>
-                <a:ea typeface="Open Sans" panose="020B0604020202020204" charset="0"/>
-                <a:cs typeface="Open Sans" panose="020B0604020202020204" charset="0"/>
-              </a:rPr>
-              <a:t>volvo</a:t>
-            </a:r>
-            <a:r>
-              <a:rPr lang="en-US" dirty="0">
-                <a:latin typeface="Open Sans" panose="020B0604020202020204" charset="0"/>
-                <a:ea typeface="Open Sans" panose="020B0604020202020204" charset="0"/>
-                <a:cs typeface="Open Sans" panose="020B0604020202020204" charset="0"/>
-              </a:rPr>
-              <a:t> = </a:t>
-            </a:r>
-            <a:r>
-              <a:rPr lang="en-US" dirty="0">
-                <a:solidFill>
-                  <a:srgbClr val="0070C0"/>
-                </a:solidFill>
-                <a:latin typeface="Open Sans" panose="020B0604020202020204" charset="0"/>
-                <a:ea typeface="Open Sans" panose="020B0604020202020204" charset="0"/>
-                <a:cs typeface="Open Sans" panose="020B0604020202020204" charset="0"/>
               </a:rPr>
               <a:t>new</a:t>
             </a:r>
             <a:r>
-              <a:rPr lang="en-US" dirty="0">
-                <a:latin typeface="Open Sans" panose="020B0604020202020204" charset="0"/>
-                <a:ea typeface="Open Sans" panose="020B0604020202020204" charset="0"/>
-                <a:cs typeface="Open Sans" panose="020B0604020202020204" charset="0"/>
-              </a:rPr>
-              <a:t> Volvo(“Volvo XC90");</a:t>
-            </a:r>
-          </a:p>
-          <a:p>
-            <a:endParaRPr lang="en-US" dirty="0">
-              <a:latin typeface="Open Sans" panose="020B0604020202020204" charset="0"/>
-              <a:ea typeface="Open Sans" panose="020B0604020202020204" charset="0"/>
-              <a:cs typeface="Open Sans" panose="020B0604020202020204" charset="0"/>
-            </a:endParaRPr>
-          </a:p>
-          <a:p>
-            <a:r>
-              <a:rPr lang="en-US" dirty="0" err="1">
-                <a:latin typeface="Open Sans" panose="020B0604020202020204" charset="0"/>
-                <a:ea typeface="Open Sans" panose="020B0604020202020204" charset="0"/>
-                <a:cs typeface="Open Sans" panose="020B0604020202020204" charset="0"/>
-              </a:rPr>
-              <a:t>volvo.run</a:t>
-            </a:r>
-            <a:r>
-              <a:rPr lang="en-US" dirty="0">
-                <a:latin typeface="Open Sans" panose="020B0604020202020204" charset="0"/>
-                <a:ea typeface="Open Sans" panose="020B0604020202020204" charset="0"/>
-                <a:cs typeface="Open Sans" panose="020B0604020202020204" charset="0"/>
-              </a:rPr>
-              <a:t>(100); // </a:t>
+              <a:rPr lang="en-US" dirty="0"/>
+              <a:t> User().</a:t>
+            </a:r>
+            <a:r>
+              <a:rPr lang="en-US" dirty="0" err="1"/>
+              <a:t>sayHi</a:t>
+            </a:r>
+            <a:r>
+              <a:rPr lang="en-US" dirty="0"/>
+              <a:t>(); </a:t>
             </a:r>
             <a:r>
               <a:rPr lang="en-US" dirty="0">
                 <a:solidFill>
                   <a:srgbClr val="00B050"/>
                 </a:solidFill>
-                <a:latin typeface="Open Sans" panose="020B0604020202020204" charset="0"/>
-                <a:ea typeface="Open Sans" panose="020B0604020202020204" charset="0"/>
-                <a:cs typeface="Open Sans" panose="020B0604020202020204" charset="0"/>
-              </a:rPr>
-              <a:t>Volvo XC90 goes with speed 100</a:t>
-            </a:r>
-          </a:p>
-          <a:p>
-            <a:r>
-              <a:rPr lang="en-US" dirty="0">
-                <a:latin typeface="Open Sans" panose="020B0604020202020204" charset="0"/>
-                <a:ea typeface="Open Sans" panose="020B0604020202020204" charset="0"/>
-                <a:cs typeface="Open Sans" panose="020B0604020202020204" charset="0"/>
-              </a:rPr>
-              <a:t>volvo.info(); // </a:t>
-            </a:r>
-            <a:r>
-              <a:rPr lang="en-US" dirty="0">
-                <a:solidFill>
-                  <a:srgbClr val="00B050"/>
-                </a:solidFill>
-                <a:latin typeface="Open Sans" panose="020B0604020202020204" charset="0"/>
-                <a:ea typeface="Open Sans" panose="020B0604020202020204" charset="0"/>
-                <a:cs typeface="Open Sans" panose="020B0604020202020204" charset="0"/>
-              </a:rPr>
-              <a:t>This is Volvo XC90</a:t>
+              </a:rPr>
+              <a:t>// “Hello, Anonymous”</a:t>
             </a:r>
             <a:endParaRPr lang="uk-UA" dirty="0">
               <a:solidFill>
                 <a:srgbClr val="00B050"/>
               </a:solidFill>
-              <a:latin typeface="Open Sans" panose="020B0604020202020204" charset="0"/>
-              <a:ea typeface="Open Sans" panose="020B0604020202020204" charset="0"/>
-              <a:cs typeface="Open Sans" panose="020B0604020202020204" charset="0"/>
             </a:endParaRPr>
           </a:p>
-          <a:p>
-            <a:endParaRPr lang="ru-RU" dirty="0"/>
+        </p:txBody>
+      </p:sp>
+      <p:sp>
+        <p:nvSpPr>
+          <p:cNvPr id="11" name="Прямокутник 10">
+            <a:extLst>
+              <a:ext uri="{FF2B5EF4-FFF2-40B4-BE49-F238E27FC236}">
+                <a16:creationId xmlns:a16="http://schemas.microsoft.com/office/drawing/2014/main" id="{9B54ED77-D749-4A8D-8560-90A774CBE789}"/>
+              </a:ext>
+            </a:extLst>
+          </p:cNvPr>
+          <p:cNvSpPr/>
+          <p:nvPr/>
+        </p:nvSpPr>
+        <p:spPr>
+          <a:xfrm>
+            <a:off x="6096000" y="2057400"/>
+            <a:ext cx="6096000" cy="1015663"/>
+          </a:xfrm>
+          <a:prstGeom prst="rect">
+            <a:avLst/>
+          </a:prstGeom>
+        </p:spPr>
+        <p:txBody>
+          <a:bodyPr>
+            <a:spAutoFit/>
+          </a:bodyPr>
+          <a:lstStyle/>
+          <a:p>
+            <a:r>
+              <a:rPr lang="en-US" sz="2000" dirty="0"/>
+              <a:t>The property </a:t>
+            </a:r>
+            <a:r>
+              <a:rPr lang="en-US" sz="2000" i="1" dirty="0"/>
+              <a:t>name</a:t>
+            </a:r>
+            <a:r>
+              <a:rPr lang="en-US" sz="2000" dirty="0"/>
+              <a:t> is not placed into </a:t>
+            </a:r>
+            <a:r>
+              <a:rPr lang="en-US" sz="2000" i="1" dirty="0" err="1"/>
+              <a:t>User.prototype</a:t>
+            </a:r>
+            <a:r>
+              <a:rPr lang="en-US" sz="2000" i="1" dirty="0"/>
+              <a:t>. </a:t>
+            </a:r>
+            <a:r>
+              <a:rPr lang="en-US" sz="2000" dirty="0"/>
+              <a:t>Instead, it is created by </a:t>
+            </a:r>
+            <a:r>
+              <a:rPr lang="en-US" sz="2000" i="1" dirty="0"/>
+              <a:t>new </a:t>
+            </a:r>
+            <a:r>
+              <a:rPr lang="en-US" sz="2000" dirty="0"/>
+              <a:t>before calling constructor, it’s the property of the object itself.</a:t>
+            </a:r>
+            <a:endParaRPr lang="uk-UA" sz="2000" dirty="0"/>
           </a:p>
         </p:txBody>
       </p:sp>
     </p:spTree>
     <p:extLst>
       <p:ext uri="{BB962C8B-B14F-4D97-AF65-F5344CB8AC3E}">
-        <p14:creationId xmlns:p14="http://schemas.microsoft.com/office/powerpoint/2010/main" val="2625436551"/>
+        <p14:creationId xmlns:p14="http://schemas.microsoft.com/office/powerpoint/2010/main" val="3000571340"/>
       </p:ext>
     </p:extLst>
   </p:cSld>
@@ -11313,7 +11076,7 @@
           <p:cNvPr id="2" name="Заголовок 1">
             <a:extLst>
               <a:ext uri="{FF2B5EF4-FFF2-40B4-BE49-F238E27FC236}">
-                <a16:creationId xmlns:a16="http://schemas.microsoft.com/office/drawing/2014/main" id="{D1CAA74E-CDF8-4565-8C38-BD1A8AF738C7}"/>
+                <a16:creationId xmlns:a16="http://schemas.microsoft.com/office/drawing/2014/main" id="{7D97A0D1-8D0F-4036-B0B1-89F78F69EF6A}"/>
               </a:ext>
             </a:extLst>
           </p:cNvPr>
@@ -11324,29 +11087,30 @@
             <p:ph type="title"/>
           </p:nvPr>
         </p:nvSpPr>
-        <p:spPr/>
+        <p:spPr>
+          <a:xfrm>
+            <a:off x="685800" y="487019"/>
+            <a:ext cx="10820400" cy="685800"/>
+          </a:xfrm>
+        </p:spPr>
         <p:txBody>
           <a:bodyPr/>
           <a:lstStyle/>
           <a:p>
             <a:r>
-              <a:rPr lang="uk-UA" dirty="0"/>
-              <a:t> </a:t>
-            </a:r>
-            <a:r>
-              <a:rPr lang="en-US" dirty="0"/>
-              <a:t>Super</a:t>
-            </a:r>
-            <a:endParaRPr lang="uk-UA" dirty="0"/>
-          </a:p>
-        </p:txBody>
-      </p:sp>
-      <p:sp>
-        <p:nvSpPr>
-          <p:cNvPr id="3" name="Місце для тексту 2">
+              <a:rPr lang="en-US" dirty="0"/>
+              <a:t>Inheritance</a:t>
+            </a:r>
+            <a:endParaRPr lang="ru-RU" dirty="0"/>
+          </a:p>
+        </p:txBody>
+      </p:sp>
+      <p:sp>
+        <p:nvSpPr>
+          <p:cNvPr id="3" name="Текст 2">
             <a:extLst>
               <a:ext uri="{FF2B5EF4-FFF2-40B4-BE49-F238E27FC236}">
-                <a16:creationId xmlns:a16="http://schemas.microsoft.com/office/drawing/2014/main" id="{B83C73AF-CEC7-4731-A18C-046D088E7DEA}"/>
+                <a16:creationId xmlns:a16="http://schemas.microsoft.com/office/drawing/2014/main" id="{565EBAF5-74D2-41E9-8D78-5EA8989C49E1}"/>
               </a:ext>
             </a:extLst>
           </p:cNvPr>
@@ -11357,58 +11121,419 @@
             <p:ph type="body" sz="quarter" idx="10"/>
           </p:nvPr>
         </p:nvSpPr>
-        <p:spPr/>
+        <p:spPr>
+          <a:xfrm>
+            <a:off x="685800" y="1172819"/>
+            <a:ext cx="5174998" cy="4313581"/>
+          </a:xfrm>
+        </p:spPr>
         <p:txBody>
           <a:bodyPr/>
           <a:lstStyle/>
           <a:p>
-            <a:pPr marL="342900" indent="-342900">
-              <a:buFont typeface="Arial" panose="020B0604020202020204" pitchFamily="34" charset="0"/>
-              <a:buChar char="•"/>
-            </a:pPr>
-            <a:r>
-              <a:rPr lang="en-US" dirty="0"/>
-              <a:t>When a normal constructor runs, it creates an empty object and assigns it to this.</a:t>
-            </a:r>
-          </a:p>
-          <a:p>
-            <a:pPr marL="342900" indent="-342900">
-              <a:buFont typeface="Arial" panose="020B0604020202020204" pitchFamily="34" charset="0"/>
-              <a:buChar char="•"/>
-            </a:pPr>
-            <a:r>
-              <a:rPr lang="en-US" dirty="0"/>
-              <a:t>But when a derived constructor runs, it doesn’t do this. It expects the parent constructor to do this job.</a:t>
-            </a:r>
-          </a:p>
-          <a:p>
-            <a:pPr marL="342900" indent="-342900">
-              <a:buFont typeface="Arial" panose="020B0604020202020204" pitchFamily="34" charset="0"/>
-              <a:buChar char="•"/>
-            </a:pPr>
-            <a:endParaRPr lang="en-US" dirty="0"/>
-          </a:p>
-          <a:p>
-            <a:r>
-              <a:rPr lang="en-US" dirty="0"/>
-              <a:t>So if we’re making a constructor of our own, then we must call </a:t>
-            </a:r>
-            <a:r>
-              <a:rPr lang="en-US" i="1" dirty="0"/>
-              <a:t>super</a:t>
-            </a:r>
-            <a:r>
-              <a:rPr lang="en-US" dirty="0"/>
-              <a:t>, because otherwise the object for this won’t be created. And we’ll get an error.</a:t>
-            </a:r>
-            <a:endParaRPr lang="uk-UA" dirty="0"/>
+            <a:r>
+              <a:rPr lang="en-US" dirty="0">
+                <a:solidFill>
+                  <a:srgbClr val="0070C0"/>
+                </a:solidFill>
+              </a:rPr>
+              <a:t>class</a:t>
+            </a:r>
+            <a:r>
+              <a:rPr lang="en-US" dirty="0"/>
+              <a:t> Car  {</a:t>
+            </a:r>
+          </a:p>
+          <a:p>
+            <a:r>
+              <a:rPr lang="en-US" dirty="0"/>
+              <a:t>  constructor(brand) {</a:t>
+            </a:r>
+          </a:p>
+          <a:p>
+            <a:r>
+              <a:rPr lang="en-US" dirty="0"/>
+              <a:t>    </a:t>
+            </a:r>
+            <a:r>
+              <a:rPr lang="en-US" dirty="0" err="1">
+                <a:solidFill>
+                  <a:srgbClr val="0070C0"/>
+                </a:solidFill>
+              </a:rPr>
+              <a:t>this</a:t>
+            </a:r>
+            <a:r>
+              <a:rPr lang="en-US" dirty="0" err="1"/>
+              <a:t>.speed</a:t>
+            </a:r>
+            <a:r>
+              <a:rPr lang="en-US" dirty="0"/>
+              <a:t> = 0;</a:t>
+            </a:r>
+          </a:p>
+          <a:p>
+            <a:r>
+              <a:rPr lang="en-US" dirty="0"/>
+              <a:t>    </a:t>
+            </a:r>
+            <a:r>
+              <a:rPr lang="en-US" dirty="0" err="1">
+                <a:solidFill>
+                  <a:srgbClr val="0070C0"/>
+                </a:solidFill>
+              </a:rPr>
+              <a:t>this</a:t>
+            </a:r>
+            <a:r>
+              <a:rPr lang="en-US" dirty="0" err="1"/>
+              <a:t>.brand</a:t>
+            </a:r>
+            <a:r>
+              <a:rPr lang="en-US" dirty="0"/>
+              <a:t> = brand;</a:t>
+            </a:r>
+          </a:p>
+          <a:p>
+            <a:r>
+              <a:rPr lang="en-US" dirty="0"/>
+              <a:t>  }</a:t>
+            </a:r>
+          </a:p>
+          <a:p>
+            <a:r>
+              <a:rPr lang="en-US" dirty="0"/>
+              <a:t>  run(speed) {</a:t>
+            </a:r>
+          </a:p>
+          <a:p>
+            <a:r>
+              <a:rPr lang="en-US" dirty="0"/>
+              <a:t>    </a:t>
+            </a:r>
+            <a:r>
+              <a:rPr lang="en-US" dirty="0" err="1">
+                <a:solidFill>
+                  <a:srgbClr val="0070C0"/>
+                </a:solidFill>
+              </a:rPr>
+              <a:t>this</a:t>
+            </a:r>
+            <a:r>
+              <a:rPr lang="en-US" dirty="0" err="1"/>
+              <a:t>.speed</a:t>
+            </a:r>
+            <a:r>
+              <a:rPr lang="en-US" dirty="0"/>
+              <a:t> += speed;</a:t>
+            </a:r>
+          </a:p>
+          <a:p>
+            <a:r>
+              <a:rPr lang="en-US" dirty="0"/>
+              <a:t>    alert(`${</a:t>
+            </a:r>
+            <a:r>
+              <a:rPr lang="en-US" dirty="0" err="1"/>
+              <a:t>this.brand</a:t>
+            </a:r>
+            <a:r>
+              <a:rPr lang="en-US" dirty="0"/>
+              <a:t>} goes with speed 	  ${</a:t>
+            </a:r>
+            <a:r>
+              <a:rPr lang="en-US" dirty="0" err="1"/>
+              <a:t>this.speed</a:t>
+            </a:r>
+            <a:r>
+              <a:rPr lang="en-US" dirty="0"/>
+              <a:t>}`);</a:t>
+            </a:r>
+          </a:p>
+          <a:p>
+            <a:r>
+              <a:rPr lang="en-US" dirty="0"/>
+              <a:t>  }</a:t>
+            </a:r>
+          </a:p>
+          <a:p>
+            <a:r>
+              <a:rPr lang="en-US" dirty="0"/>
+              <a:t>}</a:t>
+            </a:r>
+          </a:p>
+          <a:p>
+            <a:endParaRPr lang="ru-RU" dirty="0"/>
+          </a:p>
+        </p:txBody>
+      </p:sp>
+      <p:sp>
+        <p:nvSpPr>
+          <p:cNvPr id="4" name="Текст 3">
+            <a:extLst>
+              <a:ext uri="{FF2B5EF4-FFF2-40B4-BE49-F238E27FC236}">
+                <a16:creationId xmlns:a16="http://schemas.microsoft.com/office/drawing/2014/main" id="{274C3D5B-0D96-42CD-AD8D-79C987650DFF}"/>
+              </a:ext>
+            </a:extLst>
+          </p:cNvPr>
+          <p:cNvSpPr>
+            <a:spLocks noGrp="1"/>
+          </p:cNvSpPr>
+          <p:nvPr>
+            <p:ph type="body" sz="quarter" idx="11"/>
+          </p:nvPr>
+        </p:nvSpPr>
+        <p:spPr>
+          <a:xfrm>
+            <a:off x="6330696" y="1172819"/>
+            <a:ext cx="5175504" cy="4313581"/>
+          </a:xfrm>
+        </p:spPr>
+        <p:txBody>
+          <a:bodyPr/>
+          <a:lstStyle/>
+          <a:p>
+            <a:r>
+              <a:rPr lang="en-US" dirty="0">
+                <a:solidFill>
+                  <a:srgbClr val="0070C0"/>
+                </a:solidFill>
+                <a:latin typeface="Open Sans" panose="020B0604020202020204" charset="0"/>
+                <a:ea typeface="Open Sans" panose="020B0604020202020204" charset="0"/>
+                <a:cs typeface="Open Sans" panose="020B0604020202020204" charset="0"/>
+              </a:rPr>
+              <a:t>class</a:t>
+            </a:r>
+            <a:r>
+              <a:rPr lang="en-US" dirty="0">
+                <a:latin typeface="Open Sans" panose="020B0604020202020204" charset="0"/>
+                <a:ea typeface="Open Sans" panose="020B0604020202020204" charset="0"/>
+                <a:cs typeface="Open Sans" panose="020B0604020202020204" charset="0"/>
+              </a:rPr>
+              <a:t> </a:t>
+            </a:r>
+            <a:r>
+              <a:rPr lang="en-US" dirty="0" err="1">
+                <a:latin typeface="Open Sans" panose="020B0604020202020204" charset="0"/>
+                <a:ea typeface="Open Sans" panose="020B0604020202020204" charset="0"/>
+                <a:cs typeface="Open Sans" panose="020B0604020202020204" charset="0"/>
+              </a:rPr>
+              <a:t>Vovlo</a:t>
+            </a:r>
+            <a:r>
+              <a:rPr lang="en-US" dirty="0">
+                <a:latin typeface="Open Sans" panose="020B0604020202020204" charset="0"/>
+                <a:ea typeface="Open Sans" panose="020B0604020202020204" charset="0"/>
+                <a:cs typeface="Open Sans" panose="020B0604020202020204" charset="0"/>
+              </a:rPr>
+              <a:t> </a:t>
+            </a:r>
+            <a:r>
+              <a:rPr lang="en-US" dirty="0">
+                <a:solidFill>
+                  <a:srgbClr val="0070C0"/>
+                </a:solidFill>
+                <a:latin typeface="Open Sans" panose="020B0604020202020204" charset="0"/>
+                <a:ea typeface="Open Sans" panose="020B0604020202020204" charset="0"/>
+                <a:cs typeface="Open Sans" panose="020B0604020202020204" charset="0"/>
+              </a:rPr>
+              <a:t>extends</a:t>
+            </a:r>
+            <a:r>
+              <a:rPr lang="en-US" dirty="0">
+                <a:latin typeface="Open Sans" panose="020B0604020202020204" charset="0"/>
+                <a:ea typeface="Open Sans" panose="020B0604020202020204" charset="0"/>
+                <a:cs typeface="Open Sans" panose="020B0604020202020204" charset="0"/>
+              </a:rPr>
+              <a:t> Car {</a:t>
+            </a:r>
+          </a:p>
+          <a:p>
+            <a:r>
+              <a:rPr lang="en-US" dirty="0">
+                <a:latin typeface="Open Sans" panose="020B0604020202020204" charset="0"/>
+                <a:ea typeface="Open Sans" panose="020B0604020202020204" charset="0"/>
+                <a:cs typeface="Open Sans" panose="020B0604020202020204" charset="0"/>
+              </a:rPr>
+              <a:t>  info() {</a:t>
+            </a:r>
+          </a:p>
+          <a:p>
+            <a:r>
+              <a:rPr lang="en-US" dirty="0">
+                <a:latin typeface="Open Sans" panose="020B0604020202020204" charset="0"/>
+                <a:ea typeface="Open Sans" panose="020B0604020202020204" charset="0"/>
+                <a:cs typeface="Open Sans" panose="020B0604020202020204" charset="0"/>
+              </a:rPr>
+              <a:t>    alert(`This is ${</a:t>
+            </a:r>
+            <a:r>
+              <a:rPr lang="en-US" dirty="0" err="1">
+                <a:latin typeface="Open Sans" panose="020B0604020202020204" charset="0"/>
+                <a:ea typeface="Open Sans" panose="020B0604020202020204" charset="0"/>
+                <a:cs typeface="Open Sans" panose="020B0604020202020204" charset="0"/>
+              </a:rPr>
+              <a:t>this.brand</a:t>
+            </a:r>
+            <a:r>
+              <a:rPr lang="en-US" dirty="0">
+                <a:latin typeface="Open Sans" panose="020B0604020202020204" charset="0"/>
+                <a:ea typeface="Open Sans" panose="020B0604020202020204" charset="0"/>
+                <a:cs typeface="Open Sans" panose="020B0604020202020204" charset="0"/>
+              </a:rPr>
+              <a:t>}`);</a:t>
+            </a:r>
+          </a:p>
+          <a:p>
+            <a:r>
+              <a:rPr lang="en-US" dirty="0">
+                <a:latin typeface="Open Sans" panose="020B0604020202020204" charset="0"/>
+                <a:ea typeface="Open Sans" panose="020B0604020202020204" charset="0"/>
+                <a:cs typeface="Open Sans" panose="020B0604020202020204" charset="0"/>
+              </a:rPr>
+              <a:t>  }</a:t>
+            </a:r>
+          </a:p>
+          <a:p>
+            <a:r>
+              <a:rPr lang="en-US" dirty="0">
+                <a:latin typeface="Open Sans" panose="020B0604020202020204" charset="0"/>
+                <a:ea typeface="Open Sans" panose="020B0604020202020204" charset="0"/>
+                <a:cs typeface="Open Sans" panose="020B0604020202020204" charset="0"/>
+              </a:rPr>
+              <a:t>}</a:t>
+            </a:r>
+          </a:p>
+          <a:p>
+            <a:r>
+              <a:rPr lang="en-US" dirty="0">
+                <a:solidFill>
+                  <a:srgbClr val="0070C0"/>
+                </a:solidFill>
+                <a:latin typeface="Open Sans" panose="020B0604020202020204" charset="0"/>
+                <a:ea typeface="Open Sans" panose="020B0604020202020204" charset="0"/>
+                <a:cs typeface="Open Sans" panose="020B0604020202020204" charset="0"/>
+              </a:rPr>
+              <a:t>let</a:t>
+            </a:r>
+            <a:r>
+              <a:rPr lang="en-US" dirty="0">
+                <a:latin typeface="Open Sans" panose="020B0604020202020204" charset="0"/>
+                <a:ea typeface="Open Sans" panose="020B0604020202020204" charset="0"/>
+                <a:cs typeface="Open Sans" panose="020B0604020202020204" charset="0"/>
+              </a:rPr>
+              <a:t> </a:t>
+            </a:r>
+            <a:r>
+              <a:rPr lang="en-US" dirty="0" err="1">
+                <a:latin typeface="Open Sans" panose="020B0604020202020204" charset="0"/>
+                <a:ea typeface="Open Sans" panose="020B0604020202020204" charset="0"/>
+                <a:cs typeface="Open Sans" panose="020B0604020202020204" charset="0"/>
+              </a:rPr>
+              <a:t>volvo</a:t>
+            </a:r>
+            <a:r>
+              <a:rPr lang="en-US" dirty="0">
+                <a:latin typeface="Open Sans" panose="020B0604020202020204" charset="0"/>
+                <a:ea typeface="Open Sans" panose="020B0604020202020204" charset="0"/>
+                <a:cs typeface="Open Sans" panose="020B0604020202020204" charset="0"/>
+              </a:rPr>
+              <a:t> = </a:t>
+            </a:r>
+            <a:r>
+              <a:rPr lang="en-US" dirty="0">
+                <a:solidFill>
+                  <a:srgbClr val="0070C0"/>
+                </a:solidFill>
+                <a:latin typeface="Open Sans" panose="020B0604020202020204" charset="0"/>
+                <a:ea typeface="Open Sans" panose="020B0604020202020204" charset="0"/>
+                <a:cs typeface="Open Sans" panose="020B0604020202020204" charset="0"/>
+              </a:rPr>
+              <a:t>new</a:t>
+            </a:r>
+            <a:r>
+              <a:rPr lang="en-US" dirty="0">
+                <a:latin typeface="Open Sans" panose="020B0604020202020204" charset="0"/>
+                <a:ea typeface="Open Sans" panose="020B0604020202020204" charset="0"/>
+                <a:cs typeface="Open Sans" panose="020B0604020202020204" charset="0"/>
+              </a:rPr>
+              <a:t> Volvo(“Volvo XC90");</a:t>
+            </a:r>
+          </a:p>
+          <a:p>
+            <a:endParaRPr lang="en-US" dirty="0">
+              <a:latin typeface="Open Sans" panose="020B0604020202020204" charset="0"/>
+              <a:ea typeface="Open Sans" panose="020B0604020202020204" charset="0"/>
+              <a:cs typeface="Open Sans" panose="020B0604020202020204" charset="0"/>
+            </a:endParaRPr>
+          </a:p>
+          <a:p>
+            <a:r>
+              <a:rPr lang="en-US" dirty="0" err="1">
+                <a:latin typeface="Open Sans" panose="020B0604020202020204" charset="0"/>
+                <a:ea typeface="Open Sans" panose="020B0604020202020204" charset="0"/>
+                <a:cs typeface="Open Sans" panose="020B0604020202020204" charset="0"/>
+              </a:rPr>
+              <a:t>volvo.run</a:t>
+            </a:r>
+            <a:r>
+              <a:rPr lang="en-US" dirty="0">
+                <a:latin typeface="Open Sans" panose="020B0604020202020204" charset="0"/>
+                <a:ea typeface="Open Sans" panose="020B0604020202020204" charset="0"/>
+                <a:cs typeface="Open Sans" panose="020B0604020202020204" charset="0"/>
+              </a:rPr>
+              <a:t>(100); // </a:t>
+            </a:r>
+            <a:r>
+              <a:rPr lang="en-US" dirty="0">
+                <a:solidFill>
+                  <a:srgbClr val="00B050"/>
+                </a:solidFill>
+                <a:latin typeface="Open Sans" panose="020B0604020202020204" charset="0"/>
+                <a:ea typeface="Open Sans" panose="020B0604020202020204" charset="0"/>
+                <a:cs typeface="Open Sans" panose="020B0604020202020204" charset="0"/>
+              </a:rPr>
+              <a:t>Volvo XC90 goes with speed 100</a:t>
+            </a:r>
+          </a:p>
+          <a:p>
+            <a:r>
+              <a:rPr lang="en-US" dirty="0">
+                <a:latin typeface="Open Sans" panose="020B0604020202020204" charset="0"/>
+                <a:ea typeface="Open Sans" panose="020B0604020202020204" charset="0"/>
+                <a:cs typeface="Open Sans" panose="020B0604020202020204" charset="0"/>
+              </a:rPr>
+              <a:t>volvo.info(); // </a:t>
+            </a:r>
+            <a:r>
+              <a:rPr lang="en-US" dirty="0">
+                <a:solidFill>
+                  <a:srgbClr val="00B050"/>
+                </a:solidFill>
+                <a:latin typeface="Open Sans" panose="020B0604020202020204" charset="0"/>
+                <a:ea typeface="Open Sans" panose="020B0604020202020204" charset="0"/>
+                <a:cs typeface="Open Sans" panose="020B0604020202020204" charset="0"/>
+              </a:rPr>
+              <a:t>This is Volvo XC90</a:t>
+            </a:r>
+            <a:endParaRPr lang="uk-UA" dirty="0">
+              <a:solidFill>
+                <a:srgbClr val="00B050"/>
+              </a:solidFill>
+              <a:latin typeface="Open Sans" panose="020B0604020202020204" charset="0"/>
+              <a:ea typeface="Open Sans" panose="020B0604020202020204" charset="0"/>
+              <a:cs typeface="Open Sans" panose="020B0604020202020204" charset="0"/>
+            </a:endParaRPr>
+          </a:p>
+          <a:p>
+            <a:endParaRPr lang="ru-RU" dirty="0"/>
           </a:p>
         </p:txBody>
       </p:sp>
     </p:spTree>
     <p:extLst>
       <p:ext uri="{BB962C8B-B14F-4D97-AF65-F5344CB8AC3E}">
-        <p14:creationId xmlns:p14="http://schemas.microsoft.com/office/powerpoint/2010/main" val="76493324"/>
+        <p14:creationId xmlns:p14="http://schemas.microsoft.com/office/powerpoint/2010/main" val="2625436551"/>
       </p:ext>
     </p:extLst>
   </p:cSld>
@@ -11440,7 +11565,7 @@
           <p:cNvPr id="2" name="Заголовок 1">
             <a:extLst>
               <a:ext uri="{FF2B5EF4-FFF2-40B4-BE49-F238E27FC236}">
-                <a16:creationId xmlns:a16="http://schemas.microsoft.com/office/drawing/2014/main" id="{A29145D6-69ED-434D-88E5-C4A276FE4143}"/>
+                <a16:creationId xmlns:a16="http://schemas.microsoft.com/office/drawing/2014/main" id="{D1CAA74E-CDF8-4565-8C38-BD1A8AF738C7}"/>
               </a:ext>
             </a:extLst>
           </p:cNvPr>
@@ -11451,30 +11576,29 @@
             <p:ph type="title"/>
           </p:nvPr>
         </p:nvSpPr>
-        <p:spPr>
-          <a:xfrm>
-            <a:off x="685800" y="685801"/>
-            <a:ext cx="10820400" cy="82825"/>
-          </a:xfrm>
-        </p:spPr>
+        <p:spPr/>
         <p:txBody>
           <a:bodyPr/>
           <a:lstStyle/>
           <a:p>
             <a:r>
-              <a:rPr lang="en-US" dirty="0"/>
+              <a:rPr lang="uk-UA" dirty="0"/>
               <a:t> </a:t>
             </a:r>
-            <a:endParaRPr lang="ru-RU" dirty="0"/>
-          </a:p>
-        </p:txBody>
-      </p:sp>
-      <p:sp>
-        <p:nvSpPr>
-          <p:cNvPr id="3" name="Текст 2">
+            <a:r>
+              <a:rPr lang="en-US" dirty="0"/>
+              <a:t>Super</a:t>
+            </a:r>
+            <a:endParaRPr lang="uk-UA" dirty="0"/>
+          </a:p>
+        </p:txBody>
+      </p:sp>
+      <p:sp>
+        <p:nvSpPr>
+          <p:cNvPr id="3" name="Місце для тексту 2">
             <a:extLst>
               <a:ext uri="{FF2B5EF4-FFF2-40B4-BE49-F238E27FC236}">
-                <a16:creationId xmlns:a16="http://schemas.microsoft.com/office/drawing/2014/main" id="{F940C7A6-09CD-42A8-9634-3CA822917FD1}"/>
+                <a16:creationId xmlns:a16="http://schemas.microsoft.com/office/drawing/2014/main" id="{B83C73AF-CEC7-4731-A18C-046D088E7DEA}"/>
               </a:ext>
             </a:extLst>
           </p:cNvPr>
@@ -11485,473 +11609,58 @@
             <p:ph type="body" sz="quarter" idx="10"/>
           </p:nvPr>
         </p:nvSpPr>
-        <p:spPr>
-          <a:xfrm>
-            <a:off x="685800" y="1351722"/>
-            <a:ext cx="5174998" cy="4134678"/>
-          </a:xfrm>
-        </p:spPr>
+        <p:spPr/>
         <p:txBody>
           <a:bodyPr/>
           <a:lstStyle/>
           <a:p>
-            <a:r>
-              <a:rPr lang="en-US" dirty="0">
-                <a:solidFill>
-                  <a:srgbClr val="0070C0"/>
-                </a:solidFill>
-              </a:rPr>
-              <a:t>class</a:t>
-            </a:r>
-            <a:r>
-              <a:rPr lang="en-US" dirty="0"/>
-              <a:t> Car  {</a:t>
-            </a:r>
-          </a:p>
-          <a:p>
-            <a:r>
-              <a:rPr lang="en-US" dirty="0"/>
-              <a:t>  constructor(brand) {</a:t>
-            </a:r>
-          </a:p>
-          <a:p>
-            <a:r>
-              <a:rPr lang="en-US" dirty="0"/>
-              <a:t>    </a:t>
-            </a:r>
-            <a:r>
-              <a:rPr lang="en-US" dirty="0" err="1">
-                <a:solidFill>
-                  <a:srgbClr val="0070C0"/>
-                </a:solidFill>
-              </a:rPr>
-              <a:t>this</a:t>
-            </a:r>
-            <a:r>
-              <a:rPr lang="en-US" dirty="0" err="1"/>
-              <a:t>.speed</a:t>
-            </a:r>
-            <a:r>
-              <a:rPr lang="en-US" dirty="0"/>
-              <a:t> = 0;</a:t>
-            </a:r>
-          </a:p>
-          <a:p>
-            <a:r>
-              <a:rPr lang="en-US" dirty="0"/>
-              <a:t>    </a:t>
-            </a:r>
-            <a:r>
-              <a:rPr lang="en-US" dirty="0" err="1">
-                <a:solidFill>
-                  <a:srgbClr val="0070C0"/>
-                </a:solidFill>
-              </a:rPr>
-              <a:t>this</a:t>
-            </a:r>
-            <a:r>
-              <a:rPr lang="en-US" dirty="0" err="1"/>
-              <a:t>.brand</a:t>
-            </a:r>
-            <a:r>
-              <a:rPr lang="en-US" dirty="0"/>
-              <a:t> = brand;</a:t>
-            </a:r>
-          </a:p>
-          <a:p>
-            <a:r>
-              <a:rPr lang="en-US" dirty="0"/>
-              <a:t>  }  </a:t>
-            </a:r>
-          </a:p>
-          <a:p>
-            <a:r>
-              <a:rPr lang="en-US" dirty="0"/>
-              <a:t>}</a:t>
-            </a:r>
-          </a:p>
-          <a:p>
-            <a:endParaRPr lang="ru-RU" dirty="0"/>
-          </a:p>
-        </p:txBody>
-      </p:sp>
-      <p:sp>
-        <p:nvSpPr>
-          <p:cNvPr id="4" name="Текст 3">
-            <a:extLst>
-              <a:ext uri="{FF2B5EF4-FFF2-40B4-BE49-F238E27FC236}">
-                <a16:creationId xmlns:a16="http://schemas.microsoft.com/office/drawing/2014/main" id="{2917A437-8A31-465D-9903-ADA705AA2487}"/>
-              </a:ext>
-            </a:extLst>
-          </p:cNvPr>
-          <p:cNvSpPr>
-            <a:spLocks noGrp="1"/>
-          </p:cNvSpPr>
-          <p:nvPr>
-            <p:ph type="body" sz="quarter" idx="11"/>
-          </p:nvPr>
-        </p:nvSpPr>
-        <p:spPr>
-          <a:xfrm>
-            <a:off x="6330696" y="1351723"/>
-            <a:ext cx="5175504" cy="4134678"/>
-          </a:xfrm>
-        </p:spPr>
-        <p:txBody>
-          <a:bodyPr/>
-          <a:lstStyle/>
-          <a:p>
-            <a:pPr lvl="0"/>
-            <a:r>
-              <a:rPr lang="en-US" dirty="0">
-                <a:solidFill>
-                  <a:srgbClr val="0070C0"/>
-                </a:solidFill>
-                <a:latin typeface="Open Sans" panose="020B0604020202020204" charset="0"/>
-                <a:ea typeface="Open Sans" panose="020B0604020202020204" charset="0"/>
-                <a:cs typeface="Open Sans" panose="020B0604020202020204" charset="0"/>
-              </a:rPr>
-              <a:t>class</a:t>
-            </a:r>
-            <a:r>
-              <a:rPr lang="en-US" dirty="0">
-                <a:solidFill>
-                  <a:prstClr val="black"/>
-                </a:solidFill>
-                <a:latin typeface="Open Sans" panose="020B0604020202020204" charset="0"/>
-                <a:ea typeface="Open Sans" panose="020B0604020202020204" charset="0"/>
-                <a:cs typeface="Open Sans" panose="020B0604020202020204" charset="0"/>
-              </a:rPr>
-              <a:t> </a:t>
-            </a:r>
-            <a:r>
-              <a:rPr lang="en-US" dirty="0" err="1">
-                <a:solidFill>
-                  <a:prstClr val="black"/>
-                </a:solidFill>
-                <a:latin typeface="Open Sans" panose="020B0604020202020204" charset="0"/>
-                <a:ea typeface="Open Sans" panose="020B0604020202020204" charset="0"/>
-                <a:cs typeface="Open Sans" panose="020B0604020202020204" charset="0"/>
-              </a:rPr>
-              <a:t>Vovlo</a:t>
-            </a:r>
-            <a:r>
-              <a:rPr lang="en-US" dirty="0">
-                <a:solidFill>
-                  <a:prstClr val="black"/>
-                </a:solidFill>
-                <a:latin typeface="Open Sans" panose="020B0604020202020204" charset="0"/>
-                <a:ea typeface="Open Sans" panose="020B0604020202020204" charset="0"/>
-                <a:cs typeface="Open Sans" panose="020B0604020202020204" charset="0"/>
-              </a:rPr>
-              <a:t> </a:t>
-            </a:r>
-            <a:r>
-              <a:rPr lang="en-US" dirty="0">
-                <a:solidFill>
-                  <a:srgbClr val="0070C0"/>
-                </a:solidFill>
-                <a:latin typeface="Open Sans" panose="020B0604020202020204" charset="0"/>
-                <a:ea typeface="Open Sans" panose="020B0604020202020204" charset="0"/>
-                <a:cs typeface="Open Sans" panose="020B0604020202020204" charset="0"/>
-              </a:rPr>
-              <a:t>extends</a:t>
-            </a:r>
-            <a:r>
-              <a:rPr lang="en-US" dirty="0">
-                <a:solidFill>
-                  <a:prstClr val="black"/>
-                </a:solidFill>
-                <a:latin typeface="Open Sans" panose="020B0604020202020204" charset="0"/>
-                <a:ea typeface="Open Sans" panose="020B0604020202020204" charset="0"/>
-                <a:cs typeface="Open Sans" panose="020B0604020202020204" charset="0"/>
-              </a:rPr>
-              <a:t> Car {</a:t>
-            </a:r>
-          </a:p>
-          <a:p>
-            <a:pPr lvl="0"/>
-            <a:r>
-              <a:rPr lang="en-US" dirty="0">
-                <a:solidFill>
-                  <a:prstClr val="black"/>
-                </a:solidFill>
-                <a:latin typeface="Open Sans" panose="020B0604020202020204" charset="0"/>
-                <a:ea typeface="Open Sans" panose="020B0604020202020204" charset="0"/>
-                <a:cs typeface="Open Sans" panose="020B0604020202020204" charset="0"/>
-              </a:rPr>
-              <a:t>constructor(brand, engine) {</a:t>
-            </a:r>
-          </a:p>
-          <a:p>
-            <a:pPr lvl="0"/>
-            <a:r>
-              <a:rPr lang="en-US" dirty="0">
-                <a:solidFill>
-                  <a:prstClr val="black"/>
-                </a:solidFill>
-                <a:latin typeface="Open Sans" panose="020B0604020202020204" charset="0"/>
-                <a:ea typeface="Open Sans" panose="020B0604020202020204" charset="0"/>
-                <a:cs typeface="Open Sans" panose="020B0604020202020204" charset="0"/>
-              </a:rPr>
-              <a:t>    super(brand);</a:t>
-            </a:r>
-          </a:p>
-          <a:p>
-            <a:pPr lvl="0"/>
-            <a:r>
-              <a:rPr lang="en-US" dirty="0">
-                <a:solidFill>
-                  <a:prstClr val="black"/>
-                </a:solidFill>
-                <a:latin typeface="Open Sans" panose="020B0604020202020204" charset="0"/>
-                <a:ea typeface="Open Sans" panose="020B0604020202020204" charset="0"/>
-                <a:cs typeface="Open Sans" panose="020B0604020202020204" charset="0"/>
-              </a:rPr>
-              <a:t>    </a:t>
-            </a:r>
-            <a:r>
-              <a:rPr lang="en-US" dirty="0" err="1">
-                <a:solidFill>
-                  <a:prstClr val="black"/>
-                </a:solidFill>
-                <a:latin typeface="Open Sans" panose="020B0604020202020204" charset="0"/>
-                <a:ea typeface="Open Sans" panose="020B0604020202020204" charset="0"/>
-                <a:cs typeface="Open Sans" panose="020B0604020202020204" charset="0"/>
-              </a:rPr>
-              <a:t>this.engine</a:t>
-            </a:r>
-            <a:r>
-              <a:rPr lang="en-US" dirty="0">
-                <a:solidFill>
-                  <a:prstClr val="black"/>
-                </a:solidFill>
-                <a:latin typeface="Open Sans" panose="020B0604020202020204" charset="0"/>
-                <a:ea typeface="Open Sans" panose="020B0604020202020204" charset="0"/>
-                <a:cs typeface="Open Sans" panose="020B0604020202020204" charset="0"/>
-              </a:rPr>
-              <a:t> = engine;</a:t>
-            </a:r>
-          </a:p>
-          <a:p>
-            <a:pPr lvl="0"/>
-            <a:r>
-              <a:rPr lang="en-US" dirty="0">
-                <a:solidFill>
-                  <a:prstClr val="black"/>
-                </a:solidFill>
-                <a:latin typeface="Open Sans" panose="020B0604020202020204" charset="0"/>
-                <a:ea typeface="Open Sans" panose="020B0604020202020204" charset="0"/>
-                <a:cs typeface="Open Sans" panose="020B0604020202020204" charset="0"/>
-              </a:rPr>
-              <a:t>  }</a:t>
-            </a:r>
-          </a:p>
-          <a:p>
-            <a:pPr lvl="0"/>
-            <a:r>
-              <a:rPr lang="en-US" dirty="0">
-                <a:solidFill>
-                  <a:prstClr val="black"/>
-                </a:solidFill>
-                <a:latin typeface="Open Sans" panose="020B0604020202020204" charset="0"/>
-                <a:ea typeface="Open Sans" panose="020B0604020202020204" charset="0"/>
-                <a:cs typeface="Open Sans" panose="020B0604020202020204" charset="0"/>
-              </a:rPr>
-              <a:t>}</a:t>
-            </a:r>
-          </a:p>
-          <a:p>
-            <a:pPr lvl="0"/>
-            <a:r>
-              <a:rPr lang="en-US" dirty="0">
-                <a:solidFill>
-                  <a:srgbClr val="0070C0"/>
-                </a:solidFill>
-                <a:latin typeface="Open Sans" panose="020B0604020202020204" charset="0"/>
-                <a:ea typeface="Open Sans" panose="020B0604020202020204" charset="0"/>
-                <a:cs typeface="Open Sans" panose="020B0604020202020204" charset="0"/>
-              </a:rPr>
-              <a:t>let</a:t>
-            </a:r>
-            <a:r>
-              <a:rPr lang="en-US" dirty="0">
-                <a:solidFill>
-                  <a:prstClr val="black"/>
-                </a:solidFill>
-                <a:latin typeface="Open Sans" panose="020B0604020202020204" charset="0"/>
-                <a:ea typeface="Open Sans" panose="020B0604020202020204" charset="0"/>
-                <a:cs typeface="Open Sans" panose="020B0604020202020204" charset="0"/>
-              </a:rPr>
-              <a:t> </a:t>
-            </a:r>
-            <a:r>
-              <a:rPr lang="en-US" dirty="0" err="1">
-                <a:solidFill>
-                  <a:prstClr val="black"/>
-                </a:solidFill>
-                <a:latin typeface="Open Sans" panose="020B0604020202020204" charset="0"/>
-                <a:ea typeface="Open Sans" panose="020B0604020202020204" charset="0"/>
-                <a:cs typeface="Open Sans" panose="020B0604020202020204" charset="0"/>
-              </a:rPr>
-              <a:t>volvo</a:t>
-            </a:r>
-            <a:r>
-              <a:rPr lang="en-US" dirty="0">
-                <a:solidFill>
-                  <a:prstClr val="black"/>
-                </a:solidFill>
-                <a:latin typeface="Open Sans" panose="020B0604020202020204" charset="0"/>
-                <a:ea typeface="Open Sans" panose="020B0604020202020204" charset="0"/>
-                <a:cs typeface="Open Sans" panose="020B0604020202020204" charset="0"/>
-              </a:rPr>
-              <a:t> = </a:t>
-            </a:r>
-            <a:r>
-              <a:rPr lang="en-US" dirty="0">
-                <a:solidFill>
-                  <a:srgbClr val="0070C0"/>
-                </a:solidFill>
-                <a:latin typeface="Open Sans" panose="020B0604020202020204" charset="0"/>
-                <a:ea typeface="Open Sans" panose="020B0604020202020204" charset="0"/>
-                <a:cs typeface="Open Sans" panose="020B0604020202020204" charset="0"/>
-              </a:rPr>
-              <a:t>new</a:t>
-            </a:r>
-            <a:r>
-              <a:rPr lang="en-US" dirty="0">
-                <a:solidFill>
-                  <a:prstClr val="black"/>
-                </a:solidFill>
-                <a:latin typeface="Open Sans" panose="020B0604020202020204" charset="0"/>
-                <a:ea typeface="Open Sans" panose="020B0604020202020204" charset="0"/>
-                <a:cs typeface="Open Sans" panose="020B0604020202020204" charset="0"/>
-              </a:rPr>
-              <a:t> Volo(“Volvo XC90“, “diesel”);</a:t>
-            </a:r>
-          </a:p>
-          <a:p>
-            <a:pPr lvl="0"/>
-            <a:endParaRPr lang="en-US" dirty="0">
-              <a:solidFill>
-                <a:prstClr val="black"/>
-              </a:solidFill>
-              <a:latin typeface="Open Sans" panose="020B0604020202020204" charset="0"/>
-              <a:ea typeface="Open Sans" panose="020B0604020202020204" charset="0"/>
-              <a:cs typeface="Open Sans" panose="020B0604020202020204" charset="0"/>
-            </a:endParaRPr>
-          </a:p>
-          <a:p>
-            <a:pPr lvl="0"/>
-            <a:r>
-              <a:rPr lang="en-US" dirty="0">
-                <a:solidFill>
-                  <a:prstClr val="black"/>
-                </a:solidFill>
-                <a:latin typeface="Open Sans" panose="020B0604020202020204" charset="0"/>
-                <a:ea typeface="Open Sans" panose="020B0604020202020204" charset="0"/>
-                <a:cs typeface="Open Sans" panose="020B0604020202020204" charset="0"/>
-              </a:rPr>
-              <a:t>alert(</a:t>
-            </a:r>
-            <a:r>
-              <a:rPr lang="en-US" dirty="0" err="1">
-                <a:solidFill>
-                  <a:prstClr val="black"/>
-                </a:solidFill>
-                <a:latin typeface="Open Sans" panose="020B0604020202020204" charset="0"/>
-                <a:ea typeface="Open Sans" panose="020B0604020202020204" charset="0"/>
-                <a:cs typeface="Open Sans" panose="020B0604020202020204" charset="0"/>
-              </a:rPr>
-              <a:t>volvo.brand</a:t>
-            </a:r>
-            <a:r>
-              <a:rPr lang="en-US" dirty="0">
-                <a:solidFill>
-                  <a:prstClr val="black"/>
-                </a:solidFill>
-                <a:latin typeface="Open Sans" panose="020B0604020202020204" charset="0"/>
-                <a:ea typeface="Open Sans" panose="020B0604020202020204" charset="0"/>
-                <a:cs typeface="Open Sans" panose="020B0604020202020204" charset="0"/>
-              </a:rPr>
-              <a:t>); // </a:t>
-            </a:r>
-            <a:r>
-              <a:rPr lang="en-US" dirty="0">
-                <a:solidFill>
-                  <a:srgbClr val="00B050"/>
-                </a:solidFill>
-                <a:latin typeface="Open Sans" panose="020B0604020202020204" charset="0"/>
-                <a:ea typeface="Open Sans" panose="020B0604020202020204" charset="0"/>
-                <a:cs typeface="Open Sans" panose="020B0604020202020204" charset="0"/>
-              </a:rPr>
-              <a:t>Volvo XC90</a:t>
-            </a:r>
-          </a:p>
-          <a:p>
-            <a:pPr lvl="0"/>
-            <a:r>
-              <a:rPr lang="en-US" dirty="0">
-                <a:solidFill>
-                  <a:prstClr val="black"/>
-                </a:solidFill>
-                <a:latin typeface="Open Sans" panose="020B0604020202020204" charset="0"/>
-                <a:ea typeface="Open Sans" panose="020B0604020202020204" charset="0"/>
-                <a:cs typeface="Open Sans" panose="020B0604020202020204" charset="0"/>
-              </a:rPr>
-              <a:t>alert(</a:t>
-            </a:r>
-            <a:r>
-              <a:rPr lang="en-US" dirty="0" err="1">
-                <a:solidFill>
-                  <a:prstClr val="black"/>
-                </a:solidFill>
-                <a:latin typeface="Open Sans" panose="020B0604020202020204" charset="0"/>
-                <a:ea typeface="Open Sans" panose="020B0604020202020204" charset="0"/>
-                <a:cs typeface="Open Sans" panose="020B0604020202020204" charset="0"/>
-              </a:rPr>
-              <a:t>volvo.engine</a:t>
-            </a:r>
-            <a:r>
-              <a:rPr lang="en-US" dirty="0">
-                <a:solidFill>
-                  <a:prstClr val="black"/>
-                </a:solidFill>
-                <a:latin typeface="Open Sans" panose="020B0604020202020204" charset="0"/>
-                <a:ea typeface="Open Sans" panose="020B0604020202020204" charset="0"/>
-                <a:cs typeface="Open Sans" panose="020B0604020202020204" charset="0"/>
-              </a:rPr>
-              <a:t>); // </a:t>
-            </a:r>
-            <a:r>
-              <a:rPr lang="en-US" dirty="0">
-                <a:solidFill>
-                  <a:srgbClr val="00B050"/>
-                </a:solidFill>
-                <a:latin typeface="Open Sans" panose="020B0604020202020204" charset="0"/>
-                <a:ea typeface="Open Sans" panose="020B0604020202020204" charset="0"/>
-                <a:cs typeface="Open Sans" panose="020B0604020202020204" charset="0"/>
-              </a:rPr>
-              <a:t>diesel</a:t>
-            </a:r>
-            <a:endParaRPr lang="uk-UA" dirty="0">
-              <a:solidFill>
-                <a:srgbClr val="00B050"/>
-              </a:solidFill>
-              <a:latin typeface="Open Sans" panose="020B0604020202020204" charset="0"/>
-              <a:ea typeface="Open Sans" panose="020B0604020202020204" charset="0"/>
-              <a:cs typeface="Open Sans" panose="020B0604020202020204" charset="0"/>
-            </a:endParaRPr>
-          </a:p>
-          <a:p>
-            <a:endParaRPr lang="ru-RU" dirty="0"/>
+            <a:pPr marL="342900" indent="-342900">
+              <a:buFont typeface="Arial" panose="020B0604020202020204" pitchFamily="34" charset="0"/>
+              <a:buChar char="•"/>
+            </a:pPr>
+            <a:r>
+              <a:rPr lang="en-US" dirty="0"/>
+              <a:t>When a normal constructor runs, it creates an empty object and assigns it to this.</a:t>
+            </a:r>
+          </a:p>
+          <a:p>
+            <a:pPr marL="342900" indent="-342900">
+              <a:buFont typeface="Arial" panose="020B0604020202020204" pitchFamily="34" charset="0"/>
+              <a:buChar char="•"/>
+            </a:pPr>
+            <a:r>
+              <a:rPr lang="en-US" dirty="0"/>
+              <a:t>But when a derived constructor runs, it doesn’t do this. It expects the parent constructor to do this job.</a:t>
+            </a:r>
+          </a:p>
+          <a:p>
+            <a:pPr marL="342900" indent="-342900">
+              <a:buFont typeface="Arial" panose="020B0604020202020204" pitchFamily="34" charset="0"/>
+              <a:buChar char="•"/>
+            </a:pPr>
+            <a:endParaRPr lang="en-US" dirty="0"/>
+          </a:p>
+          <a:p>
+            <a:r>
+              <a:rPr lang="en-US" dirty="0"/>
+              <a:t>So if we’re making a constructor of our own, then we must call </a:t>
+            </a:r>
+            <a:r>
+              <a:rPr lang="en-US" i="1" dirty="0"/>
+              <a:t>super</a:t>
+            </a:r>
+            <a:r>
+              <a:rPr lang="en-US" dirty="0"/>
+              <a:t>, because otherwise the object for this won’t be created. And we’ll get an error.</a:t>
+            </a:r>
+            <a:endParaRPr lang="uk-UA" dirty="0"/>
           </a:p>
         </p:txBody>
       </p:sp>
     </p:spTree>
     <p:extLst>
       <p:ext uri="{BB962C8B-B14F-4D97-AF65-F5344CB8AC3E}">
-        <p14:creationId xmlns:p14="http://schemas.microsoft.com/office/powerpoint/2010/main" val="2675340697"/>
+        <p14:creationId xmlns:p14="http://schemas.microsoft.com/office/powerpoint/2010/main" val="76493324"/>
       </p:ext>
     </p:extLst>
   </p:cSld>
@@ -11983,7 +11692,7 @@
           <p:cNvPr id="2" name="Заголовок 1">
             <a:extLst>
               <a:ext uri="{FF2B5EF4-FFF2-40B4-BE49-F238E27FC236}">
-                <a16:creationId xmlns:a16="http://schemas.microsoft.com/office/drawing/2014/main" id="{AC8A4DF7-B251-4458-A6A0-23E59A7BF3FA}"/>
+                <a16:creationId xmlns:a16="http://schemas.microsoft.com/office/drawing/2014/main" id="{A29145D6-69ED-434D-88E5-C4A276FE4143}"/>
               </a:ext>
             </a:extLst>
           </p:cNvPr>
@@ -11997,7 +11706,7 @@
         <p:spPr>
           <a:xfrm>
             <a:off x="685800" y="685801"/>
-            <a:ext cx="10820400" cy="96077"/>
+            <a:ext cx="10820400" cy="82825"/>
           </a:xfrm>
         </p:spPr>
         <p:txBody>
@@ -12017,7 +11726,7 @@
           <p:cNvPr id="3" name="Текст 2">
             <a:extLst>
               <a:ext uri="{FF2B5EF4-FFF2-40B4-BE49-F238E27FC236}">
-                <a16:creationId xmlns:a16="http://schemas.microsoft.com/office/drawing/2014/main" id="{955DF5B2-9582-43B3-A2BC-027E1A6B15E1}"/>
+                <a16:creationId xmlns:a16="http://schemas.microsoft.com/office/drawing/2014/main" id="{F940C7A6-09CD-42A8-9634-3CA822917FD1}"/>
               </a:ext>
             </a:extLst>
           </p:cNvPr>
@@ -12030,8 +11739,8 @@
         </p:nvSpPr>
         <p:spPr>
           <a:xfrm>
-            <a:off x="685800" y="781878"/>
-            <a:ext cx="5174998" cy="4704522"/>
+            <a:off x="685800" y="1351722"/>
+            <a:ext cx="5174998" cy="4134678"/>
           </a:xfrm>
         </p:spPr>
         <p:txBody>
@@ -12059,7 +11768,11 @@
           </a:p>
           <a:p>
             <a:r>
-              <a:rPr lang="en-US" dirty="0"/>
+              <a:rPr lang="en-US" dirty="0">
+                <a:solidFill>
+                  <a:srgbClr val="0070C0"/>
+                </a:solidFill>
+              </a:rPr>
               <a:t>    </a:t>
             </a:r>
             <a:r>
@@ -12072,28 +11785,6 @@
             </a:r>
             <a:r>
               <a:rPr lang="en-US" dirty="0" err="1"/>
-              <a:t>.speed</a:t>
-            </a:r>
-            <a:r>
-              <a:rPr lang="en-US" dirty="0"/>
-              <a:t> = 0;</a:t>
-            </a:r>
-          </a:p>
-          <a:p>
-            <a:r>
-              <a:rPr lang="en-US" dirty="0"/>
-              <a:t>    </a:t>
-            </a:r>
-            <a:r>
-              <a:rPr lang="en-US" dirty="0" err="1">
-                <a:solidFill>
-                  <a:srgbClr val="0070C0"/>
-                </a:solidFill>
-              </a:rPr>
-              <a:t>this</a:t>
-            </a:r>
-            <a:r>
-              <a:rPr lang="en-US" dirty="0" err="1"/>
               <a:t>.brand</a:t>
             </a:r>
             <a:r>
@@ -12104,63 +11795,7 @@
           <a:p>
             <a:r>
               <a:rPr lang="en-US" dirty="0"/>
-              <a:t>  }</a:t>
-            </a:r>
-          </a:p>
-          <a:p>
-            <a:r>
-              <a:rPr lang="en-US" dirty="0"/>
-              <a:t>  run(speed) {</a:t>
-            </a:r>
-          </a:p>
-          <a:p>
-            <a:r>
-              <a:rPr lang="en-US" dirty="0"/>
-              <a:t>    </a:t>
-            </a:r>
-            <a:r>
-              <a:rPr lang="en-US" dirty="0" err="1">
-                <a:solidFill>
-                  <a:srgbClr val="0070C0"/>
-                </a:solidFill>
-              </a:rPr>
-              <a:t>this</a:t>
-            </a:r>
-            <a:r>
-              <a:rPr lang="en-US" dirty="0" err="1"/>
-              <a:t>.speed</a:t>
-            </a:r>
-            <a:r>
-              <a:rPr lang="en-US" dirty="0"/>
-              <a:t> += speed;</a:t>
-            </a:r>
-          </a:p>
-          <a:p>
-            <a:r>
-              <a:rPr lang="en-US" dirty="0"/>
-              <a:t>    return`${</a:t>
-            </a:r>
-            <a:r>
-              <a:rPr lang="en-US" dirty="0" err="1"/>
-              <a:t>this.brand</a:t>
-            </a:r>
-            <a:r>
-              <a:rPr lang="en-US" dirty="0"/>
-              <a:t>} goes with speed 	    ${</a:t>
-            </a:r>
-            <a:r>
-              <a:rPr lang="en-US" dirty="0" err="1"/>
-              <a:t>this.speed</a:t>
-            </a:r>
-            <a:r>
-              <a:rPr lang="en-US" dirty="0"/>
-              <a:t>}`;</a:t>
-            </a:r>
-          </a:p>
-          <a:p>
-            <a:r>
-              <a:rPr lang="en-US" dirty="0"/>
-              <a:t>  }</a:t>
+              <a:t>  }  </a:t>
             </a:r>
           </a:p>
           <a:p>
@@ -12179,7 +11814,7 @@
           <p:cNvPr id="4" name="Текст 3">
             <a:extLst>
               <a:ext uri="{FF2B5EF4-FFF2-40B4-BE49-F238E27FC236}">
-                <a16:creationId xmlns:a16="http://schemas.microsoft.com/office/drawing/2014/main" id="{BD58E308-40CF-44BC-A6F0-A5DA44A0E0A6}"/>
+                <a16:creationId xmlns:a16="http://schemas.microsoft.com/office/drawing/2014/main" id="{2917A437-8A31-465D-9903-ADA705AA2487}"/>
               </a:ext>
             </a:extLst>
           </p:cNvPr>
@@ -12192,14 +11827,15 @@
         </p:nvSpPr>
         <p:spPr>
           <a:xfrm>
-            <a:off x="6331204" y="781878"/>
-            <a:ext cx="5175504" cy="4704522"/>
+            <a:off x="6330696" y="1351723"/>
+            <a:ext cx="5175504" cy="4134678"/>
           </a:xfrm>
         </p:spPr>
         <p:txBody>
           <a:bodyPr/>
           <a:lstStyle/>
           <a:p>
+            <a:pPr lvl="0"/>
             <a:r>
               <a:rPr lang="en-US" dirty="0">
                 <a:solidFill>
@@ -12213,6 +11849,9 @@
             </a:r>
             <a:r>
               <a:rPr lang="en-US" dirty="0">
+                <a:solidFill>
+                  <a:prstClr val="black"/>
+                </a:solidFill>
                 <a:latin typeface="Open Sans" panose="020B0604020202020204" charset="0"/>
                 <a:ea typeface="Open Sans" panose="020B0604020202020204" charset="0"/>
                 <a:cs typeface="Open Sans" panose="020B0604020202020204" charset="0"/>
@@ -12221,6 +11860,9 @@
             </a:r>
             <a:r>
               <a:rPr lang="en-US" dirty="0" err="1">
+                <a:solidFill>
+                  <a:prstClr val="black"/>
+                </a:solidFill>
                 <a:latin typeface="Open Sans" panose="020B0604020202020204" charset="0"/>
                 <a:ea typeface="Open Sans" panose="020B0604020202020204" charset="0"/>
                 <a:cs typeface="Open Sans" panose="020B0604020202020204" charset="0"/>
@@ -12229,6 +11871,9 @@
             </a:r>
             <a:r>
               <a:rPr lang="en-US" dirty="0">
+                <a:solidFill>
+                  <a:prstClr val="black"/>
+                </a:solidFill>
                 <a:latin typeface="Open Sans" panose="020B0604020202020204" charset="0"/>
                 <a:ea typeface="Open Sans" panose="020B0604020202020204" charset="0"/>
                 <a:cs typeface="Open Sans" panose="020B0604020202020204" charset="0"/>
@@ -12248,6 +11893,9 @@
             </a:r>
             <a:r>
               <a:rPr lang="en-US" dirty="0">
+                <a:solidFill>
+                  <a:prstClr val="black"/>
+                </a:solidFill>
                 <a:latin typeface="Open Sans" panose="020B0604020202020204" charset="0"/>
                 <a:ea typeface="Open Sans" panose="020B0604020202020204" charset="0"/>
                 <a:cs typeface="Open Sans" panose="020B0604020202020204" charset="0"/>
@@ -12256,62 +11904,99 @@
             </a:r>
           </a:p>
           <a:p>
+            <a:pPr lvl="0"/>
             <a:r>
               <a:rPr lang="en-US" dirty="0">
+                <a:solidFill>
+                  <a:prstClr val="black"/>
+                </a:solidFill>
                 <a:latin typeface="Open Sans" panose="020B0604020202020204" charset="0"/>
                 <a:ea typeface="Open Sans" panose="020B0604020202020204" charset="0"/>
                 <a:cs typeface="Open Sans" panose="020B0604020202020204" charset="0"/>
               </a:rPr>
-              <a:t>  run(speed) {</a:t>
-            </a:r>
-          </a:p>
-          <a:p>
+              <a:t>constructor(brand, engine) {</a:t>
+            </a:r>
+          </a:p>
+          <a:p>
+            <a:pPr lvl="0"/>
             <a:r>
               <a:rPr lang="en-US" dirty="0">
+                <a:solidFill>
+                  <a:prstClr val="black"/>
+                </a:solidFill>
                 <a:latin typeface="Open Sans" panose="020B0604020202020204" charset="0"/>
                 <a:ea typeface="Open Sans" panose="020B0604020202020204" charset="0"/>
                 <a:cs typeface="Open Sans" panose="020B0604020202020204" charset="0"/>
               </a:rPr>
-              <a:t>    alert(`${</a:t>
-            </a:r>
-            <a:r>
-              <a:rPr lang="en-US" dirty="0" err="1">
+              <a:t>    super(brand);</a:t>
+            </a:r>
+          </a:p>
+          <a:p>
+            <a:pPr lvl="0"/>
+            <a:r>
+              <a:rPr lang="en-US" dirty="0">
+                <a:solidFill>
+                  <a:prstClr val="black"/>
+                </a:solidFill>
                 <a:latin typeface="Open Sans" panose="020B0604020202020204" charset="0"/>
                 <a:ea typeface="Open Sans" panose="020B0604020202020204" charset="0"/>
                 <a:cs typeface="Open Sans" panose="020B0604020202020204" charset="0"/>
               </a:rPr>
-              <a:t>super.run</a:t>
-            </a:r>
-            <a:r>
-              <a:rPr lang="en-US" dirty="0">
+              <a:t>    </a:t>
+            </a:r>
+            <a:r>
+              <a:rPr lang="en-US" dirty="0" err="1">
+                <a:solidFill>
+                  <a:prstClr val="black"/>
+                </a:solidFill>
                 <a:latin typeface="Open Sans" panose="020B0604020202020204" charset="0"/>
                 <a:ea typeface="Open Sans" panose="020B0604020202020204" charset="0"/>
                 <a:cs typeface="Open Sans" panose="020B0604020202020204" charset="0"/>
               </a:rPr>
-              <a:t>(speed)} and the 	maximum speed is 275 km/h`);</a:t>
-            </a:r>
-          </a:p>
-          <a:p>
+              <a:t>this.engine</a:t>
+            </a:r>
             <a:r>
               <a:rPr lang="en-US" dirty="0">
+                <a:solidFill>
+                  <a:prstClr val="black"/>
+                </a:solidFill>
                 <a:latin typeface="Open Sans" panose="020B0604020202020204" charset="0"/>
                 <a:ea typeface="Open Sans" panose="020B0604020202020204" charset="0"/>
                 <a:cs typeface="Open Sans" panose="020B0604020202020204" charset="0"/>
               </a:rPr>
-              <a:t>  }</a:t>
-            </a:r>
-          </a:p>
-          <a:p>
+              <a:t> = engine;</a:t>
+            </a:r>
+          </a:p>
+          <a:p>
+            <a:pPr lvl="0"/>
             <a:r>
               <a:rPr lang="en-US" dirty="0">
+                <a:solidFill>
+                  <a:prstClr val="black"/>
+                </a:solidFill>
                 <a:latin typeface="Open Sans" panose="020B0604020202020204" charset="0"/>
                 <a:ea typeface="Open Sans" panose="020B0604020202020204" charset="0"/>
                 <a:cs typeface="Open Sans" panose="020B0604020202020204" charset="0"/>
               </a:rPr>
+              <a:t>  }</a:t>
+            </a:r>
+          </a:p>
+          <a:p>
+            <a:pPr lvl="0"/>
+            <a:r>
+              <a:rPr lang="en-US" dirty="0">
+                <a:solidFill>
+                  <a:prstClr val="black"/>
+                </a:solidFill>
+                <a:latin typeface="Open Sans" panose="020B0604020202020204" charset="0"/>
+                <a:ea typeface="Open Sans" panose="020B0604020202020204" charset="0"/>
+                <a:cs typeface="Open Sans" panose="020B0604020202020204" charset="0"/>
+              </a:rPr>
               <a:t>}</a:t>
             </a:r>
           </a:p>
           <a:p>
+            <a:pPr lvl="0"/>
             <a:r>
               <a:rPr lang="en-US" dirty="0">
                 <a:solidFill>
@@ -12325,6 +12010,9 @@
             </a:r>
             <a:r>
               <a:rPr lang="en-US" dirty="0">
+                <a:solidFill>
+                  <a:prstClr val="black"/>
+                </a:solidFill>
                 <a:latin typeface="Open Sans" panose="020B0604020202020204" charset="0"/>
                 <a:ea typeface="Open Sans" panose="020B0604020202020204" charset="0"/>
                 <a:cs typeface="Open Sans" panose="020B0604020202020204" charset="0"/>
@@ -12333,6 +12021,9 @@
             </a:r>
             <a:r>
               <a:rPr lang="en-US" dirty="0" err="1">
+                <a:solidFill>
+                  <a:prstClr val="black"/>
+                </a:solidFill>
                 <a:latin typeface="Open Sans" panose="020B0604020202020204" charset="0"/>
                 <a:ea typeface="Open Sans" panose="020B0604020202020204" charset="0"/>
                 <a:cs typeface="Open Sans" panose="020B0604020202020204" charset="0"/>
@@ -12341,6 +12032,9 @@
             </a:r>
             <a:r>
               <a:rPr lang="en-US" dirty="0">
+                <a:solidFill>
+                  <a:prstClr val="black"/>
+                </a:solidFill>
                 <a:latin typeface="Open Sans" panose="020B0604020202020204" charset="0"/>
                 <a:ea typeface="Open Sans" panose="020B0604020202020204" charset="0"/>
                 <a:cs typeface="Open Sans" panose="020B0604020202020204" charset="0"/>
@@ -12360,36 +12054,61 @@
             </a:r>
             <a:r>
               <a:rPr lang="en-US" dirty="0">
+                <a:solidFill>
+                  <a:prstClr val="black"/>
+                </a:solidFill>
                 <a:latin typeface="Open Sans" panose="020B0604020202020204" charset="0"/>
                 <a:ea typeface="Open Sans" panose="020B0604020202020204" charset="0"/>
                 <a:cs typeface="Open Sans" panose="020B0604020202020204" charset="0"/>
               </a:rPr>
-              <a:t> Volvo(“Volvo XC90");</a:t>
-            </a:r>
-          </a:p>
-          <a:p>
+              <a:t> Volo(“Volvo XC90“, “diesel”);</a:t>
+            </a:r>
+          </a:p>
+          <a:p>
+            <a:pPr lvl="0"/>
             <a:endParaRPr lang="en-US" dirty="0">
+              <a:solidFill>
+                <a:prstClr val="black"/>
+              </a:solidFill>
               <a:latin typeface="Open Sans" panose="020B0604020202020204" charset="0"/>
               <a:ea typeface="Open Sans" panose="020B0604020202020204" charset="0"/>
               <a:cs typeface="Open Sans" panose="020B0604020202020204" charset="0"/>
             </a:endParaRPr>
           </a:p>
           <a:p>
-            <a:r>
-              <a:rPr lang="en-US" dirty="0" err="1">
+            <a:pPr lvl="0"/>
+            <a:r>
+              <a:rPr lang="en-US" dirty="0">
+                <a:solidFill>
+                  <a:prstClr val="black"/>
+                </a:solidFill>
                 <a:latin typeface="Open Sans" panose="020B0604020202020204" charset="0"/>
                 <a:ea typeface="Open Sans" panose="020B0604020202020204" charset="0"/>
                 <a:cs typeface="Open Sans" panose="020B0604020202020204" charset="0"/>
               </a:rPr>
-              <a:t>volvo.run</a:t>
-            </a:r>
-            <a:r>
-              <a:rPr lang="en-US" dirty="0">
+              <a:t>alert(</a:t>
+            </a:r>
+            <a:r>
+              <a:rPr lang="en-US" dirty="0" err="1">
+                <a:solidFill>
+                  <a:prstClr val="black"/>
+                </a:solidFill>
                 <a:latin typeface="Open Sans" panose="020B0604020202020204" charset="0"/>
                 <a:ea typeface="Open Sans" panose="020B0604020202020204" charset="0"/>
                 <a:cs typeface="Open Sans" panose="020B0604020202020204" charset="0"/>
               </a:rPr>
-              <a:t>(100); // </a:t>
+              <a:t>volvo.brand</a:t>
+            </a:r>
+            <a:r>
+              <a:rPr lang="en-US" dirty="0">
+                <a:solidFill>
+                  <a:prstClr val="black"/>
+                </a:solidFill>
+                <a:latin typeface="Open Sans" panose="020B0604020202020204" charset="0"/>
+                <a:ea typeface="Open Sans" panose="020B0604020202020204" charset="0"/>
+                <a:cs typeface="Open Sans" panose="020B0604020202020204" charset="0"/>
+              </a:rPr>
+              <a:t>); // </a:t>
             </a:r>
             <a:r>
               <a:rPr lang="en-US" dirty="0">
@@ -12400,28 +12119,73 @@
                 <a:ea typeface="Open Sans" panose="020B0604020202020204" charset="0"/>
                 <a:cs typeface="Open Sans" panose="020B0604020202020204" charset="0"/>
               </a:rPr>
-              <a:t>Volvo XC90 goes with speed 100 </a:t>
+              <a:t>Volvo XC90</a:t>
+            </a:r>
+          </a:p>
+          <a:p>
+            <a:pPr lvl="0"/>
+            <a:r>
+              <a:rPr lang="en-US" dirty="0">
+                <a:solidFill>
+                  <a:prstClr val="black"/>
+                </a:solidFill>
+                <a:latin typeface="Open Sans" panose="020B0604020202020204" charset="0"/>
+                <a:ea typeface="Open Sans" panose="020B0604020202020204" charset="0"/>
+                <a:cs typeface="Open Sans" panose="020B0604020202020204" charset="0"/>
+              </a:rPr>
+              <a:t>alert(</a:t>
+            </a:r>
+            <a:r>
+              <a:rPr lang="en-US" dirty="0" err="1">
+                <a:solidFill>
+                  <a:prstClr val="black"/>
+                </a:solidFill>
+                <a:latin typeface="Open Sans" panose="020B0604020202020204" charset="0"/>
+                <a:ea typeface="Open Sans" panose="020B0604020202020204" charset="0"/>
+                <a:cs typeface="Open Sans" panose="020B0604020202020204" charset="0"/>
+              </a:rPr>
+              <a:t>volvo.engine</a:t>
+            </a:r>
+            <a:r>
+              <a:rPr lang="en-US" dirty="0">
+                <a:solidFill>
+                  <a:prstClr val="black"/>
+                </a:solidFill>
+                <a:latin typeface="Open Sans" panose="020B0604020202020204" charset="0"/>
+                <a:ea typeface="Open Sans" panose="020B0604020202020204" charset="0"/>
+                <a:cs typeface="Open Sans" panose="020B0604020202020204" charset="0"/>
+              </a:rPr>
+              <a:t>); // </a:t>
             </a:r>
             <a:r>
               <a:rPr lang="en-US" dirty="0">
                 <a:solidFill>
                   <a:srgbClr val="00B050"/>
                 </a:solidFill>
-              </a:rPr>
-              <a:t>and the maximum speed is 275 km/h</a:t>
-            </a:r>
-            <a:endParaRPr lang="ru-RU" dirty="0">
+                <a:latin typeface="Open Sans" panose="020B0604020202020204" charset="0"/>
+                <a:ea typeface="Open Sans" panose="020B0604020202020204" charset="0"/>
+                <a:cs typeface="Open Sans" panose="020B0604020202020204" charset="0"/>
+              </a:rPr>
+              <a:t>diesel</a:t>
+            </a:r>
+            <a:endParaRPr lang="uk-UA" dirty="0">
               <a:solidFill>
                 <a:srgbClr val="00B050"/>
               </a:solidFill>
+              <a:latin typeface="Open Sans" panose="020B0604020202020204" charset="0"/>
+              <a:ea typeface="Open Sans" panose="020B0604020202020204" charset="0"/>
+              <a:cs typeface="Open Sans" panose="020B0604020202020204" charset="0"/>
             </a:endParaRPr>
+          </a:p>
+          <a:p>
+            <a:endParaRPr lang="ru-RU" dirty="0"/>
           </a:p>
         </p:txBody>
       </p:sp>
     </p:spTree>
     <p:extLst>
       <p:ext uri="{BB962C8B-B14F-4D97-AF65-F5344CB8AC3E}">
-        <p14:creationId xmlns:p14="http://schemas.microsoft.com/office/powerpoint/2010/main" val="3790266865"/>
+        <p14:creationId xmlns:p14="http://schemas.microsoft.com/office/powerpoint/2010/main" val="2675340697"/>
       </p:ext>
     </p:extLst>
   </p:cSld>
@@ -12453,7 +12217,7 @@
           <p:cNvPr id="2" name="Заголовок 1">
             <a:extLst>
               <a:ext uri="{FF2B5EF4-FFF2-40B4-BE49-F238E27FC236}">
-                <a16:creationId xmlns:a16="http://schemas.microsoft.com/office/drawing/2014/main" id="{51B5F84D-9928-4483-AE00-5DCBA2545146}"/>
+                <a16:creationId xmlns:a16="http://schemas.microsoft.com/office/drawing/2014/main" id="{AC8A4DF7-B251-4458-A6A0-23E59A7BF3FA}"/>
               </a:ext>
             </a:extLst>
           </p:cNvPr>
@@ -12464,14 +12228,19 @@
             <p:ph type="title"/>
           </p:nvPr>
         </p:nvSpPr>
-        <p:spPr/>
+        <p:spPr>
+          <a:xfrm>
+            <a:off x="685800" y="685801"/>
+            <a:ext cx="10820400" cy="96077"/>
+          </a:xfrm>
+        </p:spPr>
         <p:txBody>
           <a:bodyPr/>
           <a:lstStyle/>
           <a:p>
             <a:r>
               <a:rPr lang="en-US" dirty="0"/>
-              <a:t>ES5 VS ES6</a:t>
+              <a:t> </a:t>
             </a:r>
             <a:endParaRPr lang="ru-RU" dirty="0"/>
           </a:p>
@@ -12482,7 +12251,7 @@
           <p:cNvPr id="3" name="Текст 2">
             <a:extLst>
               <a:ext uri="{FF2B5EF4-FFF2-40B4-BE49-F238E27FC236}">
-                <a16:creationId xmlns:a16="http://schemas.microsoft.com/office/drawing/2014/main" id="{C90BB3C3-F85A-4720-ADF8-B47B95056BFD}"/>
+                <a16:creationId xmlns:a16="http://schemas.microsoft.com/office/drawing/2014/main" id="{955DF5B2-9582-43B3-A2BC-027E1A6B15E1}"/>
               </a:ext>
             </a:extLst>
           </p:cNvPr>
@@ -12495,355 +12264,144 @@
         </p:nvSpPr>
         <p:spPr>
           <a:xfrm>
-            <a:off x="6331202" y="1434548"/>
-            <a:ext cx="5174998" cy="3988904"/>
+            <a:off x="685800" y="781878"/>
+            <a:ext cx="5174998" cy="4704522"/>
           </a:xfrm>
         </p:spPr>
         <p:txBody>
           <a:bodyPr/>
           <a:lstStyle/>
           <a:p>
-            <a:pPr lvl="0"/>
             <a:r>
               <a:rPr lang="en-US" dirty="0">
                 <a:solidFill>
                   <a:srgbClr val="0070C0"/>
                 </a:solidFill>
-                <a:latin typeface="Open Sans" panose="020B0604020202020204" charset="0"/>
-                <a:ea typeface="Open Sans" panose="020B0604020202020204" charset="0"/>
-                <a:cs typeface="Open Sans" panose="020B0604020202020204" charset="0"/>
               </a:rPr>
               <a:t>class</a:t>
             </a:r>
             <a:r>
-              <a:rPr lang="en-US" dirty="0">
-                <a:solidFill>
-                  <a:prstClr val="black"/>
-                </a:solidFill>
-                <a:latin typeface="Open Sans" panose="020B0604020202020204" charset="0"/>
-                <a:ea typeface="Open Sans" panose="020B0604020202020204" charset="0"/>
-                <a:cs typeface="Open Sans" panose="020B0604020202020204" charset="0"/>
-              </a:rPr>
-              <a:t> </a:t>
+              <a:rPr lang="en-US" dirty="0"/>
+              <a:t> Car  {</a:t>
+            </a:r>
+          </a:p>
+          <a:p>
+            <a:r>
+              <a:rPr lang="en-US" dirty="0"/>
+              <a:t>  constructor(brand) {</a:t>
+            </a:r>
+          </a:p>
+          <a:p>
+            <a:r>
+              <a:rPr lang="en-US" dirty="0"/>
+              <a:t>    </a:t>
             </a:r>
             <a:r>
               <a:rPr lang="en-US" dirty="0" err="1">
-                <a:solidFill>
-                  <a:prstClr val="black"/>
-                </a:solidFill>
-                <a:latin typeface="Open Sans" panose="020B0604020202020204" charset="0"/>
-                <a:ea typeface="Open Sans" panose="020B0604020202020204" charset="0"/>
-                <a:cs typeface="Open Sans" panose="020B0604020202020204" charset="0"/>
-              </a:rPr>
-              <a:t>Vovlo</a:t>
-            </a:r>
-            <a:r>
-              <a:rPr lang="en-US" dirty="0">
-                <a:solidFill>
-                  <a:prstClr val="black"/>
-                </a:solidFill>
-                <a:latin typeface="Open Sans" panose="020B0604020202020204" charset="0"/>
-                <a:ea typeface="Open Sans" panose="020B0604020202020204" charset="0"/>
-                <a:cs typeface="Open Sans" panose="020B0604020202020204" charset="0"/>
-              </a:rPr>
-              <a:t> </a:t>
-            </a:r>
-            <a:r>
-              <a:rPr lang="en-US" dirty="0">
                 <a:solidFill>
                   <a:srgbClr val="0070C0"/>
                 </a:solidFill>
-                <a:latin typeface="Open Sans" panose="020B0604020202020204" charset="0"/>
-                <a:ea typeface="Open Sans" panose="020B0604020202020204" charset="0"/>
-                <a:cs typeface="Open Sans" panose="020B0604020202020204" charset="0"/>
-              </a:rPr>
-              <a:t>extends</a:t>
-            </a:r>
-            <a:r>
-              <a:rPr lang="en-US" dirty="0">
-                <a:solidFill>
-                  <a:prstClr val="black"/>
-                </a:solidFill>
-                <a:latin typeface="Open Sans" panose="020B0604020202020204" charset="0"/>
-                <a:ea typeface="Open Sans" panose="020B0604020202020204" charset="0"/>
-                <a:cs typeface="Open Sans" panose="020B0604020202020204" charset="0"/>
-              </a:rPr>
-              <a:t> Car {</a:t>
-            </a:r>
-          </a:p>
-          <a:p>
-            <a:pPr lvl="0"/>
-            <a:r>
-              <a:rPr lang="en-US" dirty="0">
-                <a:solidFill>
-                  <a:prstClr val="black"/>
-                </a:solidFill>
-                <a:latin typeface="Open Sans" panose="020B0604020202020204" charset="0"/>
-                <a:ea typeface="Open Sans" panose="020B0604020202020204" charset="0"/>
-                <a:cs typeface="Open Sans" panose="020B0604020202020204" charset="0"/>
-              </a:rPr>
-              <a:t>constructor(brand, engine) {</a:t>
-            </a:r>
-          </a:p>
-          <a:p>
-            <a:pPr lvl="0"/>
-            <a:r>
-              <a:rPr lang="en-US" dirty="0">
-                <a:solidFill>
-                  <a:prstClr val="black"/>
-                </a:solidFill>
-                <a:latin typeface="Open Sans" panose="020B0604020202020204" charset="0"/>
-                <a:ea typeface="Open Sans" panose="020B0604020202020204" charset="0"/>
-                <a:cs typeface="Open Sans" panose="020B0604020202020204" charset="0"/>
-              </a:rPr>
-              <a:t>    super(brand);</a:t>
-            </a:r>
-          </a:p>
-          <a:p>
-            <a:pPr lvl="0"/>
-            <a:r>
-              <a:rPr lang="en-US" dirty="0">
-                <a:solidFill>
-                  <a:prstClr val="black"/>
-                </a:solidFill>
-                <a:latin typeface="Open Sans" panose="020B0604020202020204" charset="0"/>
-                <a:ea typeface="Open Sans" panose="020B0604020202020204" charset="0"/>
-                <a:cs typeface="Open Sans" panose="020B0604020202020204" charset="0"/>
-              </a:rPr>
+              </a:rPr>
+              <a:t>this</a:t>
+            </a:r>
+            <a:r>
+              <a:rPr lang="en-US" dirty="0" err="1"/>
+              <a:t>.speed</a:t>
+            </a:r>
+            <a:r>
+              <a:rPr lang="en-US" dirty="0"/>
+              <a:t> = 0;</a:t>
+            </a:r>
+          </a:p>
+          <a:p>
+            <a:r>
+              <a:rPr lang="en-US" dirty="0"/>
               <a:t>    </a:t>
             </a:r>
             <a:r>
               <a:rPr lang="en-US" dirty="0" err="1">
-                <a:solidFill>
-                  <a:prstClr val="black"/>
-                </a:solidFill>
-                <a:latin typeface="Open Sans" panose="020B0604020202020204" charset="0"/>
-                <a:ea typeface="Open Sans" panose="020B0604020202020204" charset="0"/>
-                <a:cs typeface="Open Sans" panose="020B0604020202020204" charset="0"/>
-              </a:rPr>
-              <a:t>this.engine</a:t>
-            </a:r>
-            <a:r>
-              <a:rPr lang="en-US" dirty="0">
-                <a:solidFill>
-                  <a:prstClr val="black"/>
-                </a:solidFill>
-                <a:latin typeface="Open Sans" panose="020B0604020202020204" charset="0"/>
-                <a:ea typeface="Open Sans" panose="020B0604020202020204" charset="0"/>
-                <a:cs typeface="Open Sans" panose="020B0604020202020204" charset="0"/>
-              </a:rPr>
-              <a:t> = engine;</a:t>
-            </a:r>
-          </a:p>
-          <a:p>
-            <a:pPr lvl="0"/>
-            <a:r>
-              <a:rPr lang="en-US" dirty="0">
-                <a:solidFill>
-                  <a:prstClr val="black"/>
-                </a:solidFill>
-                <a:latin typeface="Open Sans" panose="020B0604020202020204" charset="0"/>
-                <a:ea typeface="Open Sans" panose="020B0604020202020204" charset="0"/>
-                <a:cs typeface="Open Sans" panose="020B0604020202020204" charset="0"/>
-              </a:rPr>
-              <a:t>  }</a:t>
-            </a:r>
-          </a:p>
-          <a:p>
-            <a:pPr lvl="0"/>
-            <a:r>
-              <a:rPr lang="en-US" dirty="0">
-                <a:solidFill>
-                  <a:prstClr val="black"/>
-                </a:solidFill>
-                <a:latin typeface="Open Sans" panose="020B0604020202020204" charset="0"/>
-                <a:ea typeface="Open Sans" panose="020B0604020202020204" charset="0"/>
-                <a:cs typeface="Open Sans" panose="020B0604020202020204" charset="0"/>
-              </a:rPr>
-              <a:t>}</a:t>
-            </a:r>
-          </a:p>
-          <a:p>
-            <a:pPr lvl="0"/>
-            <a:r>
-              <a:rPr lang="en-US" dirty="0">
                 <a:solidFill>
                   <a:srgbClr val="0070C0"/>
                 </a:solidFill>
-                <a:latin typeface="Open Sans" panose="020B0604020202020204" charset="0"/>
-                <a:ea typeface="Open Sans" panose="020B0604020202020204" charset="0"/>
-                <a:cs typeface="Open Sans" panose="020B0604020202020204" charset="0"/>
-              </a:rPr>
-              <a:t>let</a:t>
-            </a:r>
-            <a:r>
-              <a:rPr lang="en-US" dirty="0">
-                <a:solidFill>
-                  <a:prstClr val="black"/>
-                </a:solidFill>
-                <a:latin typeface="Open Sans" panose="020B0604020202020204" charset="0"/>
-                <a:ea typeface="Open Sans" panose="020B0604020202020204" charset="0"/>
-                <a:cs typeface="Open Sans" panose="020B0604020202020204" charset="0"/>
-              </a:rPr>
-              <a:t> </a:t>
+              </a:rPr>
+              <a:t>this</a:t>
+            </a:r>
+            <a:r>
+              <a:rPr lang="en-US" dirty="0" err="1"/>
+              <a:t>.brand</a:t>
+            </a:r>
+            <a:r>
+              <a:rPr lang="en-US" dirty="0"/>
+              <a:t> = brand;</a:t>
+            </a:r>
+          </a:p>
+          <a:p>
+            <a:r>
+              <a:rPr lang="en-US" dirty="0"/>
+              <a:t>  }</a:t>
+            </a:r>
+          </a:p>
+          <a:p>
+            <a:r>
+              <a:rPr lang="en-US" dirty="0"/>
+              <a:t>  run(speed) {</a:t>
+            </a:r>
+          </a:p>
+          <a:p>
+            <a:r>
+              <a:rPr lang="en-US" dirty="0"/>
+              <a:t>    </a:t>
             </a:r>
             <a:r>
               <a:rPr lang="en-US" dirty="0" err="1">
-                <a:solidFill>
-                  <a:prstClr val="black"/>
-                </a:solidFill>
-                <a:latin typeface="Open Sans" panose="020B0604020202020204" charset="0"/>
-                <a:ea typeface="Open Sans" panose="020B0604020202020204" charset="0"/>
-                <a:cs typeface="Open Sans" panose="020B0604020202020204" charset="0"/>
-              </a:rPr>
-              <a:t>volvo</a:t>
-            </a:r>
-            <a:r>
-              <a:rPr lang="en-US" dirty="0">
-                <a:solidFill>
-                  <a:prstClr val="black"/>
-                </a:solidFill>
-                <a:latin typeface="Open Sans" panose="020B0604020202020204" charset="0"/>
-                <a:ea typeface="Open Sans" panose="020B0604020202020204" charset="0"/>
-                <a:cs typeface="Open Sans" panose="020B0604020202020204" charset="0"/>
-              </a:rPr>
-              <a:t> = </a:t>
-            </a:r>
-            <a:r>
-              <a:rPr lang="en-US" dirty="0">
                 <a:solidFill>
                   <a:srgbClr val="0070C0"/>
                 </a:solidFill>
-                <a:latin typeface="Open Sans" panose="020B0604020202020204" charset="0"/>
-                <a:ea typeface="Open Sans" panose="020B0604020202020204" charset="0"/>
-                <a:cs typeface="Open Sans" panose="020B0604020202020204" charset="0"/>
-              </a:rPr>
-              <a:t>new</a:t>
-            </a:r>
-            <a:r>
-              <a:rPr lang="en-US" dirty="0">
-                <a:solidFill>
-                  <a:prstClr val="black"/>
-                </a:solidFill>
-                <a:latin typeface="Open Sans" panose="020B0604020202020204" charset="0"/>
-                <a:ea typeface="Open Sans" panose="020B0604020202020204" charset="0"/>
-                <a:cs typeface="Open Sans" panose="020B0604020202020204" charset="0"/>
-              </a:rPr>
-              <a:t> Volvo(“Volvo XC90“, 			          “diesel”);</a:t>
-            </a:r>
-          </a:p>
-          <a:p>
-            <a:pPr lvl="0"/>
-            <a:endParaRPr lang="en-US" dirty="0">
-              <a:solidFill>
-                <a:prstClr val="black"/>
-              </a:solidFill>
-              <a:latin typeface="Open Sans" panose="020B0604020202020204" charset="0"/>
-              <a:ea typeface="Open Sans" panose="020B0604020202020204" charset="0"/>
-              <a:cs typeface="Open Sans" panose="020B0604020202020204" charset="0"/>
-            </a:endParaRPr>
-          </a:p>
-          <a:p>
-            <a:pPr lvl="0"/>
-            <a:r>
-              <a:rPr lang="en-US" dirty="0">
-                <a:solidFill>
-                  <a:prstClr val="black"/>
-                </a:solidFill>
-                <a:latin typeface="Open Sans" panose="020B0604020202020204" charset="0"/>
-                <a:ea typeface="Open Sans" panose="020B0604020202020204" charset="0"/>
-                <a:cs typeface="Open Sans" panose="020B0604020202020204" charset="0"/>
-              </a:rPr>
-              <a:t>alert(</a:t>
-            </a:r>
-            <a:r>
-              <a:rPr lang="en-US" dirty="0" err="1">
-                <a:solidFill>
-                  <a:prstClr val="black"/>
-                </a:solidFill>
-                <a:latin typeface="Open Sans" panose="020B0604020202020204" charset="0"/>
-                <a:ea typeface="Open Sans" panose="020B0604020202020204" charset="0"/>
-                <a:cs typeface="Open Sans" panose="020B0604020202020204" charset="0"/>
-              </a:rPr>
-              <a:t>volvo.brand</a:t>
-            </a:r>
-            <a:r>
-              <a:rPr lang="en-US" dirty="0">
-                <a:solidFill>
-                  <a:prstClr val="black"/>
-                </a:solidFill>
-                <a:latin typeface="Open Sans" panose="020B0604020202020204" charset="0"/>
-                <a:ea typeface="Open Sans" panose="020B0604020202020204" charset="0"/>
-                <a:cs typeface="Open Sans" panose="020B0604020202020204" charset="0"/>
-              </a:rPr>
-              <a:t>); // </a:t>
-            </a:r>
-            <a:r>
-              <a:rPr lang="en-US" dirty="0">
-                <a:solidFill>
-                  <a:srgbClr val="00B050"/>
-                </a:solidFill>
-                <a:latin typeface="Open Sans" panose="020B0604020202020204" charset="0"/>
-                <a:ea typeface="Open Sans" panose="020B0604020202020204" charset="0"/>
-                <a:cs typeface="Open Sans" panose="020B0604020202020204" charset="0"/>
-              </a:rPr>
-              <a:t>Volvo XC90</a:t>
-            </a:r>
-          </a:p>
-          <a:p>
-            <a:pPr lvl="0"/>
-            <a:r>
-              <a:rPr lang="en-US" dirty="0">
-                <a:solidFill>
-                  <a:prstClr val="black"/>
-                </a:solidFill>
-                <a:latin typeface="Open Sans" panose="020B0604020202020204" charset="0"/>
-                <a:ea typeface="Open Sans" panose="020B0604020202020204" charset="0"/>
-                <a:cs typeface="Open Sans" panose="020B0604020202020204" charset="0"/>
-              </a:rPr>
-              <a:t>alert(</a:t>
-            </a:r>
-            <a:r>
-              <a:rPr lang="en-US" dirty="0" err="1">
-                <a:solidFill>
-                  <a:prstClr val="black"/>
-                </a:solidFill>
-                <a:latin typeface="Open Sans" panose="020B0604020202020204" charset="0"/>
-                <a:ea typeface="Open Sans" panose="020B0604020202020204" charset="0"/>
-                <a:cs typeface="Open Sans" panose="020B0604020202020204" charset="0"/>
-              </a:rPr>
-              <a:t>volvo.engine</a:t>
-            </a:r>
-            <a:r>
-              <a:rPr lang="en-US" dirty="0">
-                <a:solidFill>
-                  <a:prstClr val="black"/>
-                </a:solidFill>
-                <a:latin typeface="Open Sans" panose="020B0604020202020204" charset="0"/>
-                <a:ea typeface="Open Sans" panose="020B0604020202020204" charset="0"/>
-                <a:cs typeface="Open Sans" panose="020B0604020202020204" charset="0"/>
-              </a:rPr>
-              <a:t>); // </a:t>
-            </a:r>
-            <a:r>
-              <a:rPr lang="en-US" dirty="0">
-                <a:solidFill>
-                  <a:srgbClr val="00B050"/>
-                </a:solidFill>
-                <a:latin typeface="Open Sans" panose="020B0604020202020204" charset="0"/>
-                <a:ea typeface="Open Sans" panose="020B0604020202020204" charset="0"/>
-                <a:cs typeface="Open Sans" panose="020B0604020202020204" charset="0"/>
-              </a:rPr>
-              <a:t>diesel</a:t>
-            </a:r>
-            <a:endParaRPr lang="uk-UA" dirty="0">
-              <a:solidFill>
-                <a:srgbClr val="00B050"/>
-              </a:solidFill>
-              <a:latin typeface="Open Sans" panose="020B0604020202020204" charset="0"/>
-              <a:ea typeface="Open Sans" panose="020B0604020202020204" charset="0"/>
-              <a:cs typeface="Open Sans" panose="020B0604020202020204" charset="0"/>
-            </a:endParaRPr>
+              </a:rPr>
+              <a:t>this</a:t>
+            </a:r>
+            <a:r>
+              <a:rPr lang="en-US" dirty="0" err="1"/>
+              <a:t>.speed</a:t>
+            </a:r>
+            <a:r>
+              <a:rPr lang="en-US" dirty="0"/>
+              <a:t> += speed;</a:t>
+            </a:r>
+          </a:p>
+          <a:p>
+            <a:r>
+              <a:rPr lang="en-US" dirty="0"/>
+              <a:t>    return`${</a:t>
+            </a:r>
+            <a:r>
+              <a:rPr lang="en-US" dirty="0" err="1"/>
+              <a:t>this.brand</a:t>
+            </a:r>
+            <a:r>
+              <a:rPr lang="en-US" dirty="0"/>
+              <a:t>} goes with speed 	    ${</a:t>
+            </a:r>
+            <a:r>
+              <a:rPr lang="en-US" dirty="0" err="1"/>
+              <a:t>this.speed</a:t>
+            </a:r>
+            <a:r>
+              <a:rPr lang="en-US" dirty="0"/>
+              <a:t>}`;</a:t>
+            </a:r>
+          </a:p>
+          <a:p>
+            <a:r>
+              <a:rPr lang="en-US" dirty="0"/>
+              <a:t>  }</a:t>
+            </a:r>
+          </a:p>
+          <a:p>
+            <a:r>
+              <a:rPr lang="en-US" dirty="0"/>
+              <a:t>}</a:t>
+            </a:r>
           </a:p>
           <a:p>
             <a:endParaRPr lang="ru-RU" dirty="0"/>
@@ -12855,7 +12413,7 @@
           <p:cNvPr id="4" name="Текст 3">
             <a:extLst>
               <a:ext uri="{FF2B5EF4-FFF2-40B4-BE49-F238E27FC236}">
-                <a16:creationId xmlns:a16="http://schemas.microsoft.com/office/drawing/2014/main" id="{0913E212-4470-4D0C-8766-A681782A07BF}"/>
+                <a16:creationId xmlns:a16="http://schemas.microsoft.com/office/drawing/2014/main" id="{BD58E308-40CF-44BC-A6F0-A5DA44A0E0A6}"/>
               </a:ext>
             </a:extLst>
           </p:cNvPr>
@@ -12868,8 +12426,8 @@
         </p:nvSpPr>
         <p:spPr>
           <a:xfrm>
-            <a:off x="685800" y="1434548"/>
-            <a:ext cx="5175504" cy="3988904"/>
+            <a:off x="6331204" y="781878"/>
+            <a:ext cx="5175504" cy="4704522"/>
           </a:xfrm>
         </p:spPr>
         <p:txBody>
@@ -12877,44 +12435,206 @@
           <a:lstStyle/>
           <a:p>
             <a:r>
-              <a:rPr lang="en-US" dirty="0"/>
-              <a:t>var Volvo = function(brand, engine) {</a:t>
-            </a:r>
-          </a:p>
-          <a:p>
+              <a:rPr lang="en-US" dirty="0">
+                <a:solidFill>
+                  <a:srgbClr val="0070C0"/>
+                </a:solidFill>
+                <a:latin typeface="Open Sans" panose="020B0604020202020204" charset="0"/>
+                <a:ea typeface="Open Sans" panose="020B0604020202020204" charset="0"/>
+                <a:cs typeface="Open Sans" panose="020B0604020202020204" charset="0"/>
+              </a:rPr>
+              <a:t>class</a:t>
+            </a:r>
+            <a:r>
+              <a:rPr lang="en-US" dirty="0">
+                <a:latin typeface="Open Sans" panose="020B0604020202020204" charset="0"/>
+                <a:ea typeface="Open Sans" panose="020B0604020202020204" charset="0"/>
+                <a:cs typeface="Open Sans" panose="020B0604020202020204" charset="0"/>
+              </a:rPr>
+              <a:t> </a:t>
+            </a:r>
+            <a:r>
+              <a:rPr lang="en-US" dirty="0" err="1">
+                <a:latin typeface="Open Sans" panose="020B0604020202020204" charset="0"/>
+                <a:ea typeface="Open Sans" panose="020B0604020202020204" charset="0"/>
+                <a:cs typeface="Open Sans" panose="020B0604020202020204" charset="0"/>
+              </a:rPr>
+              <a:t>Vovlo</a:t>
+            </a:r>
+            <a:r>
+              <a:rPr lang="en-US" dirty="0">
+                <a:latin typeface="Open Sans" panose="020B0604020202020204" charset="0"/>
+                <a:ea typeface="Open Sans" panose="020B0604020202020204" charset="0"/>
+                <a:cs typeface="Open Sans" panose="020B0604020202020204" charset="0"/>
+              </a:rPr>
+              <a:t> </a:t>
+            </a:r>
+            <a:r>
+              <a:rPr lang="en-US" dirty="0">
+                <a:solidFill>
+                  <a:srgbClr val="0070C0"/>
+                </a:solidFill>
+                <a:latin typeface="Open Sans" panose="020B0604020202020204" charset="0"/>
+                <a:ea typeface="Open Sans" panose="020B0604020202020204" charset="0"/>
+                <a:cs typeface="Open Sans" panose="020B0604020202020204" charset="0"/>
+              </a:rPr>
+              <a:t>extends</a:t>
+            </a:r>
+            <a:r>
+              <a:rPr lang="en-US" dirty="0">
+                <a:latin typeface="Open Sans" panose="020B0604020202020204" charset="0"/>
+                <a:ea typeface="Open Sans" panose="020B0604020202020204" charset="0"/>
+                <a:cs typeface="Open Sans" panose="020B0604020202020204" charset="0"/>
+              </a:rPr>
+              <a:t> Car {</a:t>
+            </a:r>
+          </a:p>
+          <a:p>
+            <a:r>
+              <a:rPr lang="en-US" dirty="0">
+                <a:latin typeface="Open Sans" panose="020B0604020202020204" charset="0"/>
+                <a:ea typeface="Open Sans" panose="020B0604020202020204" charset="0"/>
+                <a:cs typeface="Open Sans" panose="020B0604020202020204" charset="0"/>
+              </a:rPr>
+              <a:t>  run(speed) {</a:t>
+            </a:r>
+          </a:p>
+          <a:p>
+            <a:r>
+              <a:rPr lang="en-US" dirty="0">
+                <a:latin typeface="Open Sans" panose="020B0604020202020204" charset="0"/>
+                <a:ea typeface="Open Sans" panose="020B0604020202020204" charset="0"/>
+                <a:cs typeface="Open Sans" panose="020B0604020202020204" charset="0"/>
+              </a:rPr>
+              <a:t>    alert(`${</a:t>
+            </a:r>
+            <a:r>
+              <a:rPr lang="en-US" dirty="0" err="1">
+                <a:latin typeface="Open Sans" panose="020B0604020202020204" charset="0"/>
+                <a:ea typeface="Open Sans" panose="020B0604020202020204" charset="0"/>
+                <a:cs typeface="Open Sans" panose="020B0604020202020204" charset="0"/>
+              </a:rPr>
+              <a:t>super.run</a:t>
+            </a:r>
+            <a:r>
+              <a:rPr lang="en-US" dirty="0">
+                <a:latin typeface="Open Sans" panose="020B0604020202020204" charset="0"/>
+                <a:ea typeface="Open Sans" panose="020B0604020202020204" charset="0"/>
+                <a:cs typeface="Open Sans" panose="020B0604020202020204" charset="0"/>
+              </a:rPr>
+              <a:t>(speed)} and the 	maximum speed is 275 km/h`);</a:t>
+            </a:r>
+          </a:p>
+          <a:p>
+            <a:r>
+              <a:rPr lang="en-US" dirty="0">
+                <a:latin typeface="Open Sans" panose="020B0604020202020204" charset="0"/>
+                <a:ea typeface="Open Sans" panose="020B0604020202020204" charset="0"/>
+                <a:cs typeface="Open Sans" panose="020B0604020202020204" charset="0"/>
+              </a:rPr>
+              <a:t>  }</a:t>
+            </a:r>
+          </a:p>
+          <a:p>
+            <a:r>
+              <a:rPr lang="en-US" dirty="0">
+                <a:latin typeface="Open Sans" panose="020B0604020202020204" charset="0"/>
+                <a:ea typeface="Open Sans" panose="020B0604020202020204" charset="0"/>
+                <a:cs typeface="Open Sans" panose="020B0604020202020204" charset="0"/>
+              </a:rPr>
+              <a:t>}</a:t>
+            </a:r>
+          </a:p>
+          <a:p>
+            <a:r>
+              <a:rPr lang="en-US" dirty="0">
+                <a:solidFill>
+                  <a:srgbClr val="0070C0"/>
+                </a:solidFill>
+                <a:latin typeface="Open Sans" panose="020B0604020202020204" charset="0"/>
+                <a:ea typeface="Open Sans" panose="020B0604020202020204" charset="0"/>
+                <a:cs typeface="Open Sans" panose="020B0604020202020204" charset="0"/>
+              </a:rPr>
+              <a:t>let</a:t>
+            </a:r>
+            <a:r>
+              <a:rPr lang="en-US" dirty="0">
+                <a:latin typeface="Open Sans" panose="020B0604020202020204" charset="0"/>
+                <a:ea typeface="Open Sans" panose="020B0604020202020204" charset="0"/>
+                <a:cs typeface="Open Sans" panose="020B0604020202020204" charset="0"/>
+              </a:rPr>
+              <a:t> </a:t>
+            </a:r>
+            <a:r>
+              <a:rPr lang="en-US" dirty="0" err="1">
+                <a:latin typeface="Open Sans" panose="020B0604020202020204" charset="0"/>
+                <a:ea typeface="Open Sans" panose="020B0604020202020204" charset="0"/>
+                <a:cs typeface="Open Sans" panose="020B0604020202020204" charset="0"/>
+              </a:rPr>
+              <a:t>volvo</a:t>
+            </a:r>
+            <a:r>
+              <a:rPr lang="en-US" dirty="0">
+                <a:latin typeface="Open Sans" panose="020B0604020202020204" charset="0"/>
+                <a:ea typeface="Open Sans" panose="020B0604020202020204" charset="0"/>
+                <a:cs typeface="Open Sans" panose="020B0604020202020204" charset="0"/>
+              </a:rPr>
+              <a:t> = </a:t>
+            </a:r>
+            <a:r>
+              <a:rPr lang="en-US" dirty="0">
+                <a:solidFill>
+                  <a:srgbClr val="0070C0"/>
+                </a:solidFill>
+                <a:latin typeface="Open Sans" panose="020B0604020202020204" charset="0"/>
+                <a:ea typeface="Open Sans" panose="020B0604020202020204" charset="0"/>
+                <a:cs typeface="Open Sans" panose="020B0604020202020204" charset="0"/>
+              </a:rPr>
+              <a:t>new</a:t>
+            </a:r>
+            <a:r>
+              <a:rPr lang="en-US" dirty="0">
+                <a:latin typeface="Open Sans" panose="020B0604020202020204" charset="0"/>
+                <a:ea typeface="Open Sans" panose="020B0604020202020204" charset="0"/>
+                <a:cs typeface="Open Sans" panose="020B0604020202020204" charset="0"/>
+              </a:rPr>
+              <a:t> Volvo(“Volvo XC90");</a:t>
+            </a:r>
+          </a:p>
+          <a:p>
+            <a:endParaRPr lang="en-US" dirty="0">
+              <a:latin typeface="Open Sans" panose="020B0604020202020204" charset="0"/>
+              <a:ea typeface="Open Sans" panose="020B0604020202020204" charset="0"/>
+              <a:cs typeface="Open Sans" panose="020B0604020202020204" charset="0"/>
+            </a:endParaRPr>
+          </a:p>
+          <a:p>
+            <a:r>
+              <a:rPr lang="en-US" dirty="0" err="1">
+                <a:latin typeface="Open Sans" panose="020B0604020202020204" charset="0"/>
+                <a:ea typeface="Open Sans" panose="020B0604020202020204" charset="0"/>
+                <a:cs typeface="Open Sans" panose="020B0604020202020204" charset="0"/>
+              </a:rPr>
+              <a:t>volvo.run</a:t>
+            </a:r>
+            <a:r>
+              <a:rPr lang="en-US" dirty="0">
+                <a:latin typeface="Open Sans" panose="020B0604020202020204" charset="0"/>
+                <a:ea typeface="Open Sans" panose="020B0604020202020204" charset="0"/>
+                <a:cs typeface="Open Sans" panose="020B0604020202020204" charset="0"/>
+              </a:rPr>
+              <a:t>(100); // </a:t>
+            </a:r>
             <a:r>
               <a:rPr lang="en-US" dirty="0">
                 <a:solidFill>
                   <a:srgbClr val="00B050"/>
                 </a:solidFill>
-              </a:rPr>
-              <a:t>  // Passing all arguments to the constructor of the parent</a:t>
-            </a:r>
-          </a:p>
-          <a:p>
-            <a:r>
-              <a:rPr lang="en-US" dirty="0"/>
-              <a:t>  </a:t>
-            </a:r>
-            <a:r>
-              <a:rPr lang="en-US" dirty="0" err="1"/>
-              <a:t>Car.apply</a:t>
-            </a:r>
-            <a:r>
-              <a:rPr lang="en-US" dirty="0"/>
-              <a:t>(this, arguments);</a:t>
-            </a:r>
-          </a:p>
-          <a:p>
-            <a:r>
-              <a:rPr lang="en-US" dirty="0"/>
-              <a:t>  </a:t>
-            </a:r>
-          </a:p>
-          <a:p>
-            <a:r>
-              <a:rPr lang="en-US" dirty="0"/>
-              <a:t>  </a:t>
+                <a:latin typeface="Open Sans" panose="020B0604020202020204" charset="0"/>
+                <a:ea typeface="Open Sans" panose="020B0604020202020204" charset="0"/>
+                <a:cs typeface="Open Sans" panose="020B0604020202020204" charset="0"/>
+              </a:rPr>
+              <a:t>Volvo XC90 goes with speed 100 </a:t>
             </a:r>
             <a:r>
               <a:rPr lang="en-US" dirty="0">
@@ -12922,7 +12642,7 @@
                   <a:srgbClr val="00B050"/>
                 </a:solidFill>
               </a:rPr>
-              <a:t>// or just one</a:t>
+              <a:t>and the maximum speed is 275 km/h</a:t>
             </a:r>
             <a:endParaRPr lang="ru-RU" dirty="0">
               <a:solidFill>
@@ -12930,63 +12650,12 @@
               </a:solidFill>
             </a:endParaRPr>
           </a:p>
-          <a:p>
-            <a:r>
-              <a:rPr lang="ru-RU" dirty="0"/>
-              <a:t>  </a:t>
-            </a:r>
-            <a:r>
-              <a:rPr lang="en-US" dirty="0" err="1"/>
-              <a:t>Car.call</a:t>
-            </a:r>
-            <a:r>
-              <a:rPr lang="en-US" dirty="0"/>
-              <a:t>(this, brand);</a:t>
-            </a:r>
-          </a:p>
-          <a:p>
-            <a:r>
-              <a:rPr lang="en-US" dirty="0"/>
-              <a:t>  </a:t>
-            </a:r>
-          </a:p>
-          <a:p>
-            <a:r>
-              <a:rPr lang="en-US" dirty="0">
-                <a:solidFill>
-                  <a:srgbClr val="00B050"/>
-                </a:solidFill>
-              </a:rPr>
-              <a:t>  // record new properties</a:t>
-            </a:r>
-          </a:p>
-          <a:p>
-            <a:r>
-              <a:rPr lang="ru-RU" dirty="0"/>
-              <a:t>  </a:t>
-            </a:r>
-            <a:r>
-              <a:rPr lang="en-US" dirty="0" err="1"/>
-              <a:t>this.engine</a:t>
-            </a:r>
-            <a:r>
-              <a:rPr lang="en-US" dirty="0"/>
-              <a:t> = engine;</a:t>
-            </a:r>
-          </a:p>
-          <a:p>
-            <a:r>
-              <a:rPr lang="en-US" dirty="0"/>
-              <a:t>};</a:t>
-            </a:r>
-            <a:endParaRPr lang="ru-RU" dirty="0"/>
-          </a:p>
         </p:txBody>
       </p:sp>
     </p:spTree>
     <p:extLst>
       <p:ext uri="{BB962C8B-B14F-4D97-AF65-F5344CB8AC3E}">
-        <p14:creationId xmlns:p14="http://schemas.microsoft.com/office/powerpoint/2010/main" val="3076325482"/>
+        <p14:creationId xmlns:p14="http://schemas.microsoft.com/office/powerpoint/2010/main" val="3790266865"/>
       </p:ext>
     </p:extLst>
   </p:cSld>
@@ -13018,7 +12687,7 @@
           <p:cNvPr id="2" name="Заголовок 1">
             <a:extLst>
               <a:ext uri="{FF2B5EF4-FFF2-40B4-BE49-F238E27FC236}">
-                <a16:creationId xmlns:a16="http://schemas.microsoft.com/office/drawing/2014/main" id="{23EA0B30-67B5-4124-A163-7E2E04A53B34}"/>
+                <a16:creationId xmlns:a16="http://schemas.microsoft.com/office/drawing/2014/main" id="{51B5F84D-9928-4483-AE00-5DCBA2545146}"/>
               </a:ext>
             </a:extLst>
           </p:cNvPr>
@@ -13036,7 +12705,7 @@
           <a:p>
             <a:r>
               <a:rPr lang="en-US" dirty="0"/>
-              <a:t>Classes without constructors</a:t>
+              <a:t>ES5 VS ES6</a:t>
             </a:r>
             <a:endParaRPr lang="ru-RU" dirty="0"/>
           </a:p>
@@ -13047,7 +12716,7 @@
           <p:cNvPr id="3" name="Текст 2">
             <a:extLst>
               <a:ext uri="{FF2B5EF4-FFF2-40B4-BE49-F238E27FC236}">
-                <a16:creationId xmlns:a16="http://schemas.microsoft.com/office/drawing/2014/main" id="{E5C08DA3-D112-4261-BFDB-F4063CAEE371}"/>
+                <a16:creationId xmlns:a16="http://schemas.microsoft.com/office/drawing/2014/main" id="{C90BB3C3-F85A-4720-ADF8-B47B95056BFD}"/>
               </a:ext>
             </a:extLst>
           </p:cNvPr>
@@ -13058,11 +12727,17 @@
             <p:ph type="body" sz="quarter" idx="10"/>
           </p:nvPr>
         </p:nvSpPr>
-        <p:spPr/>
+        <p:spPr>
+          <a:xfrm>
+            <a:off x="6331202" y="1434548"/>
+            <a:ext cx="5174998" cy="3988904"/>
+          </a:xfrm>
+        </p:spPr>
         <p:txBody>
           <a:bodyPr/>
           <a:lstStyle/>
           <a:p>
+            <a:pPr lvl="0"/>
             <a:r>
               <a:rPr lang="en-US" dirty="0">
                 <a:solidFill>
@@ -13076,6 +12751,9 @@
             </a:r>
             <a:r>
               <a:rPr lang="en-US" dirty="0">
+                <a:solidFill>
+                  <a:prstClr val="black"/>
+                </a:solidFill>
                 <a:latin typeface="Open Sans" panose="020B0604020202020204" charset="0"/>
                 <a:ea typeface="Open Sans" panose="020B0604020202020204" charset="0"/>
                 <a:cs typeface="Open Sans" panose="020B0604020202020204" charset="0"/>
@@ -13084,6 +12762,9 @@
             </a:r>
             <a:r>
               <a:rPr lang="en-US" dirty="0" err="1">
+                <a:solidFill>
+                  <a:prstClr val="black"/>
+                </a:solidFill>
                 <a:latin typeface="Open Sans" panose="020B0604020202020204" charset="0"/>
                 <a:ea typeface="Open Sans" panose="020B0604020202020204" charset="0"/>
                 <a:cs typeface="Open Sans" panose="020B0604020202020204" charset="0"/>
@@ -13092,6 +12773,9 @@
             </a:r>
             <a:r>
               <a:rPr lang="en-US" dirty="0">
+                <a:solidFill>
+                  <a:prstClr val="black"/>
+                </a:solidFill>
                 <a:latin typeface="Open Sans" panose="020B0604020202020204" charset="0"/>
                 <a:ea typeface="Open Sans" panose="020B0604020202020204" charset="0"/>
                 <a:cs typeface="Open Sans" panose="020B0604020202020204" charset="0"/>
@@ -13111,6 +12795,9 @@
             </a:r>
             <a:r>
               <a:rPr lang="en-US" dirty="0">
+                <a:solidFill>
+                  <a:prstClr val="black"/>
+                </a:solidFill>
                 <a:latin typeface="Open Sans" panose="020B0604020202020204" charset="0"/>
                 <a:ea typeface="Open Sans" panose="020B0604020202020204" charset="0"/>
                 <a:cs typeface="Open Sans" panose="020B0604020202020204" charset="0"/>
@@ -13119,60 +12806,278 @@
             </a:r>
           </a:p>
           <a:p>
+            <a:pPr lvl="0"/>
             <a:r>
               <a:rPr lang="en-US" dirty="0">
+                <a:solidFill>
+                  <a:prstClr val="black"/>
+                </a:solidFill>
                 <a:latin typeface="Open Sans" panose="020B0604020202020204" charset="0"/>
                 <a:ea typeface="Open Sans" panose="020B0604020202020204" charset="0"/>
                 <a:cs typeface="Open Sans" panose="020B0604020202020204" charset="0"/>
               </a:rPr>
-              <a:t>  run(speed) {</a:t>
-            </a:r>
-          </a:p>
-          <a:p>
+              <a:t>constructor(brand, engine) {</a:t>
+            </a:r>
+          </a:p>
+          <a:p>
+            <a:pPr lvl="0"/>
             <a:r>
               <a:rPr lang="en-US" dirty="0">
+                <a:solidFill>
+                  <a:prstClr val="black"/>
+                </a:solidFill>
                 <a:latin typeface="Open Sans" panose="020B0604020202020204" charset="0"/>
                 <a:ea typeface="Open Sans" panose="020B0604020202020204" charset="0"/>
                 <a:cs typeface="Open Sans" panose="020B0604020202020204" charset="0"/>
               </a:rPr>
-              <a:t>    alert(`${</a:t>
-            </a:r>
-            <a:r>
-              <a:rPr lang="en-US" dirty="0" err="1">
+              <a:t>    super(brand);</a:t>
+            </a:r>
+          </a:p>
+          <a:p>
+            <a:pPr lvl="0"/>
+            <a:r>
+              <a:rPr lang="en-US" dirty="0">
+                <a:solidFill>
+                  <a:prstClr val="black"/>
+                </a:solidFill>
                 <a:latin typeface="Open Sans" panose="020B0604020202020204" charset="0"/>
                 <a:ea typeface="Open Sans" panose="020B0604020202020204" charset="0"/>
                 <a:cs typeface="Open Sans" panose="020B0604020202020204" charset="0"/>
               </a:rPr>
-              <a:t>super.run</a:t>
-            </a:r>
-            <a:r>
-              <a:rPr lang="en-US" dirty="0">
+              <a:t>    </a:t>
+            </a:r>
+            <a:r>
+              <a:rPr lang="en-US" dirty="0" err="1">
+                <a:solidFill>
+                  <a:prstClr val="black"/>
+                </a:solidFill>
                 <a:latin typeface="Open Sans" panose="020B0604020202020204" charset="0"/>
                 <a:ea typeface="Open Sans" panose="020B0604020202020204" charset="0"/>
                 <a:cs typeface="Open Sans" panose="020B0604020202020204" charset="0"/>
               </a:rPr>
-              <a:t>(speed)} and the 	maximum speed is 275 km/h`);</a:t>
-            </a:r>
-          </a:p>
-          <a:p>
+              <a:t>this.engine</a:t>
+            </a:r>
             <a:r>
               <a:rPr lang="en-US" dirty="0">
+                <a:solidFill>
+                  <a:prstClr val="black"/>
+                </a:solidFill>
                 <a:latin typeface="Open Sans" panose="020B0604020202020204" charset="0"/>
                 <a:ea typeface="Open Sans" panose="020B0604020202020204" charset="0"/>
                 <a:cs typeface="Open Sans" panose="020B0604020202020204" charset="0"/>
               </a:rPr>
-              <a:t>  }</a:t>
-            </a:r>
-          </a:p>
-          <a:p>
+              <a:t> = engine;</a:t>
+            </a:r>
+          </a:p>
+          <a:p>
+            <a:pPr lvl="0"/>
             <a:r>
               <a:rPr lang="en-US" dirty="0">
+                <a:solidFill>
+                  <a:prstClr val="black"/>
+                </a:solidFill>
                 <a:latin typeface="Open Sans" panose="020B0604020202020204" charset="0"/>
                 <a:ea typeface="Open Sans" panose="020B0604020202020204" charset="0"/>
                 <a:cs typeface="Open Sans" panose="020B0604020202020204" charset="0"/>
               </a:rPr>
+              <a:t>  }</a:t>
+            </a:r>
+          </a:p>
+          <a:p>
+            <a:pPr lvl="0"/>
+            <a:r>
+              <a:rPr lang="en-US" dirty="0">
+                <a:solidFill>
+                  <a:prstClr val="black"/>
+                </a:solidFill>
+                <a:latin typeface="Open Sans" panose="020B0604020202020204" charset="0"/>
+                <a:ea typeface="Open Sans" panose="020B0604020202020204" charset="0"/>
+                <a:cs typeface="Open Sans" panose="020B0604020202020204" charset="0"/>
+              </a:rPr>
               <a:t>}</a:t>
             </a:r>
+          </a:p>
+          <a:p>
+            <a:pPr lvl="0"/>
+            <a:r>
+              <a:rPr lang="en-US" dirty="0">
+                <a:solidFill>
+                  <a:srgbClr val="0070C0"/>
+                </a:solidFill>
+                <a:latin typeface="Open Sans" panose="020B0604020202020204" charset="0"/>
+                <a:ea typeface="Open Sans" panose="020B0604020202020204" charset="0"/>
+                <a:cs typeface="Open Sans" panose="020B0604020202020204" charset="0"/>
+              </a:rPr>
+              <a:t>let</a:t>
+            </a:r>
+            <a:r>
+              <a:rPr lang="en-US" dirty="0">
+                <a:solidFill>
+                  <a:prstClr val="black"/>
+                </a:solidFill>
+                <a:latin typeface="Open Sans" panose="020B0604020202020204" charset="0"/>
+                <a:ea typeface="Open Sans" panose="020B0604020202020204" charset="0"/>
+                <a:cs typeface="Open Sans" panose="020B0604020202020204" charset="0"/>
+              </a:rPr>
+              <a:t> </a:t>
+            </a:r>
+            <a:r>
+              <a:rPr lang="en-US" dirty="0" err="1">
+                <a:solidFill>
+                  <a:prstClr val="black"/>
+                </a:solidFill>
+                <a:latin typeface="Open Sans" panose="020B0604020202020204" charset="0"/>
+                <a:ea typeface="Open Sans" panose="020B0604020202020204" charset="0"/>
+                <a:cs typeface="Open Sans" panose="020B0604020202020204" charset="0"/>
+              </a:rPr>
+              <a:t>volvo</a:t>
+            </a:r>
+            <a:r>
+              <a:rPr lang="en-US" dirty="0">
+                <a:solidFill>
+                  <a:prstClr val="black"/>
+                </a:solidFill>
+                <a:latin typeface="Open Sans" panose="020B0604020202020204" charset="0"/>
+                <a:ea typeface="Open Sans" panose="020B0604020202020204" charset="0"/>
+                <a:cs typeface="Open Sans" panose="020B0604020202020204" charset="0"/>
+              </a:rPr>
+              <a:t> = </a:t>
+            </a:r>
+            <a:r>
+              <a:rPr lang="en-US" dirty="0">
+                <a:solidFill>
+                  <a:srgbClr val="0070C0"/>
+                </a:solidFill>
+                <a:latin typeface="Open Sans" panose="020B0604020202020204" charset="0"/>
+                <a:ea typeface="Open Sans" panose="020B0604020202020204" charset="0"/>
+                <a:cs typeface="Open Sans" panose="020B0604020202020204" charset="0"/>
+              </a:rPr>
+              <a:t>new</a:t>
+            </a:r>
+            <a:r>
+              <a:rPr lang="en-US" dirty="0">
+                <a:solidFill>
+                  <a:prstClr val="black"/>
+                </a:solidFill>
+                <a:latin typeface="Open Sans" panose="020B0604020202020204" charset="0"/>
+                <a:ea typeface="Open Sans" panose="020B0604020202020204" charset="0"/>
+                <a:cs typeface="Open Sans" panose="020B0604020202020204" charset="0"/>
+              </a:rPr>
+              <a:t> Volvo(“Volvo XC90“, 			          “diesel”);</a:t>
+            </a:r>
+          </a:p>
+          <a:p>
+            <a:pPr lvl="0"/>
+            <a:endParaRPr lang="en-US" dirty="0">
+              <a:solidFill>
+                <a:prstClr val="black"/>
+              </a:solidFill>
+              <a:latin typeface="Open Sans" panose="020B0604020202020204" charset="0"/>
+              <a:ea typeface="Open Sans" panose="020B0604020202020204" charset="0"/>
+              <a:cs typeface="Open Sans" panose="020B0604020202020204" charset="0"/>
+            </a:endParaRPr>
+          </a:p>
+          <a:p>
+            <a:pPr lvl="0"/>
+            <a:r>
+              <a:rPr lang="en-US" dirty="0">
+                <a:solidFill>
+                  <a:prstClr val="black"/>
+                </a:solidFill>
+                <a:latin typeface="Open Sans" panose="020B0604020202020204" charset="0"/>
+                <a:ea typeface="Open Sans" panose="020B0604020202020204" charset="0"/>
+                <a:cs typeface="Open Sans" panose="020B0604020202020204" charset="0"/>
+              </a:rPr>
+              <a:t>alert(</a:t>
+            </a:r>
+            <a:r>
+              <a:rPr lang="en-US" dirty="0" err="1">
+                <a:solidFill>
+                  <a:prstClr val="black"/>
+                </a:solidFill>
+                <a:latin typeface="Open Sans" panose="020B0604020202020204" charset="0"/>
+                <a:ea typeface="Open Sans" panose="020B0604020202020204" charset="0"/>
+                <a:cs typeface="Open Sans" panose="020B0604020202020204" charset="0"/>
+              </a:rPr>
+              <a:t>volvo.brand</a:t>
+            </a:r>
+            <a:r>
+              <a:rPr lang="en-US" dirty="0">
+                <a:solidFill>
+                  <a:prstClr val="black"/>
+                </a:solidFill>
+                <a:latin typeface="Open Sans" panose="020B0604020202020204" charset="0"/>
+                <a:ea typeface="Open Sans" panose="020B0604020202020204" charset="0"/>
+                <a:cs typeface="Open Sans" panose="020B0604020202020204" charset="0"/>
+              </a:rPr>
+              <a:t>); // </a:t>
+            </a:r>
+            <a:r>
+              <a:rPr lang="en-US" dirty="0">
+                <a:solidFill>
+                  <a:srgbClr val="00B050"/>
+                </a:solidFill>
+                <a:latin typeface="Open Sans" panose="020B0604020202020204" charset="0"/>
+                <a:ea typeface="Open Sans" panose="020B0604020202020204" charset="0"/>
+                <a:cs typeface="Open Sans" panose="020B0604020202020204" charset="0"/>
+              </a:rPr>
+              <a:t>Volvo XC90</a:t>
+            </a:r>
+          </a:p>
+          <a:p>
+            <a:pPr lvl="0"/>
+            <a:r>
+              <a:rPr lang="en-US" dirty="0">
+                <a:solidFill>
+                  <a:prstClr val="black"/>
+                </a:solidFill>
+                <a:latin typeface="Open Sans" panose="020B0604020202020204" charset="0"/>
+                <a:ea typeface="Open Sans" panose="020B0604020202020204" charset="0"/>
+                <a:cs typeface="Open Sans" panose="020B0604020202020204" charset="0"/>
+              </a:rPr>
+              <a:t>alert(</a:t>
+            </a:r>
+            <a:r>
+              <a:rPr lang="en-US" dirty="0" err="1">
+                <a:solidFill>
+                  <a:prstClr val="black"/>
+                </a:solidFill>
+                <a:latin typeface="Open Sans" panose="020B0604020202020204" charset="0"/>
+                <a:ea typeface="Open Sans" panose="020B0604020202020204" charset="0"/>
+                <a:cs typeface="Open Sans" panose="020B0604020202020204" charset="0"/>
+              </a:rPr>
+              <a:t>volvo.engine</a:t>
+            </a:r>
+            <a:r>
+              <a:rPr lang="en-US" dirty="0">
+                <a:solidFill>
+                  <a:prstClr val="black"/>
+                </a:solidFill>
+                <a:latin typeface="Open Sans" panose="020B0604020202020204" charset="0"/>
+                <a:ea typeface="Open Sans" panose="020B0604020202020204" charset="0"/>
+                <a:cs typeface="Open Sans" panose="020B0604020202020204" charset="0"/>
+              </a:rPr>
+              <a:t>); // </a:t>
+            </a:r>
+            <a:r>
+              <a:rPr lang="en-US" dirty="0">
+                <a:solidFill>
+                  <a:srgbClr val="00B050"/>
+                </a:solidFill>
+                <a:latin typeface="Open Sans" panose="020B0604020202020204" charset="0"/>
+                <a:ea typeface="Open Sans" panose="020B0604020202020204" charset="0"/>
+                <a:cs typeface="Open Sans" panose="020B0604020202020204" charset="0"/>
+              </a:rPr>
+              <a:t>diesel</a:t>
+            </a:r>
+            <a:endParaRPr lang="uk-UA" dirty="0">
+              <a:solidFill>
+                <a:srgbClr val="00B050"/>
+              </a:solidFill>
+              <a:latin typeface="Open Sans" panose="020B0604020202020204" charset="0"/>
+              <a:ea typeface="Open Sans" panose="020B0604020202020204" charset="0"/>
+              <a:cs typeface="Open Sans" panose="020B0604020202020204" charset="0"/>
+            </a:endParaRPr>
           </a:p>
           <a:p>
             <a:endParaRPr lang="ru-RU" dirty="0"/>
@@ -13184,7 +13089,7 @@
           <p:cNvPr id="4" name="Текст 3">
             <a:extLst>
               <a:ext uri="{FF2B5EF4-FFF2-40B4-BE49-F238E27FC236}">
-                <a16:creationId xmlns:a16="http://schemas.microsoft.com/office/drawing/2014/main" id="{AE7FE168-A059-4CF0-AA1A-A9BC9277AE53}"/>
+                <a16:creationId xmlns:a16="http://schemas.microsoft.com/office/drawing/2014/main" id="{0913E212-4470-4D0C-8766-A681782A07BF}"/>
               </a:ext>
             </a:extLst>
           </p:cNvPr>
@@ -13195,153 +13100,119 @@
             <p:ph type="body" sz="quarter" idx="11"/>
           </p:nvPr>
         </p:nvSpPr>
-        <p:spPr/>
+        <p:spPr>
+          <a:xfrm>
+            <a:off x="685800" y="1434548"/>
+            <a:ext cx="5175504" cy="3988904"/>
+          </a:xfrm>
+        </p:spPr>
         <p:txBody>
           <a:bodyPr/>
           <a:lstStyle/>
           <a:p>
             <a:r>
+              <a:rPr lang="en-US" dirty="0"/>
+              <a:t>var Volvo = function(brand, engine) {</a:t>
+            </a:r>
+          </a:p>
+          <a:p>
+            <a:r>
               <a:rPr lang="en-US" dirty="0">
                 <a:solidFill>
-                  <a:srgbClr val="0070C0"/>
+                  <a:srgbClr val="00B050"/>
                 </a:solidFill>
-                <a:latin typeface="Open Sans" panose="020B0604020202020204" charset="0"/>
-                <a:ea typeface="Open Sans" panose="020B0604020202020204" charset="0"/>
-                <a:cs typeface="Open Sans" panose="020B0604020202020204" charset="0"/>
-              </a:rPr>
-              <a:t>class</a:t>
-            </a:r>
-            <a:r>
-              <a:rPr lang="en-US" dirty="0">
-                <a:latin typeface="Open Sans" panose="020B0604020202020204" charset="0"/>
-                <a:ea typeface="Open Sans" panose="020B0604020202020204" charset="0"/>
-                <a:cs typeface="Open Sans" panose="020B0604020202020204" charset="0"/>
-              </a:rPr>
-              <a:t> </a:t>
-            </a:r>
-            <a:r>
-              <a:rPr lang="en-US" dirty="0" err="1">
-                <a:latin typeface="Open Sans" panose="020B0604020202020204" charset="0"/>
-                <a:ea typeface="Open Sans" panose="020B0604020202020204" charset="0"/>
-                <a:cs typeface="Open Sans" panose="020B0604020202020204" charset="0"/>
-              </a:rPr>
-              <a:t>Vovlo</a:t>
-            </a:r>
-            <a:r>
-              <a:rPr lang="en-US" dirty="0">
-                <a:latin typeface="Open Sans" panose="020B0604020202020204" charset="0"/>
-                <a:ea typeface="Open Sans" panose="020B0604020202020204" charset="0"/>
-                <a:cs typeface="Open Sans" panose="020B0604020202020204" charset="0"/>
-              </a:rPr>
-              <a:t> </a:t>
+              </a:rPr>
+              <a:t>  // Passing all arguments to the constructor of the parent</a:t>
+            </a:r>
+          </a:p>
+          <a:p>
+            <a:r>
+              <a:rPr lang="en-US" dirty="0"/>
+              <a:t>  </a:t>
+            </a:r>
+            <a:r>
+              <a:rPr lang="en-US" dirty="0" err="1"/>
+              <a:t>Car.apply</a:t>
+            </a:r>
+            <a:r>
+              <a:rPr lang="en-US" dirty="0"/>
+              <a:t>(this, arguments);</a:t>
+            </a:r>
+          </a:p>
+          <a:p>
+            <a:r>
+              <a:rPr lang="en-US" dirty="0"/>
+              <a:t>  </a:t>
+            </a:r>
+          </a:p>
+          <a:p>
+            <a:r>
+              <a:rPr lang="en-US" dirty="0"/>
+              <a:t>  </a:t>
             </a:r>
             <a:r>
               <a:rPr lang="en-US" dirty="0">
                 <a:solidFill>
-                  <a:srgbClr val="0070C0"/>
+                  <a:srgbClr val="00B050"/>
                 </a:solidFill>
-                <a:latin typeface="Open Sans" panose="020B0604020202020204" charset="0"/>
-                <a:ea typeface="Open Sans" panose="020B0604020202020204" charset="0"/>
-                <a:cs typeface="Open Sans" panose="020B0604020202020204" charset="0"/>
-              </a:rPr>
-              <a:t>extends</a:t>
-            </a:r>
+              </a:rPr>
+              <a:t>// or just one</a:t>
+            </a:r>
+            <a:endParaRPr lang="ru-RU" dirty="0">
+              <a:solidFill>
+                <a:srgbClr val="00B050"/>
+              </a:solidFill>
+            </a:endParaRPr>
+          </a:p>
+          <a:p>
+            <a:r>
+              <a:rPr lang="ru-RU" dirty="0"/>
+              <a:t>  </a:t>
+            </a:r>
+            <a:r>
+              <a:rPr lang="en-US" dirty="0" err="1"/>
+              <a:t>Car.call</a:t>
+            </a:r>
+            <a:r>
+              <a:rPr lang="en-US" dirty="0"/>
+              <a:t>(this, brand);</a:t>
+            </a:r>
+          </a:p>
+          <a:p>
+            <a:r>
+              <a:rPr lang="en-US" dirty="0"/>
+              <a:t>  </a:t>
+            </a:r>
+          </a:p>
+          <a:p>
             <a:r>
               <a:rPr lang="en-US" dirty="0">
-                <a:latin typeface="Open Sans" panose="020B0604020202020204" charset="0"/>
-                <a:ea typeface="Open Sans" panose="020B0604020202020204" charset="0"/>
-                <a:cs typeface="Open Sans" panose="020B0604020202020204" charset="0"/>
-              </a:rPr>
-              <a:t> Car {</a:t>
-            </a:r>
-          </a:p>
-          <a:p>
-            <a:r>
-              <a:rPr lang="en-US" dirty="0">
-                <a:latin typeface="Open Sans" panose="020B0604020202020204" charset="0"/>
-                <a:ea typeface="Open Sans" panose="020B0604020202020204" charset="0"/>
-                <a:cs typeface="Open Sans" panose="020B0604020202020204" charset="0"/>
-              </a:rPr>
-              <a:t>  constructor() {</a:t>
-            </a:r>
-          </a:p>
-          <a:p>
-            <a:r>
-              <a:rPr lang="en-US" dirty="0">
-                <a:latin typeface="Open Sans" panose="020B0604020202020204" charset="0"/>
-                <a:ea typeface="Open Sans" panose="020B0604020202020204" charset="0"/>
-                <a:cs typeface="Open Sans" panose="020B0604020202020204" charset="0"/>
-              </a:rPr>
-              <a:t>    super(...arguments);</a:t>
-            </a:r>
-          </a:p>
-          <a:p>
-            <a:r>
-              <a:rPr lang="en-US" dirty="0">
-                <a:latin typeface="Open Sans" panose="020B0604020202020204" charset="0"/>
-                <a:ea typeface="Open Sans" panose="020B0604020202020204" charset="0"/>
-                <a:cs typeface="Open Sans" panose="020B0604020202020204" charset="0"/>
-              </a:rPr>
-              <a:t>  }</a:t>
-            </a:r>
-          </a:p>
-          <a:p>
-            <a:r>
-              <a:rPr lang="en-US" dirty="0">
-                <a:latin typeface="Open Sans" panose="020B0604020202020204" charset="0"/>
-                <a:ea typeface="Open Sans" panose="020B0604020202020204" charset="0"/>
-                <a:cs typeface="Open Sans" panose="020B0604020202020204" charset="0"/>
-              </a:rPr>
-              <a:t>  run(speed) {</a:t>
-            </a:r>
-          </a:p>
-          <a:p>
-            <a:r>
-              <a:rPr lang="en-US" dirty="0">
-                <a:latin typeface="Open Sans" panose="020B0604020202020204" charset="0"/>
-                <a:ea typeface="Open Sans" panose="020B0604020202020204" charset="0"/>
-                <a:cs typeface="Open Sans" panose="020B0604020202020204" charset="0"/>
-              </a:rPr>
-              <a:t>    alert(`${</a:t>
-            </a:r>
-            <a:r>
-              <a:rPr lang="en-US" dirty="0" err="1">
-                <a:latin typeface="Open Sans" panose="020B0604020202020204" charset="0"/>
-                <a:ea typeface="Open Sans" panose="020B0604020202020204" charset="0"/>
-                <a:cs typeface="Open Sans" panose="020B0604020202020204" charset="0"/>
-              </a:rPr>
-              <a:t>super.run</a:t>
-            </a:r>
-            <a:r>
-              <a:rPr lang="en-US" dirty="0">
-                <a:latin typeface="Open Sans" panose="020B0604020202020204" charset="0"/>
-                <a:ea typeface="Open Sans" panose="020B0604020202020204" charset="0"/>
-                <a:cs typeface="Open Sans" panose="020B0604020202020204" charset="0"/>
-              </a:rPr>
-              <a:t>(speed)} and the 	maximum speed is 275 km/h`);</a:t>
-            </a:r>
-          </a:p>
-          <a:p>
-            <a:r>
-              <a:rPr lang="en-US" dirty="0">
-                <a:latin typeface="Open Sans" panose="020B0604020202020204" charset="0"/>
-                <a:ea typeface="Open Sans" panose="020B0604020202020204" charset="0"/>
-                <a:cs typeface="Open Sans" panose="020B0604020202020204" charset="0"/>
-              </a:rPr>
-              <a:t>  }</a:t>
-            </a:r>
-          </a:p>
-          <a:p>
-            <a:r>
-              <a:rPr lang="en-US" dirty="0">
-                <a:latin typeface="Open Sans" panose="020B0604020202020204" charset="0"/>
-                <a:ea typeface="Open Sans" panose="020B0604020202020204" charset="0"/>
-                <a:cs typeface="Open Sans" panose="020B0604020202020204" charset="0"/>
-              </a:rPr>
-              <a:t>}</a:t>
-            </a:r>
-          </a:p>
-          <a:p>
+                <a:solidFill>
+                  <a:srgbClr val="00B050"/>
+                </a:solidFill>
+              </a:rPr>
+              <a:t>  // record new properties</a:t>
+            </a:r>
+          </a:p>
+          <a:p>
+            <a:r>
+              <a:rPr lang="ru-RU" dirty="0"/>
+              <a:t>  </a:t>
+            </a:r>
+            <a:r>
+              <a:rPr lang="en-US" dirty="0" err="1"/>
+              <a:t>this.engine</a:t>
+            </a:r>
+            <a:r>
+              <a:rPr lang="en-US" dirty="0"/>
+              <a:t> = engine;</a:t>
+            </a:r>
+          </a:p>
+          <a:p>
+            <a:r>
+              <a:rPr lang="en-US" dirty="0"/>
+              <a:t>};</a:t>
+            </a:r>
             <a:endParaRPr lang="ru-RU" dirty="0"/>
           </a:p>
         </p:txBody>
@@ -13349,7 +13220,7 @@
     </p:spTree>
     <p:extLst>
       <p:ext uri="{BB962C8B-B14F-4D97-AF65-F5344CB8AC3E}">
-        <p14:creationId xmlns:p14="http://schemas.microsoft.com/office/powerpoint/2010/main" val="1275083791"/>
+        <p14:creationId xmlns:p14="http://schemas.microsoft.com/office/powerpoint/2010/main" val="3076325482"/>
       </p:ext>
     </p:extLst>
   </p:cSld>
@@ -13381,7 +13252,7 @@
           <p:cNvPr id="2" name="Заголовок 1">
             <a:extLst>
               <a:ext uri="{FF2B5EF4-FFF2-40B4-BE49-F238E27FC236}">
-                <a16:creationId xmlns:a16="http://schemas.microsoft.com/office/drawing/2014/main" id="{9F970CAB-6F12-4CF3-8C6A-5E3CD003B54A}"/>
+                <a16:creationId xmlns:a16="http://schemas.microsoft.com/office/drawing/2014/main" id="{23EA0B30-67B5-4124-A163-7E2E04A53B34}"/>
               </a:ext>
             </a:extLst>
           </p:cNvPr>
@@ -13399,7 +13270,7 @@
           <a:p>
             <a:r>
               <a:rPr lang="en-US" dirty="0"/>
-              <a:t>static</a:t>
+              <a:t>Classes without constructors</a:t>
             </a:r>
             <a:endParaRPr lang="ru-RU" dirty="0"/>
           </a:p>
@@ -13410,7 +13281,7 @@
           <p:cNvPr id="3" name="Текст 2">
             <a:extLst>
               <a:ext uri="{FF2B5EF4-FFF2-40B4-BE49-F238E27FC236}">
-                <a16:creationId xmlns:a16="http://schemas.microsoft.com/office/drawing/2014/main" id="{97EB0FF4-0020-48E0-B51E-E84DAECA82EB}"/>
+                <a16:creationId xmlns:a16="http://schemas.microsoft.com/office/drawing/2014/main" id="{E5C08DA3-D112-4261-BFDB-F4063CAEE371}"/>
               </a:ext>
             </a:extLst>
           </p:cNvPr>
@@ -13421,108 +13292,123 @@
             <p:ph type="body" sz="quarter" idx="10"/>
           </p:nvPr>
         </p:nvSpPr>
-        <p:spPr>
-          <a:xfrm>
-            <a:off x="685800" y="1775791"/>
-            <a:ext cx="5174998" cy="3710609"/>
-          </a:xfrm>
-        </p:spPr>
+        <p:spPr/>
         <p:txBody>
           <a:bodyPr/>
           <a:lstStyle/>
           <a:p>
             <a:r>
-              <a:rPr lang="ru-RU" dirty="0">
-                <a:solidFill>
-                  <a:srgbClr val="00B050"/>
-                </a:solidFill>
-              </a:rPr>
-              <a:t>// </a:t>
-            </a:r>
-            <a:r>
               <a:rPr lang="en-US" dirty="0">
                 <a:solidFill>
-                  <a:srgbClr val="00B050"/>
+                  <a:srgbClr val="0070C0"/>
                 </a:solidFill>
-              </a:rPr>
-              <a:t>constructor</a:t>
-            </a:r>
-            <a:endParaRPr lang="ru-RU" dirty="0">
-              <a:solidFill>
-                <a:srgbClr val="00B050"/>
-              </a:solidFill>
-            </a:endParaRPr>
-          </a:p>
-          <a:p>
-            <a:r>
-              <a:rPr lang="en-US" dirty="0"/>
-              <a:t>var Person = function() {};</a:t>
-            </a:r>
-          </a:p>
-          <a:p>
-            <a:endParaRPr lang="en-US" dirty="0"/>
-          </a:p>
-          <a:p>
+                <a:latin typeface="Open Sans" panose="020B0604020202020204" charset="0"/>
+                <a:ea typeface="Open Sans" panose="020B0604020202020204" charset="0"/>
+                <a:cs typeface="Open Sans" panose="020B0604020202020204" charset="0"/>
+              </a:rPr>
+              <a:t>class</a:t>
+            </a:r>
+            <a:r>
+              <a:rPr lang="en-US" dirty="0">
+                <a:latin typeface="Open Sans" panose="020B0604020202020204" charset="0"/>
+                <a:ea typeface="Open Sans" panose="020B0604020202020204" charset="0"/>
+                <a:cs typeface="Open Sans" panose="020B0604020202020204" charset="0"/>
+              </a:rPr>
+              <a:t> </a:t>
+            </a:r>
+            <a:r>
+              <a:rPr lang="en-US" dirty="0" err="1">
+                <a:latin typeface="Open Sans" panose="020B0604020202020204" charset="0"/>
+                <a:ea typeface="Open Sans" panose="020B0604020202020204" charset="0"/>
+                <a:cs typeface="Open Sans" panose="020B0604020202020204" charset="0"/>
+              </a:rPr>
+              <a:t>Vovlo</a:t>
+            </a:r>
+            <a:r>
+              <a:rPr lang="en-US" dirty="0">
+                <a:latin typeface="Open Sans" panose="020B0604020202020204" charset="0"/>
+                <a:ea typeface="Open Sans" panose="020B0604020202020204" charset="0"/>
+                <a:cs typeface="Open Sans" panose="020B0604020202020204" charset="0"/>
+              </a:rPr>
+              <a:t> </a:t>
+            </a:r>
             <a:r>
               <a:rPr lang="en-US" dirty="0">
                 <a:solidFill>
-                  <a:srgbClr val="00B050"/>
+                  <a:srgbClr val="0070C0"/>
                 </a:solidFill>
-              </a:rPr>
-              <a:t>// value</a:t>
-            </a:r>
-            <a:endParaRPr lang="ru-RU" dirty="0">
-              <a:solidFill>
-                <a:srgbClr val="00B050"/>
-              </a:solidFill>
-            </a:endParaRPr>
-          </a:p>
-          <a:p>
-            <a:r>
-              <a:rPr lang="en-US" dirty="0" err="1"/>
-              <a:t>Person.hello</a:t>
-            </a:r>
-            <a:r>
-              <a:rPr lang="en-US" dirty="0"/>
-              <a:t> = 'World';</a:t>
-            </a:r>
-          </a:p>
-          <a:p>
+                <a:latin typeface="Open Sans" panose="020B0604020202020204" charset="0"/>
+                <a:ea typeface="Open Sans" panose="020B0604020202020204" charset="0"/>
+                <a:cs typeface="Open Sans" panose="020B0604020202020204" charset="0"/>
+              </a:rPr>
+              <a:t>extends</a:t>
+            </a:r>
             <a:r>
               <a:rPr lang="en-US" dirty="0">
-                <a:solidFill>
-                  <a:srgbClr val="00B050"/>
-                </a:solidFill>
-              </a:rPr>
-              <a:t>// function</a:t>
-            </a:r>
-            <a:endParaRPr lang="ru-RU" dirty="0">
-              <a:solidFill>
-                <a:srgbClr val="00B050"/>
-              </a:solidFill>
-            </a:endParaRPr>
-          </a:p>
-          <a:p>
-            <a:r>
-              <a:rPr lang="en-US" dirty="0" err="1"/>
-              <a:t>Person.speak</a:t>
-            </a:r>
-            <a:r>
-              <a:rPr lang="en-US" dirty="0"/>
-              <a:t> = function() {</a:t>
-            </a:r>
-          </a:p>
-          <a:p>
-            <a:r>
-              <a:rPr lang="en-US" dirty="0"/>
-              <a:t>  console.log('I am alive!');</a:t>
-            </a:r>
-          </a:p>
-          <a:p>
-            <a:r>
-              <a:rPr lang="en-US" dirty="0"/>
-              <a:t>};</a:t>
-            </a:r>
+                <a:latin typeface="Open Sans" panose="020B0604020202020204" charset="0"/>
+                <a:ea typeface="Open Sans" panose="020B0604020202020204" charset="0"/>
+                <a:cs typeface="Open Sans" panose="020B0604020202020204" charset="0"/>
+              </a:rPr>
+              <a:t> Car {</a:t>
+            </a:r>
+          </a:p>
+          <a:p>
+            <a:r>
+              <a:rPr lang="en-US" dirty="0">
+                <a:latin typeface="Open Sans" panose="020B0604020202020204" charset="0"/>
+                <a:ea typeface="Open Sans" panose="020B0604020202020204" charset="0"/>
+                <a:cs typeface="Open Sans" panose="020B0604020202020204" charset="0"/>
+              </a:rPr>
+              <a:t>  run(speed) {</a:t>
+            </a:r>
+          </a:p>
+          <a:p>
+            <a:r>
+              <a:rPr lang="en-US" dirty="0">
+                <a:latin typeface="Open Sans" panose="020B0604020202020204" charset="0"/>
+                <a:ea typeface="Open Sans" panose="020B0604020202020204" charset="0"/>
+                <a:cs typeface="Open Sans" panose="020B0604020202020204" charset="0"/>
+              </a:rPr>
+              <a:t>    alert(`${</a:t>
+            </a:r>
+            <a:r>
+              <a:rPr lang="en-US" dirty="0" err="1">
+                <a:latin typeface="Open Sans" panose="020B0604020202020204" charset="0"/>
+                <a:ea typeface="Open Sans" panose="020B0604020202020204" charset="0"/>
+                <a:cs typeface="Open Sans" panose="020B0604020202020204" charset="0"/>
+              </a:rPr>
+              <a:t>super.run</a:t>
+            </a:r>
+            <a:r>
+              <a:rPr lang="en-US" dirty="0">
+                <a:latin typeface="Open Sans" panose="020B0604020202020204" charset="0"/>
+                <a:ea typeface="Open Sans" panose="020B0604020202020204" charset="0"/>
+                <a:cs typeface="Open Sans" panose="020B0604020202020204" charset="0"/>
+              </a:rPr>
+              <a:t>(speed)} and the 	maximum speed is 275 km/h`);</a:t>
+            </a:r>
+          </a:p>
+          <a:p>
+            <a:r>
+              <a:rPr lang="en-US" dirty="0">
+                <a:latin typeface="Open Sans" panose="020B0604020202020204" charset="0"/>
+                <a:ea typeface="Open Sans" panose="020B0604020202020204" charset="0"/>
+                <a:cs typeface="Open Sans" panose="020B0604020202020204" charset="0"/>
+              </a:rPr>
+              <a:t>  }</a:t>
+            </a:r>
+          </a:p>
+          <a:p>
+            <a:r>
+              <a:rPr lang="en-US" dirty="0">
+                <a:latin typeface="Open Sans" panose="020B0604020202020204" charset="0"/>
+                <a:ea typeface="Open Sans" panose="020B0604020202020204" charset="0"/>
+                <a:cs typeface="Open Sans" panose="020B0604020202020204" charset="0"/>
+              </a:rPr>
+              <a:t>}</a:t>
+            </a:r>
+          </a:p>
+          <a:p>
             <a:endParaRPr lang="ru-RU" dirty="0"/>
           </a:p>
         </p:txBody>
@@ -13532,7 +13418,7 @@
           <p:cNvPr id="4" name="Текст 3">
             <a:extLst>
               <a:ext uri="{FF2B5EF4-FFF2-40B4-BE49-F238E27FC236}">
-                <a16:creationId xmlns:a16="http://schemas.microsoft.com/office/drawing/2014/main" id="{6E9A09A2-C3FD-43F0-BD44-7A09C191AF86}"/>
+                <a16:creationId xmlns:a16="http://schemas.microsoft.com/office/drawing/2014/main" id="{AE7FE168-A059-4CF0-AA1A-A9BC9277AE53}"/>
               </a:ext>
             </a:extLst>
           </p:cNvPr>
@@ -13543,68 +13429,161 @@
             <p:ph type="body" sz="quarter" idx="11"/>
           </p:nvPr>
         </p:nvSpPr>
-        <p:spPr>
-          <a:xfrm>
-            <a:off x="6330696" y="1775791"/>
-            <a:ext cx="5175504" cy="3710609"/>
-          </a:xfrm>
-        </p:spPr>
+        <p:spPr/>
         <p:txBody>
           <a:bodyPr/>
           <a:lstStyle/>
           <a:p>
             <a:r>
-              <a:rPr lang="en-US" dirty="0" err="1"/>
-              <a:t>Person.speak</a:t>
-            </a:r>
-            <a:r>
-              <a:rPr lang="en-US" dirty="0"/>
-              <a:t>(); </a:t>
-            </a:r>
-            <a:r>
               <a:rPr lang="en-US" dirty="0">
                 <a:solidFill>
-                  <a:srgbClr val="00B050"/>
+                  <a:srgbClr val="0070C0"/>
                 </a:solidFill>
-              </a:rPr>
-              <a:t>// I am alive!</a:t>
-            </a:r>
-          </a:p>
-          <a:p>
-            <a:r>
-              <a:rPr lang="en-US" dirty="0"/>
-              <a:t>var john = new Person();</a:t>
-            </a:r>
-          </a:p>
-          <a:p>
-            <a:r>
-              <a:rPr lang="en-US" dirty="0" err="1"/>
-              <a:t>john.speak</a:t>
-            </a:r>
-            <a:r>
-              <a:rPr lang="en-US" dirty="0"/>
-              <a:t>(); </a:t>
+                <a:latin typeface="Open Sans" panose="020B0604020202020204" charset="0"/>
+                <a:ea typeface="Open Sans" panose="020B0604020202020204" charset="0"/>
+                <a:cs typeface="Open Sans" panose="020B0604020202020204" charset="0"/>
+              </a:rPr>
+              <a:t>class</a:t>
+            </a:r>
+            <a:r>
+              <a:rPr lang="en-US" dirty="0">
+                <a:latin typeface="Open Sans" panose="020B0604020202020204" charset="0"/>
+                <a:ea typeface="Open Sans" panose="020B0604020202020204" charset="0"/>
+                <a:cs typeface="Open Sans" panose="020B0604020202020204" charset="0"/>
+              </a:rPr>
+              <a:t> </a:t>
+            </a:r>
+            <a:r>
+              <a:rPr lang="en-US" dirty="0" err="1">
+                <a:latin typeface="Open Sans" panose="020B0604020202020204" charset="0"/>
+                <a:ea typeface="Open Sans" panose="020B0604020202020204" charset="0"/>
+                <a:cs typeface="Open Sans" panose="020B0604020202020204" charset="0"/>
+              </a:rPr>
+              <a:t>Vovlo</a:t>
+            </a:r>
+            <a:r>
+              <a:rPr lang="en-US" dirty="0">
+                <a:latin typeface="Open Sans" panose="020B0604020202020204" charset="0"/>
+                <a:ea typeface="Open Sans" panose="020B0604020202020204" charset="0"/>
+                <a:cs typeface="Open Sans" panose="020B0604020202020204" charset="0"/>
+              </a:rPr>
+              <a:t> </a:t>
             </a:r>
             <a:r>
               <a:rPr lang="en-US" dirty="0">
                 <a:solidFill>
-                  <a:srgbClr val="C00000"/>
+                  <a:srgbClr val="0070C0"/>
                 </a:solidFill>
-              </a:rPr>
-              <a:t>// Error</a:t>
-            </a:r>
-            <a:endParaRPr lang="ru-RU" dirty="0">
-              <a:solidFill>
-                <a:srgbClr val="C00000"/>
-              </a:solidFill>
-            </a:endParaRPr>
+                <a:latin typeface="Open Sans" panose="020B0604020202020204" charset="0"/>
+                <a:ea typeface="Open Sans" panose="020B0604020202020204" charset="0"/>
+                <a:cs typeface="Open Sans" panose="020B0604020202020204" charset="0"/>
+              </a:rPr>
+              <a:t>extends</a:t>
+            </a:r>
+            <a:r>
+              <a:rPr lang="en-US" dirty="0">
+                <a:latin typeface="Open Sans" panose="020B0604020202020204" charset="0"/>
+                <a:ea typeface="Open Sans" panose="020B0604020202020204" charset="0"/>
+                <a:cs typeface="Open Sans" panose="020B0604020202020204" charset="0"/>
+              </a:rPr>
+              <a:t> Car {</a:t>
+            </a:r>
+          </a:p>
+          <a:p>
+            <a:r>
+              <a:rPr lang="en-US" dirty="0">
+                <a:latin typeface="Open Sans" panose="020B0604020202020204" charset="0"/>
+                <a:ea typeface="Open Sans" panose="020B0604020202020204" charset="0"/>
+                <a:cs typeface="Open Sans" panose="020B0604020202020204" charset="0"/>
+              </a:rPr>
+              <a:t>  constructor() {</a:t>
+            </a:r>
+          </a:p>
+          <a:p>
+            <a:r>
+              <a:rPr lang="en-US" dirty="0">
+                <a:latin typeface="Open Sans" panose="020B0604020202020204" charset="0"/>
+                <a:ea typeface="Open Sans" panose="020B0604020202020204" charset="0"/>
+                <a:cs typeface="Open Sans" panose="020B0604020202020204" charset="0"/>
+              </a:rPr>
+              <a:t>    super(...arguments);</a:t>
+            </a:r>
+          </a:p>
+          <a:p>
+            <a:r>
+              <a:rPr lang="en-US" dirty="0">
+                <a:latin typeface="Open Sans" panose="020B0604020202020204" charset="0"/>
+                <a:ea typeface="Open Sans" panose="020B0604020202020204" charset="0"/>
+                <a:cs typeface="Open Sans" panose="020B0604020202020204" charset="0"/>
+              </a:rPr>
+              <a:t>  }</a:t>
+            </a:r>
+          </a:p>
+          <a:p>
+            <a:r>
+              <a:rPr lang="en-US" dirty="0">
+                <a:latin typeface="Open Sans" panose="020B0604020202020204" charset="0"/>
+                <a:ea typeface="Open Sans" panose="020B0604020202020204" charset="0"/>
+                <a:cs typeface="Open Sans" panose="020B0604020202020204" charset="0"/>
+              </a:rPr>
+              <a:t>  run(speed) {</a:t>
+            </a:r>
+          </a:p>
+          <a:p>
+            <a:r>
+              <a:rPr lang="en-US" dirty="0">
+                <a:latin typeface="Open Sans" panose="020B0604020202020204" charset="0"/>
+                <a:ea typeface="Open Sans" panose="020B0604020202020204" charset="0"/>
+                <a:cs typeface="Open Sans" panose="020B0604020202020204" charset="0"/>
+              </a:rPr>
+              <a:t>    alert(`${</a:t>
+            </a:r>
+            <a:r>
+              <a:rPr lang="en-US" dirty="0" err="1">
+                <a:latin typeface="Open Sans" panose="020B0604020202020204" charset="0"/>
+                <a:ea typeface="Open Sans" panose="020B0604020202020204" charset="0"/>
+                <a:cs typeface="Open Sans" panose="020B0604020202020204" charset="0"/>
+              </a:rPr>
+              <a:t>super.run</a:t>
+            </a:r>
+            <a:r>
+              <a:rPr lang="en-US" dirty="0">
+                <a:latin typeface="Open Sans" panose="020B0604020202020204" charset="0"/>
+                <a:ea typeface="Open Sans" panose="020B0604020202020204" charset="0"/>
+                <a:cs typeface="Open Sans" panose="020B0604020202020204" charset="0"/>
+              </a:rPr>
+              <a:t>(speed)} and the 	maximum speed is 275 km/h`);</a:t>
+            </a:r>
+          </a:p>
+          <a:p>
+            <a:r>
+              <a:rPr lang="en-US" dirty="0">
+                <a:latin typeface="Open Sans" panose="020B0604020202020204" charset="0"/>
+                <a:ea typeface="Open Sans" panose="020B0604020202020204" charset="0"/>
+                <a:cs typeface="Open Sans" panose="020B0604020202020204" charset="0"/>
+              </a:rPr>
+              <a:t>  }</a:t>
+            </a:r>
+          </a:p>
+          <a:p>
+            <a:r>
+              <a:rPr lang="en-US" dirty="0">
+                <a:latin typeface="Open Sans" panose="020B0604020202020204" charset="0"/>
+                <a:ea typeface="Open Sans" panose="020B0604020202020204" charset="0"/>
+                <a:cs typeface="Open Sans" panose="020B0604020202020204" charset="0"/>
+              </a:rPr>
+              <a:t>}</a:t>
+            </a:r>
+          </a:p>
+          <a:p>
+            <a:endParaRPr lang="ru-RU" dirty="0"/>
           </a:p>
         </p:txBody>
       </p:sp>
     </p:spTree>
     <p:extLst>
       <p:ext uri="{BB962C8B-B14F-4D97-AF65-F5344CB8AC3E}">
-        <p14:creationId xmlns:p14="http://schemas.microsoft.com/office/powerpoint/2010/main" val="3702929659"/>
+        <p14:creationId xmlns:p14="http://schemas.microsoft.com/office/powerpoint/2010/main" val="1275083791"/>
       </p:ext>
     </p:extLst>
   </p:cSld>
@@ -13636,7 +13615,7 @@
           <p:cNvPr id="2" name="Заголовок 1">
             <a:extLst>
               <a:ext uri="{FF2B5EF4-FFF2-40B4-BE49-F238E27FC236}">
-                <a16:creationId xmlns:a16="http://schemas.microsoft.com/office/drawing/2014/main" id="{94C95583-C0BD-42E9-9965-6DEA04B7C933}"/>
+                <a16:creationId xmlns:a16="http://schemas.microsoft.com/office/drawing/2014/main" id="{9F970CAB-6F12-4CF3-8C6A-5E3CD003B54A}"/>
               </a:ext>
             </a:extLst>
           </p:cNvPr>
@@ -13647,19 +13626,14 @@
             <p:ph type="title"/>
           </p:nvPr>
         </p:nvSpPr>
-        <p:spPr>
-          <a:xfrm>
-            <a:off x="685800" y="685801"/>
-            <a:ext cx="10820400" cy="69573"/>
-          </a:xfrm>
-        </p:spPr>
+        <p:spPr/>
         <p:txBody>
           <a:bodyPr/>
           <a:lstStyle/>
           <a:p>
             <a:r>
               <a:rPr lang="en-US" dirty="0"/>
-              <a:t> </a:t>
+              <a:t>static</a:t>
             </a:r>
             <a:endParaRPr lang="ru-RU" dirty="0"/>
           </a:p>
@@ -13670,7 +13644,7 @@
           <p:cNvPr id="3" name="Текст 2">
             <a:extLst>
               <a:ext uri="{FF2B5EF4-FFF2-40B4-BE49-F238E27FC236}">
-                <a16:creationId xmlns:a16="http://schemas.microsoft.com/office/drawing/2014/main" id="{F82C57C0-A090-4562-A212-94492A826C5D}"/>
+                <a16:creationId xmlns:a16="http://schemas.microsoft.com/office/drawing/2014/main" id="{97EB0FF4-0020-48E0-B51E-E84DAECA82EB}"/>
               </a:ext>
             </a:extLst>
           </p:cNvPr>
@@ -13683,8 +13657,8 @@
         </p:nvSpPr>
         <p:spPr>
           <a:xfrm>
-            <a:off x="685800" y="755374"/>
-            <a:ext cx="5174998" cy="4731026"/>
+            <a:off x="685800" y="1775791"/>
+            <a:ext cx="5174998" cy="3710609"/>
           </a:xfrm>
         </p:spPr>
         <p:txBody>
@@ -13692,113 +13666,96 @@
           <a:lstStyle/>
           <a:p>
             <a:r>
+              <a:rPr lang="ru-RU" dirty="0">
+                <a:solidFill>
+                  <a:srgbClr val="00B050"/>
+                </a:solidFill>
+              </a:rPr>
+              <a:t>// </a:t>
+            </a:r>
+            <a:r>
               <a:rPr lang="en-US" dirty="0">
                 <a:solidFill>
-                  <a:srgbClr val="00B0F0"/>
+                  <a:srgbClr val="00B050"/>
                 </a:solidFill>
               </a:rPr>
-              <a:t>class</a:t>
-            </a:r>
-            <a:r>
-              <a:rPr lang="en-US" dirty="0"/>
-              <a:t> Person {</a:t>
-            </a:r>
-          </a:p>
-          <a:p>
-            <a:r>
-              <a:rPr lang="en-US" dirty="0"/>
-              <a:t>  </a:t>
-            </a:r>
+              <a:t>constructor</a:t>
+            </a:r>
+            <a:endParaRPr lang="ru-RU" dirty="0">
+              <a:solidFill>
+                <a:srgbClr val="00B050"/>
+              </a:solidFill>
+            </a:endParaRPr>
+          </a:p>
+          <a:p>
+            <a:r>
+              <a:rPr lang="en-US" dirty="0"/>
+              <a:t>var Person = function() {};</a:t>
+            </a:r>
+          </a:p>
+          <a:p>
+            <a:endParaRPr lang="en-US" dirty="0"/>
+          </a:p>
+          <a:p>
             <a:r>
               <a:rPr lang="en-US" dirty="0">
                 <a:solidFill>
-                  <a:srgbClr val="00B0F0"/>
+                  <a:srgbClr val="00B050"/>
                 </a:solidFill>
               </a:rPr>
-              <a:t>static</a:t>
-            </a:r>
-            <a:r>
-              <a:rPr lang="en-US" dirty="0"/>
-              <a:t> </a:t>
-            </a:r>
+              <a:t>// value</a:t>
+            </a:r>
+            <a:endParaRPr lang="ru-RU" dirty="0">
+              <a:solidFill>
+                <a:srgbClr val="00B050"/>
+              </a:solidFill>
+            </a:endParaRPr>
+          </a:p>
+          <a:p>
             <a:r>
               <a:rPr lang="en-US" dirty="0" err="1"/>
-              <a:t>sos</a:t>
-            </a:r>
-            <a:r>
-              <a:rPr lang="en-US" dirty="0"/>
-              <a:t>() {</a:t>
-            </a:r>
-          </a:p>
-          <a:p>
-            <a:r>
-              <a:rPr lang="en-US" dirty="0"/>
-              <a:t>    console.log('I really need help!');</a:t>
-            </a:r>
-          </a:p>
-          <a:p>
-            <a:r>
-              <a:rPr lang="en-US" dirty="0"/>
-              <a:t>  }</a:t>
-            </a:r>
-          </a:p>
-          <a:p>
-            <a:r>
-              <a:rPr lang="en-US" dirty="0"/>
-              <a:t>}</a:t>
-            </a:r>
-          </a:p>
-          <a:p>
-            <a:endParaRPr lang="en-US" dirty="0"/>
+              <a:t>Person.hello</a:t>
+            </a:r>
+            <a:r>
+              <a:rPr lang="en-US" dirty="0"/>
+              <a:t> = 'World';</a:t>
+            </a:r>
           </a:p>
           <a:p>
             <a:r>
               <a:rPr lang="en-US" dirty="0">
                 <a:solidFill>
-                  <a:srgbClr val="00B0F0"/>
+                  <a:srgbClr val="00B050"/>
                 </a:solidFill>
               </a:rPr>
-              <a:t>class</a:t>
-            </a:r>
-            <a:r>
-              <a:rPr lang="en-US" dirty="0"/>
-              <a:t> Artist </a:t>
-            </a:r>
-            <a:r>
-              <a:rPr lang="en-US" dirty="0">
-                <a:solidFill>
-                  <a:srgbClr val="00B0F0"/>
-                </a:solidFill>
-              </a:rPr>
-              <a:t>extends</a:t>
-            </a:r>
-            <a:r>
-              <a:rPr lang="en-US" dirty="0"/>
-              <a:t> Person {</a:t>
-            </a:r>
-          </a:p>
-          <a:p>
-            <a:r>
-              <a:rPr lang="en-US" dirty="0"/>
-              <a:t>  draw(art) {</a:t>
-            </a:r>
-          </a:p>
-          <a:p>
-            <a:r>
-              <a:rPr lang="en-US" dirty="0"/>
-              <a:t>    console.log(`Artist has just drawn 			${art}`);</a:t>
-            </a:r>
-          </a:p>
-          <a:p>
-            <a:r>
-              <a:rPr lang="en-US" dirty="0"/>
-              <a:t>  }</a:t>
-            </a:r>
-          </a:p>
-          <a:p>
-            <a:r>
-              <a:rPr lang="en-US" dirty="0"/>
-              <a:t>}</a:t>
+              <a:t>// function</a:t>
+            </a:r>
+            <a:endParaRPr lang="ru-RU" dirty="0">
+              <a:solidFill>
+                <a:srgbClr val="00B050"/>
+              </a:solidFill>
+            </a:endParaRPr>
+          </a:p>
+          <a:p>
+            <a:r>
+              <a:rPr lang="en-US" dirty="0" err="1"/>
+              <a:t>Person.speak</a:t>
+            </a:r>
+            <a:r>
+              <a:rPr lang="en-US" dirty="0"/>
+              <a:t> = function() {</a:t>
+            </a:r>
+          </a:p>
+          <a:p>
+            <a:r>
+              <a:rPr lang="en-US" dirty="0"/>
+              <a:t>  console.log('I am alive!');</a:t>
+            </a:r>
+          </a:p>
+          <a:p>
+            <a:r>
+              <a:rPr lang="en-US" dirty="0"/>
+              <a:t>};</a:t>
             </a:r>
             <a:endParaRPr lang="ru-RU" dirty="0"/>
           </a:p>
@@ -13809,7 +13766,7 @@
           <p:cNvPr id="4" name="Текст 3">
             <a:extLst>
               <a:ext uri="{FF2B5EF4-FFF2-40B4-BE49-F238E27FC236}">
-                <a16:creationId xmlns:a16="http://schemas.microsoft.com/office/drawing/2014/main" id="{FB4A1285-818A-4418-A5EF-2C06647FCD7F}"/>
+                <a16:creationId xmlns:a16="http://schemas.microsoft.com/office/drawing/2014/main" id="{6E9A09A2-C3FD-43F0-BD44-7A09C191AF86}"/>
               </a:ext>
             </a:extLst>
           </p:cNvPr>
@@ -13822,8 +13779,8 @@
         </p:nvSpPr>
         <p:spPr>
           <a:xfrm>
-            <a:off x="6330696" y="755374"/>
-            <a:ext cx="5175504" cy="4731026"/>
+            <a:off x="6330696" y="1775791"/>
+            <a:ext cx="5175504" cy="3710609"/>
           </a:xfrm>
         </p:spPr>
         <p:txBody>
@@ -13831,22 +13788,8 @@
           <a:lstStyle/>
           <a:p>
             <a:r>
-              <a:rPr lang="en-US" dirty="0">
-                <a:solidFill>
-                  <a:srgbClr val="00B0F0"/>
-                </a:solidFill>
-              </a:rPr>
-              <a:t>const</a:t>
-            </a:r>
-            <a:r>
-              <a:rPr lang="en-US" dirty="0"/>
-              <a:t> artist = new Artist();</a:t>
-            </a:r>
-          </a:p>
-          <a:p>
-            <a:r>
               <a:rPr lang="en-US" dirty="0" err="1"/>
-              <a:t>Person.sos</a:t>
+              <a:t>Person.speak</a:t>
             </a:r>
             <a:r>
               <a:rPr lang="en-US" dirty="0"/>
@@ -13858,31 +13801,19 @@
                   <a:srgbClr val="00B050"/>
                 </a:solidFill>
               </a:rPr>
-              <a:t>// I really need help!</a:t>
+              <a:t>// I am alive!</a:t>
+            </a:r>
+          </a:p>
+          <a:p>
+            <a:r>
+              <a:rPr lang="en-US" dirty="0"/>
+              <a:t>var john = new Person();</a:t>
             </a:r>
           </a:p>
           <a:p>
             <a:r>
               <a:rPr lang="en-US" dirty="0" err="1"/>
-              <a:t>Artist.sos</a:t>
-            </a:r>
-            <a:r>
-              <a:rPr lang="en-US" dirty="0"/>
-              <a:t>(); </a:t>
-            </a:r>
-            <a:r>
-              <a:rPr lang="en-US" dirty="0">
-                <a:solidFill>
-                  <a:srgbClr val="00B050"/>
-                </a:solidFill>
-              </a:rPr>
-              <a:t>// I really need help!</a:t>
-            </a:r>
-          </a:p>
-          <a:p>
-            <a:r>
-              <a:rPr lang="en-US" dirty="0" err="1"/>
-              <a:t>artist.sos</a:t>
+              <a:t>john.speak</a:t>
             </a:r>
             <a:r>
               <a:rPr lang="en-US" dirty="0"/>
@@ -13894,23 +13825,7 @@
                   <a:srgbClr val="C00000"/>
                 </a:solidFill>
               </a:rPr>
-              <a:t>// </a:t>
-            </a:r>
-            <a:r>
-              <a:rPr lang="en-US" dirty="0" err="1">
-                <a:solidFill>
-                  <a:srgbClr val="C00000"/>
-                </a:solidFill>
-              </a:rPr>
-              <a:t>artist.sos</a:t>
-            </a:r>
-            <a:r>
-              <a:rPr lang="en-US" dirty="0">
-                <a:solidFill>
-                  <a:srgbClr val="C00000"/>
-                </a:solidFill>
-              </a:rPr>
-              <a:t> is not a function</a:t>
+              <a:t>// Error</a:t>
             </a:r>
             <a:endParaRPr lang="ru-RU" dirty="0">
               <a:solidFill>
@@ -13923,7 +13838,7 @@
     </p:spTree>
     <p:extLst>
       <p:ext uri="{BB962C8B-B14F-4D97-AF65-F5344CB8AC3E}">
-        <p14:creationId xmlns:p14="http://schemas.microsoft.com/office/powerpoint/2010/main" val="2431681135"/>
+        <p14:creationId xmlns:p14="http://schemas.microsoft.com/office/powerpoint/2010/main" val="3702929659"/>
       </p:ext>
     </p:extLst>
   </p:cSld>
@@ -13955,7 +13870,7 @@
           <p:cNvPr id="2" name="Заголовок 1">
             <a:extLst>
               <a:ext uri="{FF2B5EF4-FFF2-40B4-BE49-F238E27FC236}">
-                <a16:creationId xmlns:a16="http://schemas.microsoft.com/office/drawing/2014/main" id="{218F7C94-0E3C-4444-997E-237079D89968}"/>
+                <a16:creationId xmlns:a16="http://schemas.microsoft.com/office/drawing/2014/main" id="{94C95583-C0BD-42E9-9965-6DEA04B7C933}"/>
               </a:ext>
             </a:extLst>
           </p:cNvPr>
@@ -13966,18 +13881,20 @@
             <p:ph type="title"/>
           </p:nvPr>
         </p:nvSpPr>
-        <p:spPr/>
+        <p:spPr>
+          <a:xfrm>
+            <a:off x="685800" y="685801"/>
+            <a:ext cx="10820400" cy="69573"/>
+          </a:xfrm>
+        </p:spPr>
         <p:txBody>
           <a:bodyPr/>
           <a:lstStyle/>
           <a:p>
             <a:r>
-              <a:rPr lang="en-US" b="1" dirty="0"/>
-              <a:t>Private and protected properties</a:t>
-            </a:r>
-            <a:br>
-              <a:rPr lang="en-US" b="1" dirty="0"/>
-            </a:br>
+              <a:rPr lang="en-US" dirty="0"/>
+              <a:t> </a:t>
+            </a:r>
             <a:endParaRPr lang="ru-RU" dirty="0"/>
           </a:p>
         </p:txBody>
@@ -13987,7 +13904,7 @@
           <p:cNvPr id="3" name="Текст 2">
             <a:extLst>
               <a:ext uri="{FF2B5EF4-FFF2-40B4-BE49-F238E27FC236}">
-                <a16:creationId xmlns:a16="http://schemas.microsoft.com/office/drawing/2014/main" id="{41ABC5BD-7470-4759-84BD-579295845ABA}"/>
+                <a16:creationId xmlns:a16="http://schemas.microsoft.com/office/drawing/2014/main" id="{F82C57C0-A090-4562-A212-94492A826C5D}"/>
               </a:ext>
             </a:extLst>
           </p:cNvPr>
@@ -13998,14 +13915,71 @@
             <p:ph type="body" sz="quarter" idx="10"/>
           </p:nvPr>
         </p:nvSpPr>
-        <p:spPr/>
+        <p:spPr>
+          <a:xfrm>
+            <a:off x="685800" y="755374"/>
+            <a:ext cx="5174998" cy="4731026"/>
+          </a:xfrm>
+        </p:spPr>
         <p:txBody>
           <a:bodyPr/>
           <a:lstStyle/>
           <a:p>
             <a:r>
-              <a:rPr lang="en-US" dirty="0"/>
-              <a:t>One of the most important principles of object oriented programming – delimiting internal interface from the external one.</a:t>
+              <a:rPr lang="en-US" dirty="0">
+                <a:solidFill>
+                  <a:srgbClr val="00B0F0"/>
+                </a:solidFill>
+              </a:rPr>
+              <a:t>class</a:t>
+            </a:r>
+            <a:r>
+              <a:rPr lang="en-US" dirty="0"/>
+              <a:t> Person {</a:t>
+            </a:r>
+          </a:p>
+          <a:p>
+            <a:r>
+              <a:rPr lang="en-US" dirty="0"/>
+              <a:t>  </a:t>
+            </a:r>
+            <a:r>
+              <a:rPr lang="en-US" dirty="0">
+                <a:solidFill>
+                  <a:srgbClr val="00B0F0"/>
+                </a:solidFill>
+              </a:rPr>
+              <a:t>static</a:t>
+            </a:r>
+            <a:r>
+              <a:rPr lang="en-US" dirty="0"/>
+              <a:t> </a:t>
+            </a:r>
+            <a:r>
+              <a:rPr lang="en-US" dirty="0" err="1"/>
+              <a:t>sos</a:t>
+            </a:r>
+            <a:r>
+              <a:rPr lang="en-US" dirty="0"/>
+              <a:t>() {</a:t>
+            </a:r>
+          </a:p>
+          <a:p>
+            <a:r>
+              <a:rPr lang="en-US" dirty="0"/>
+              <a:t>    console.log('I really need help!');</a:t>
+            </a:r>
+          </a:p>
+          <a:p>
+            <a:r>
+              <a:rPr lang="en-US" dirty="0"/>
+              <a:t>  }</a:t>
+            </a:r>
+          </a:p>
+          <a:p>
+            <a:r>
+              <a:rPr lang="en-US" dirty="0"/>
+              <a:t>}</a:t>
             </a:r>
           </a:p>
           <a:p>
@@ -14013,53 +13987,177 @@
           </a:p>
           <a:p>
             <a:r>
-              <a:rPr lang="en-US" dirty="0"/>
-              <a:t>In object-oriented programming, properties and methods are split into two groups:</a:t>
-            </a:r>
-          </a:p>
-          <a:p>
-            <a:pPr marL="457200" indent="-457200">
-              <a:buFont typeface="+mj-lt"/>
-              <a:buAutoNum type="arabicPeriod"/>
-            </a:pPr>
-            <a:r>
-              <a:rPr lang="en-US" i="1" dirty="0"/>
-              <a:t>Internal interface</a:t>
-            </a:r>
-            <a:r>
-              <a:rPr lang="en-US" dirty="0"/>
-              <a:t> – methods and properties, accessible from other methods of the class, but not from the outside.</a:t>
-            </a:r>
-          </a:p>
-          <a:p>
-            <a:pPr marL="457200" indent="-457200">
-              <a:buFont typeface="+mj-lt"/>
-              <a:buAutoNum type="arabicPeriod"/>
-            </a:pPr>
-            <a:r>
-              <a:rPr lang="en-US" i="1" dirty="0"/>
-              <a:t>External interface</a:t>
-            </a:r>
-            <a:r>
-              <a:rPr lang="en-US" dirty="0"/>
-              <a:t> – methods and properties, accessible also from outside the class.</a:t>
-            </a:r>
-          </a:p>
-          <a:p>
-            <a:endParaRPr lang="en-US" dirty="0"/>
-          </a:p>
-          <a:p>
-            <a:br>
-              <a:rPr lang="en-US" dirty="0"/>
-            </a:br>
+              <a:rPr lang="en-US" dirty="0">
+                <a:solidFill>
+                  <a:srgbClr val="00B0F0"/>
+                </a:solidFill>
+              </a:rPr>
+              <a:t>class</a:t>
+            </a:r>
+            <a:r>
+              <a:rPr lang="en-US" dirty="0"/>
+              <a:t> Artist </a:t>
+            </a:r>
+            <a:r>
+              <a:rPr lang="en-US" dirty="0">
+                <a:solidFill>
+                  <a:srgbClr val="00B0F0"/>
+                </a:solidFill>
+              </a:rPr>
+              <a:t>extends</a:t>
+            </a:r>
+            <a:r>
+              <a:rPr lang="en-US" dirty="0"/>
+              <a:t> Person {</a:t>
+            </a:r>
+          </a:p>
+          <a:p>
+            <a:r>
+              <a:rPr lang="en-US" dirty="0"/>
+              <a:t>  draw(art) {</a:t>
+            </a:r>
+          </a:p>
+          <a:p>
+            <a:r>
+              <a:rPr lang="en-US" dirty="0"/>
+              <a:t>    console.log(`Artist has just drawn 			${art}`);</a:t>
+            </a:r>
+          </a:p>
+          <a:p>
+            <a:r>
+              <a:rPr lang="en-US" dirty="0"/>
+              <a:t>  }</a:t>
+            </a:r>
+          </a:p>
+          <a:p>
+            <a:r>
+              <a:rPr lang="en-US" dirty="0"/>
+              <a:t>}</a:t>
+            </a:r>
             <a:endParaRPr lang="ru-RU" dirty="0"/>
+          </a:p>
+        </p:txBody>
+      </p:sp>
+      <p:sp>
+        <p:nvSpPr>
+          <p:cNvPr id="4" name="Текст 3">
+            <a:extLst>
+              <a:ext uri="{FF2B5EF4-FFF2-40B4-BE49-F238E27FC236}">
+                <a16:creationId xmlns:a16="http://schemas.microsoft.com/office/drawing/2014/main" id="{FB4A1285-818A-4418-A5EF-2C06647FCD7F}"/>
+              </a:ext>
+            </a:extLst>
+          </p:cNvPr>
+          <p:cNvSpPr>
+            <a:spLocks noGrp="1"/>
+          </p:cNvSpPr>
+          <p:nvPr>
+            <p:ph type="body" sz="quarter" idx="11"/>
+          </p:nvPr>
+        </p:nvSpPr>
+        <p:spPr>
+          <a:xfrm>
+            <a:off x="6330696" y="755374"/>
+            <a:ext cx="5175504" cy="4731026"/>
+          </a:xfrm>
+        </p:spPr>
+        <p:txBody>
+          <a:bodyPr/>
+          <a:lstStyle/>
+          <a:p>
+            <a:r>
+              <a:rPr lang="en-US" dirty="0">
+                <a:solidFill>
+                  <a:srgbClr val="00B0F0"/>
+                </a:solidFill>
+              </a:rPr>
+              <a:t>const</a:t>
+            </a:r>
+            <a:r>
+              <a:rPr lang="en-US" dirty="0"/>
+              <a:t> artist = new Artist();</a:t>
+            </a:r>
+          </a:p>
+          <a:p>
+            <a:r>
+              <a:rPr lang="en-US" dirty="0" err="1"/>
+              <a:t>Person.sos</a:t>
+            </a:r>
+            <a:r>
+              <a:rPr lang="en-US" dirty="0"/>
+              <a:t>(); </a:t>
+            </a:r>
+            <a:r>
+              <a:rPr lang="en-US" dirty="0">
+                <a:solidFill>
+                  <a:srgbClr val="00B050"/>
+                </a:solidFill>
+              </a:rPr>
+              <a:t>// I really need help!</a:t>
+            </a:r>
+          </a:p>
+          <a:p>
+            <a:r>
+              <a:rPr lang="en-US" dirty="0" err="1"/>
+              <a:t>Artist.sos</a:t>
+            </a:r>
+            <a:r>
+              <a:rPr lang="en-US" dirty="0"/>
+              <a:t>(); </a:t>
+            </a:r>
+            <a:r>
+              <a:rPr lang="en-US" dirty="0">
+                <a:solidFill>
+                  <a:srgbClr val="00B050"/>
+                </a:solidFill>
+              </a:rPr>
+              <a:t>// I really need help!</a:t>
+            </a:r>
+          </a:p>
+          <a:p>
+            <a:r>
+              <a:rPr lang="en-US" dirty="0" err="1"/>
+              <a:t>artist.sos</a:t>
+            </a:r>
+            <a:r>
+              <a:rPr lang="en-US" dirty="0"/>
+              <a:t>(); </a:t>
+            </a:r>
+            <a:r>
+              <a:rPr lang="en-US" dirty="0">
+                <a:solidFill>
+                  <a:srgbClr val="C00000"/>
+                </a:solidFill>
+              </a:rPr>
+              <a:t>// </a:t>
+            </a:r>
+            <a:r>
+              <a:rPr lang="en-US" dirty="0" err="1">
+                <a:solidFill>
+                  <a:srgbClr val="C00000"/>
+                </a:solidFill>
+              </a:rPr>
+              <a:t>artist.sos</a:t>
+            </a:r>
+            <a:r>
+              <a:rPr lang="en-US" dirty="0">
+                <a:solidFill>
+                  <a:srgbClr val="C00000"/>
+                </a:solidFill>
+              </a:rPr>
+              <a:t> is not a function</a:t>
+            </a:r>
+            <a:endParaRPr lang="ru-RU" dirty="0">
+              <a:solidFill>
+                <a:srgbClr val="C00000"/>
+              </a:solidFill>
+            </a:endParaRPr>
           </a:p>
         </p:txBody>
       </p:sp>
     </p:spTree>
     <p:extLst>
       <p:ext uri="{BB962C8B-B14F-4D97-AF65-F5344CB8AC3E}">
-        <p14:creationId xmlns:p14="http://schemas.microsoft.com/office/powerpoint/2010/main" val="752138198"/>
+        <p14:creationId xmlns:p14="http://schemas.microsoft.com/office/powerpoint/2010/main" val="2431681135"/>
       </p:ext>
     </p:extLst>
   </p:cSld>
@@ -14091,7 +14189,7 @@
           <p:cNvPr id="2" name="Заголовок 1">
             <a:extLst>
               <a:ext uri="{FF2B5EF4-FFF2-40B4-BE49-F238E27FC236}">
-                <a16:creationId xmlns:a16="http://schemas.microsoft.com/office/drawing/2014/main" id="{5356677D-77CA-4D6C-9574-C1CC10A92C37}"/>
+                <a16:creationId xmlns:a16="http://schemas.microsoft.com/office/drawing/2014/main" id="{218F7C94-0E3C-4444-997E-237079D89968}"/>
               </a:ext>
             </a:extLst>
           </p:cNvPr>
@@ -14102,20 +14200,18 @@
             <p:ph type="title"/>
           </p:nvPr>
         </p:nvSpPr>
-        <p:spPr>
-          <a:xfrm flipV="1">
-            <a:off x="685800" y="640082"/>
-            <a:ext cx="10820400" cy="45719"/>
-          </a:xfrm>
-        </p:spPr>
+        <p:spPr/>
         <p:txBody>
           <a:bodyPr/>
           <a:lstStyle/>
           <a:p>
             <a:r>
-              <a:rPr lang="en-US" dirty="0"/>
-              <a:t> </a:t>
-            </a:r>
+              <a:rPr lang="en-US" b="1" dirty="0"/>
+              <a:t>Private and protected properties</a:t>
+            </a:r>
+            <a:br>
+              <a:rPr lang="en-US" b="1" dirty="0"/>
+            </a:br>
             <a:endParaRPr lang="ru-RU" dirty="0"/>
           </a:p>
         </p:txBody>
@@ -14125,7 +14221,7 @@
           <p:cNvPr id="3" name="Текст 2">
             <a:extLst>
               <a:ext uri="{FF2B5EF4-FFF2-40B4-BE49-F238E27FC236}">
-                <a16:creationId xmlns:a16="http://schemas.microsoft.com/office/drawing/2014/main" id="{45316B69-787C-4FDB-9545-3162F795B8F9}"/>
+                <a16:creationId xmlns:a16="http://schemas.microsoft.com/office/drawing/2014/main" id="{41ABC5BD-7470-4759-84BD-579295845ABA}"/>
               </a:ext>
             </a:extLst>
           </p:cNvPr>
@@ -14136,371 +14232,60 @@
             <p:ph type="body" sz="quarter" idx="10"/>
           </p:nvPr>
         </p:nvSpPr>
-        <p:spPr>
-          <a:xfrm>
-            <a:off x="685800" y="337269"/>
-            <a:ext cx="5174998" cy="5149132"/>
-          </a:xfrm>
-        </p:spPr>
+        <p:spPr/>
         <p:txBody>
           <a:bodyPr/>
           <a:lstStyle/>
           <a:p>
             <a:r>
-              <a:rPr lang="en-US" sz="1800" dirty="0">
-                <a:solidFill>
-                  <a:srgbClr val="0070C0"/>
-                </a:solidFill>
-              </a:rPr>
-              <a:t>class</a:t>
-            </a:r>
-            <a:r>
-              <a:rPr lang="en-US" sz="1800" dirty="0"/>
-              <a:t> Car {</a:t>
-            </a:r>
-            <a:endParaRPr lang="ru-RU" sz="1800" dirty="0"/>
-          </a:p>
-          <a:p>
-            <a:r>
-              <a:rPr lang="en-US" sz="1800" dirty="0"/>
-              <a:t>_</a:t>
-            </a:r>
-            <a:r>
-              <a:rPr lang="en-US" sz="1800" dirty="0" err="1"/>
-              <a:t>maxSpeed</a:t>
-            </a:r>
-            <a:r>
-              <a:rPr lang="en-US" sz="1800" dirty="0"/>
-              <a:t> = 0;  </a:t>
-            </a:r>
-            <a:r>
-              <a:rPr lang="en-US" sz="1800" dirty="0">
-                <a:solidFill>
-                  <a:srgbClr val="00B050"/>
-                </a:solidFill>
-              </a:rPr>
-              <a:t>//protected property</a:t>
-            </a:r>
-            <a:endParaRPr lang="ru-RU" sz="1800" dirty="0">
-              <a:solidFill>
-                <a:srgbClr val="00B050"/>
-              </a:solidFill>
-            </a:endParaRPr>
-          </a:p>
-          <a:p>
-            <a:endParaRPr lang="en-US" sz="1800" dirty="0"/>
-          </a:p>
-          <a:p>
-            <a:r>
-              <a:rPr lang="en-US" sz="1800" dirty="0"/>
-              <a:t>  </a:t>
-            </a:r>
-            <a:r>
-              <a:rPr lang="en-US" sz="1800" dirty="0">
-                <a:solidFill>
-                  <a:srgbClr val="0070C0"/>
-                </a:solidFill>
-              </a:rPr>
-              <a:t>set</a:t>
-            </a:r>
-            <a:r>
-              <a:rPr lang="en-US" sz="1800" dirty="0"/>
-              <a:t> </a:t>
-            </a:r>
-            <a:r>
-              <a:rPr lang="en-US" sz="1800" dirty="0" err="1"/>
-              <a:t>maxSpeed</a:t>
-            </a:r>
-            <a:r>
-              <a:rPr lang="en-US" sz="1800" dirty="0"/>
-              <a:t>(value) {</a:t>
-            </a:r>
-          </a:p>
-          <a:p>
-            <a:r>
-              <a:rPr lang="en-US" sz="1800" dirty="0"/>
-              <a:t>    </a:t>
-            </a:r>
-            <a:r>
-              <a:rPr lang="en-US" sz="1800" dirty="0">
-                <a:solidFill>
-                  <a:srgbClr val="0070C0"/>
-                </a:solidFill>
-              </a:rPr>
-              <a:t>this</a:t>
-            </a:r>
-            <a:r>
-              <a:rPr lang="en-US" sz="1800" dirty="0"/>
-              <a:t>._ </a:t>
-            </a:r>
-            <a:r>
-              <a:rPr lang="en-US" sz="1800" dirty="0" err="1"/>
-              <a:t>maxSpeed</a:t>
-            </a:r>
-            <a:r>
-              <a:rPr lang="en-US" sz="1800" dirty="0"/>
-              <a:t> = value;</a:t>
-            </a:r>
-          </a:p>
-          <a:p>
-            <a:r>
-              <a:rPr lang="en-US" sz="1800" dirty="0"/>
-              <a:t>  }</a:t>
-            </a:r>
-          </a:p>
-          <a:p>
-            <a:r>
-              <a:rPr lang="en-US" sz="1800" dirty="0"/>
-              <a:t>  </a:t>
-            </a:r>
-            <a:r>
-              <a:rPr lang="en-US" sz="1800" dirty="0">
-                <a:solidFill>
-                  <a:srgbClr val="0070C0"/>
-                </a:solidFill>
-              </a:rPr>
-              <a:t>get</a:t>
-            </a:r>
-            <a:r>
-              <a:rPr lang="en-US" sz="1800" dirty="0"/>
-              <a:t> </a:t>
-            </a:r>
-            <a:r>
-              <a:rPr lang="en-US" sz="1800" dirty="0" err="1"/>
-              <a:t>maxSpeed</a:t>
-            </a:r>
-            <a:r>
-              <a:rPr lang="en-US" sz="1800" dirty="0"/>
-              <a:t>() {</a:t>
-            </a:r>
-          </a:p>
-          <a:p>
-            <a:r>
-              <a:rPr lang="en-US" sz="1800" dirty="0"/>
-              <a:t>    return </a:t>
-            </a:r>
-            <a:r>
-              <a:rPr lang="en-US" sz="1800" dirty="0">
-                <a:solidFill>
-                  <a:srgbClr val="0070C0"/>
-                </a:solidFill>
-              </a:rPr>
-              <a:t>this</a:t>
-            </a:r>
-            <a:r>
-              <a:rPr lang="en-US" sz="1800" dirty="0"/>
-              <a:t>._ </a:t>
-            </a:r>
-            <a:r>
-              <a:rPr lang="en-US" sz="1800" dirty="0" err="1"/>
-              <a:t>maxSpeed</a:t>
-            </a:r>
-            <a:r>
-              <a:rPr lang="en-US" sz="1800" dirty="0"/>
-              <a:t>;</a:t>
-            </a:r>
-          </a:p>
-          <a:p>
-            <a:r>
-              <a:rPr lang="en-US" sz="1800" dirty="0"/>
-              <a:t>  }</a:t>
-            </a:r>
-            <a:endParaRPr lang="ru-RU" sz="1800" dirty="0"/>
-          </a:p>
-          <a:p>
-            <a:r>
-              <a:rPr lang="ru-RU" sz="1800" dirty="0"/>
-              <a:t>  </a:t>
-            </a:r>
-            <a:r>
-              <a:rPr lang="en-US" sz="1800" dirty="0"/>
-              <a:t>constructor(power) {</a:t>
-            </a:r>
-          </a:p>
-          <a:p>
-            <a:r>
-              <a:rPr lang="en-US" sz="1800" dirty="0"/>
-              <a:t>    </a:t>
-            </a:r>
-            <a:r>
-              <a:rPr lang="en-US" sz="1800" dirty="0" err="1">
-                <a:solidFill>
-                  <a:srgbClr val="0070C0"/>
-                </a:solidFill>
-              </a:rPr>
-              <a:t>this</a:t>
-            </a:r>
-            <a:r>
-              <a:rPr lang="en-US" sz="1800" dirty="0" err="1"/>
-              <a:t>._power</a:t>
-            </a:r>
-            <a:r>
-              <a:rPr lang="en-US" sz="1800" dirty="0"/>
-              <a:t> = power;</a:t>
-            </a:r>
-          </a:p>
-          <a:p>
-            <a:r>
-              <a:rPr lang="en-US" sz="1800" dirty="0"/>
-              <a:t>  }</a:t>
-            </a:r>
-            <a:endParaRPr lang="ru-RU" sz="1800" dirty="0"/>
-          </a:p>
-          <a:p>
-            <a:r>
-              <a:rPr lang="en-US" sz="1800" dirty="0">
-                <a:solidFill>
-                  <a:srgbClr val="0070C0"/>
-                </a:solidFill>
-              </a:rPr>
-              <a:t>get</a:t>
-            </a:r>
-            <a:r>
-              <a:rPr lang="en-US" sz="1800" dirty="0"/>
-              <a:t> power() {</a:t>
-            </a:r>
-          </a:p>
-          <a:p>
-            <a:r>
-              <a:rPr lang="en-US" sz="1800" dirty="0"/>
-              <a:t>    return </a:t>
-            </a:r>
-            <a:r>
-              <a:rPr lang="en-US" sz="1800" dirty="0" err="1">
-                <a:solidFill>
-                  <a:srgbClr val="0070C0"/>
-                </a:solidFill>
-              </a:rPr>
-              <a:t>this</a:t>
-            </a:r>
-            <a:r>
-              <a:rPr lang="en-US" sz="1800" dirty="0" err="1"/>
-              <a:t>._power</a:t>
-            </a:r>
-            <a:r>
-              <a:rPr lang="en-US" sz="1800" dirty="0"/>
-              <a:t>;</a:t>
-            </a:r>
-          </a:p>
-          <a:p>
-            <a:r>
-              <a:rPr lang="en-US" sz="1800" dirty="0"/>
-              <a:t>  }</a:t>
-            </a:r>
-          </a:p>
-          <a:p>
-            <a:r>
-              <a:rPr lang="en-US" sz="1800" dirty="0"/>
-              <a:t>}</a:t>
-            </a:r>
-            <a:endParaRPr lang="ru-RU" sz="1800" dirty="0"/>
-          </a:p>
-        </p:txBody>
-      </p:sp>
-      <p:sp>
-        <p:nvSpPr>
-          <p:cNvPr id="4" name="Текст 3">
-            <a:extLst>
-              <a:ext uri="{FF2B5EF4-FFF2-40B4-BE49-F238E27FC236}">
-                <a16:creationId xmlns:a16="http://schemas.microsoft.com/office/drawing/2014/main" id="{42118478-57E4-402D-934A-21575EF079B1}"/>
-              </a:ext>
-            </a:extLst>
-          </p:cNvPr>
-          <p:cNvSpPr>
-            <a:spLocks noGrp="1"/>
-          </p:cNvSpPr>
-          <p:nvPr>
-            <p:ph type="body" sz="quarter" idx="11"/>
-          </p:nvPr>
-        </p:nvSpPr>
-        <p:spPr/>
-        <p:txBody>
-          <a:bodyPr/>
-          <a:lstStyle/>
-          <a:p>
-            <a:r>
-              <a:rPr lang="en-US" dirty="0">
-                <a:solidFill>
-                  <a:srgbClr val="0070C0"/>
-                </a:solidFill>
-              </a:rPr>
-              <a:t>let</a:t>
-            </a:r>
-            <a:r>
-              <a:rPr lang="en-US" dirty="0"/>
-              <a:t> car = new Car(1000);</a:t>
-            </a:r>
-          </a:p>
-          <a:p>
-            <a:r>
-              <a:rPr lang="en-US" dirty="0" err="1"/>
-              <a:t>car.maxSpeed</a:t>
-            </a:r>
-            <a:r>
-              <a:rPr lang="en-US" dirty="0"/>
-              <a:t> = 300;</a:t>
-            </a:r>
-          </a:p>
-          <a:p>
-            <a:r>
-              <a:rPr lang="en-US" dirty="0"/>
-              <a:t>alert(</a:t>
-            </a:r>
-            <a:r>
-              <a:rPr lang="en-US" dirty="0" err="1"/>
-              <a:t>car.maxSpeed</a:t>
-            </a:r>
-            <a:r>
-              <a:rPr lang="en-US" dirty="0"/>
-              <a:t>); </a:t>
-            </a:r>
-            <a:r>
-              <a:rPr lang="en-US" dirty="0">
-                <a:solidFill>
-                  <a:srgbClr val="00B050"/>
-                </a:solidFill>
-              </a:rPr>
-              <a:t>//300</a:t>
-            </a:r>
-            <a:endParaRPr lang="ru-RU" dirty="0">
-              <a:solidFill>
-                <a:srgbClr val="00B050"/>
-              </a:solidFill>
-            </a:endParaRPr>
-          </a:p>
-          <a:p>
-            <a:r>
-              <a:rPr lang="en-US" dirty="0" err="1"/>
-              <a:t>car.power</a:t>
-            </a:r>
-            <a:r>
-              <a:rPr lang="en-US" dirty="0"/>
-              <a:t> = 200;</a:t>
-            </a:r>
-          </a:p>
-          <a:p>
-            <a:r>
-              <a:rPr lang="en-US" dirty="0"/>
-              <a:t>alert(</a:t>
-            </a:r>
-            <a:r>
-              <a:rPr lang="en-US" dirty="0" err="1"/>
-              <a:t>car.power</a:t>
-            </a:r>
-            <a:r>
-              <a:rPr lang="en-US" dirty="0"/>
-              <a:t>); </a:t>
-            </a:r>
-            <a:r>
-              <a:rPr lang="en-US" dirty="0">
-                <a:solidFill>
-                  <a:srgbClr val="00B050"/>
-                </a:solidFill>
-              </a:rPr>
-              <a:t>//1000</a:t>
-            </a:r>
-          </a:p>
-          <a:p>
+              <a:rPr lang="en-US" dirty="0"/>
+              <a:t>One of the most important principles of object oriented programming – delimiting internal interface from the external one.</a:t>
+            </a:r>
+          </a:p>
+          <a:p>
+            <a:endParaRPr lang="en-US" dirty="0"/>
+          </a:p>
+          <a:p>
+            <a:r>
+              <a:rPr lang="en-US" dirty="0"/>
+              <a:t>In object-oriented programming, properties and methods are split into two groups:</a:t>
+            </a:r>
+          </a:p>
+          <a:p>
+            <a:pPr marL="457200" indent="-457200">
+              <a:buFont typeface="+mj-lt"/>
+              <a:buAutoNum type="arabicPeriod"/>
+            </a:pPr>
+            <a:r>
+              <a:rPr lang="en-US" i="1" dirty="0"/>
+              <a:t>Internal interface</a:t>
+            </a:r>
+            <a:r>
+              <a:rPr lang="en-US" dirty="0"/>
+              <a:t> – methods and properties, accessible from other methods of the class, but not from the outside.</a:t>
+            </a:r>
+          </a:p>
+          <a:p>
+            <a:pPr marL="457200" indent="-457200">
+              <a:buFont typeface="+mj-lt"/>
+              <a:buAutoNum type="arabicPeriod"/>
+            </a:pPr>
+            <a:r>
+              <a:rPr lang="en-US" i="1" dirty="0"/>
+              <a:t>External interface</a:t>
+            </a:r>
+            <a:r>
+              <a:rPr lang="en-US" dirty="0"/>
+              <a:t> – methods and properties, accessible also from outside the class.</a:t>
+            </a:r>
+          </a:p>
+          <a:p>
+            <a:endParaRPr lang="en-US" dirty="0"/>
+          </a:p>
+          <a:p>
+            <a:br>
+              <a:rPr lang="en-US" dirty="0"/>
+            </a:br>
             <a:endParaRPr lang="ru-RU" dirty="0"/>
           </a:p>
         </p:txBody>
@@ -14508,7 +14293,7 @@
     </p:spTree>
     <p:extLst>
       <p:ext uri="{BB962C8B-B14F-4D97-AF65-F5344CB8AC3E}">
-        <p14:creationId xmlns:p14="http://schemas.microsoft.com/office/powerpoint/2010/main" val="2264997509"/>
+        <p14:creationId xmlns:p14="http://schemas.microsoft.com/office/powerpoint/2010/main" val="752138198"/>
       </p:ext>
     </p:extLst>
   </p:cSld>
@@ -14612,6 +14397,16 @@
             <a:r>
               <a:rPr lang="en-US" dirty="0"/>
               <a:t>The “class” Syntax</a:t>
+            </a:r>
+          </a:p>
+          <a:p>
+            <a:pPr marL="342900" indent="-342900">
+              <a:buFont typeface="Arial" panose="020B0604020202020204" pitchFamily="34" charset="0"/>
+              <a:buChar char="•"/>
+            </a:pPr>
+            <a:r>
+              <a:rPr lang="en-US" dirty="0"/>
+              <a:t>Hoisting</a:t>
             </a:r>
           </a:p>
           <a:p>
@@ -14708,7 +14503,7 @@
           <p:cNvPr id="2" name="Заголовок 1">
             <a:extLst>
               <a:ext uri="{FF2B5EF4-FFF2-40B4-BE49-F238E27FC236}">
-                <a16:creationId xmlns:a16="http://schemas.microsoft.com/office/drawing/2014/main" id="{8969908C-C09C-4DC3-8AA2-0F8F6A9374B7}"/>
+                <a16:creationId xmlns:a16="http://schemas.microsoft.com/office/drawing/2014/main" id="{5356677D-77CA-4D6C-9574-C1CC10A92C37}"/>
               </a:ext>
             </a:extLst>
           </p:cNvPr>
@@ -14719,14 +14514,19 @@
             <p:ph type="title"/>
           </p:nvPr>
         </p:nvSpPr>
-        <p:spPr/>
+        <p:spPr>
+          <a:xfrm flipV="1">
+            <a:off x="685800" y="640082"/>
+            <a:ext cx="10820400" cy="45719"/>
+          </a:xfrm>
+        </p:spPr>
         <p:txBody>
           <a:bodyPr/>
           <a:lstStyle/>
           <a:p>
             <a:r>
               <a:rPr lang="en-US" dirty="0"/>
-              <a:t>Private properties</a:t>
+              <a:t> </a:t>
             </a:r>
             <a:endParaRPr lang="ru-RU" dirty="0"/>
           </a:p>
@@ -14737,7 +14537,7 @@
           <p:cNvPr id="3" name="Текст 2">
             <a:extLst>
               <a:ext uri="{FF2B5EF4-FFF2-40B4-BE49-F238E27FC236}">
-                <a16:creationId xmlns:a16="http://schemas.microsoft.com/office/drawing/2014/main" id="{28130928-7B01-4515-A5EE-97CAABC0BDBC}"/>
+                <a16:creationId xmlns:a16="http://schemas.microsoft.com/office/drawing/2014/main" id="{45316B69-787C-4FDB-9545-3162F795B8F9}"/>
               </a:ext>
             </a:extLst>
           </p:cNvPr>
@@ -14748,72 +14548,371 @@
             <p:ph type="body" sz="quarter" idx="10"/>
           </p:nvPr>
         </p:nvSpPr>
-        <p:spPr/>
+        <p:spPr>
+          <a:xfrm>
+            <a:off x="685800" y="337269"/>
+            <a:ext cx="5174998" cy="5149132"/>
+          </a:xfrm>
+        </p:spPr>
         <p:txBody>
           <a:bodyPr/>
           <a:lstStyle/>
           <a:p>
             <a:r>
-              <a:rPr lang="en-US" dirty="0"/>
-              <a:t>There’s a finished JavaScript proposal, almost in the standard, that provides language-level support for private properties and methods.</a:t>
-            </a:r>
-          </a:p>
-          <a:p>
-            <a:endParaRPr lang="en-US" dirty="0"/>
-          </a:p>
-          <a:p>
-            <a:r>
-              <a:rPr lang="en-US" dirty="0"/>
-              <a:t>Privates should start with </a:t>
-            </a:r>
+              <a:rPr lang="en-US" sz="1800" dirty="0">
+                <a:solidFill>
+                  <a:srgbClr val="0070C0"/>
+                </a:solidFill>
+              </a:rPr>
+              <a:t>class</a:t>
+            </a:r>
+            <a:r>
+              <a:rPr lang="en-US" sz="1800" dirty="0"/>
+              <a:t> Car {</a:t>
+            </a:r>
+            <a:endParaRPr lang="ru-RU" sz="1800" dirty="0"/>
+          </a:p>
+          <a:p>
+            <a:r>
+              <a:rPr lang="en-US" sz="1800" dirty="0"/>
+              <a:t>_</a:t>
+            </a:r>
+            <a:r>
+              <a:rPr lang="en-US" sz="1800" dirty="0" err="1"/>
+              <a:t>maxSpeed</a:t>
+            </a:r>
+            <a:r>
+              <a:rPr lang="en-US" sz="1800" dirty="0"/>
+              <a:t> = 0;  </a:t>
+            </a:r>
+            <a:r>
+              <a:rPr lang="en-US" sz="1800" dirty="0">
+                <a:solidFill>
+                  <a:srgbClr val="00B050"/>
+                </a:solidFill>
+              </a:rPr>
+              <a:t>//protected property</a:t>
+            </a:r>
+            <a:endParaRPr lang="ru-RU" sz="1800" dirty="0">
+              <a:solidFill>
+                <a:srgbClr val="00B050"/>
+              </a:solidFill>
+            </a:endParaRPr>
+          </a:p>
+          <a:p>
+            <a:endParaRPr lang="en-US" sz="1800" dirty="0"/>
+          </a:p>
+          <a:p>
+            <a:r>
+              <a:rPr lang="en-US" sz="1800" dirty="0"/>
+              <a:t>  </a:t>
+            </a:r>
+            <a:r>
+              <a:rPr lang="en-US" sz="1800" dirty="0">
+                <a:solidFill>
+                  <a:srgbClr val="0070C0"/>
+                </a:solidFill>
+              </a:rPr>
+              <a:t>set</a:t>
+            </a:r>
+            <a:r>
+              <a:rPr lang="en-US" sz="1800" dirty="0"/>
+              <a:t> </a:t>
+            </a:r>
+            <a:r>
+              <a:rPr lang="en-US" sz="1800" dirty="0" err="1"/>
+              <a:t>maxSpeed</a:t>
+            </a:r>
+            <a:r>
+              <a:rPr lang="en-US" sz="1800" dirty="0"/>
+              <a:t>(value) {</a:t>
+            </a:r>
+          </a:p>
+          <a:p>
+            <a:r>
+              <a:rPr lang="en-US" sz="1800" dirty="0"/>
+              <a:t>    </a:t>
+            </a:r>
+            <a:r>
+              <a:rPr lang="en-US" sz="1800" dirty="0">
+                <a:solidFill>
+                  <a:srgbClr val="0070C0"/>
+                </a:solidFill>
+              </a:rPr>
+              <a:t>this</a:t>
+            </a:r>
+            <a:r>
+              <a:rPr lang="en-US" sz="1800" dirty="0"/>
+              <a:t>._ </a:t>
+            </a:r>
+            <a:r>
+              <a:rPr lang="en-US" sz="1800" dirty="0" err="1"/>
+              <a:t>maxSpeed</a:t>
+            </a:r>
+            <a:r>
+              <a:rPr lang="en-US" sz="1800" dirty="0"/>
+              <a:t> = value;</a:t>
+            </a:r>
+          </a:p>
+          <a:p>
+            <a:r>
+              <a:rPr lang="en-US" sz="1800" dirty="0"/>
+              <a:t>  }</a:t>
+            </a:r>
+          </a:p>
+          <a:p>
+            <a:r>
+              <a:rPr lang="en-US" sz="1800" dirty="0"/>
+              <a:t>  </a:t>
+            </a:r>
+            <a:r>
+              <a:rPr lang="en-US" sz="1800" dirty="0">
+                <a:solidFill>
+                  <a:srgbClr val="0070C0"/>
+                </a:solidFill>
+              </a:rPr>
+              <a:t>get</a:t>
+            </a:r>
+            <a:r>
+              <a:rPr lang="en-US" sz="1800" dirty="0"/>
+              <a:t> </a:t>
+            </a:r>
+            <a:r>
+              <a:rPr lang="en-US" sz="1800" dirty="0" err="1"/>
+              <a:t>maxSpeed</a:t>
+            </a:r>
+            <a:r>
+              <a:rPr lang="en-US" sz="1800" dirty="0"/>
+              <a:t>() {</a:t>
+            </a:r>
+          </a:p>
+          <a:p>
+            <a:r>
+              <a:rPr lang="en-US" sz="1800" dirty="0"/>
+              <a:t>    return </a:t>
+            </a:r>
+            <a:r>
+              <a:rPr lang="en-US" sz="1800" dirty="0">
+                <a:solidFill>
+                  <a:srgbClr val="0070C0"/>
+                </a:solidFill>
+              </a:rPr>
+              <a:t>this</a:t>
+            </a:r>
+            <a:r>
+              <a:rPr lang="en-US" sz="1800" dirty="0"/>
+              <a:t>._ </a:t>
+            </a:r>
+            <a:r>
+              <a:rPr lang="en-US" sz="1800" dirty="0" err="1"/>
+              <a:t>maxSpeed</a:t>
+            </a:r>
+            <a:r>
+              <a:rPr lang="en-US" sz="1800" dirty="0"/>
+              <a:t>;</a:t>
+            </a:r>
+          </a:p>
+          <a:p>
+            <a:r>
+              <a:rPr lang="en-US" sz="1800" dirty="0"/>
+              <a:t>  }</a:t>
+            </a:r>
+            <a:endParaRPr lang="ru-RU" sz="1800" dirty="0"/>
+          </a:p>
+          <a:p>
+            <a:r>
+              <a:rPr lang="ru-RU" sz="1800" dirty="0"/>
+              <a:t>  </a:t>
+            </a:r>
+            <a:r>
+              <a:rPr lang="en-US" sz="1800" dirty="0"/>
+              <a:t>constructor(power) {</a:t>
+            </a:r>
+          </a:p>
+          <a:p>
+            <a:r>
+              <a:rPr lang="en-US" sz="1800" dirty="0"/>
+              <a:t>    </a:t>
+            </a:r>
+            <a:r>
+              <a:rPr lang="en-US" sz="1800" dirty="0" err="1">
+                <a:solidFill>
+                  <a:srgbClr val="0070C0"/>
+                </a:solidFill>
+              </a:rPr>
+              <a:t>this</a:t>
+            </a:r>
+            <a:r>
+              <a:rPr lang="en-US" sz="1800" dirty="0" err="1"/>
+              <a:t>._power</a:t>
+            </a:r>
+            <a:r>
+              <a:rPr lang="en-US" sz="1800" dirty="0"/>
+              <a:t> = power;</a:t>
+            </a:r>
+          </a:p>
+          <a:p>
+            <a:r>
+              <a:rPr lang="en-US" sz="1800" dirty="0"/>
+              <a:t>  }</a:t>
+            </a:r>
+            <a:endParaRPr lang="ru-RU" sz="1800" dirty="0"/>
+          </a:p>
+          <a:p>
+            <a:r>
+              <a:rPr lang="en-US" sz="1800" dirty="0">
+                <a:solidFill>
+                  <a:srgbClr val="0070C0"/>
+                </a:solidFill>
+              </a:rPr>
+              <a:t>get</a:t>
+            </a:r>
+            <a:r>
+              <a:rPr lang="en-US" sz="1800" dirty="0"/>
+              <a:t> power() {</a:t>
+            </a:r>
+          </a:p>
+          <a:p>
+            <a:r>
+              <a:rPr lang="en-US" sz="1800" dirty="0"/>
+              <a:t>    return </a:t>
+            </a:r>
+            <a:r>
+              <a:rPr lang="en-US" sz="1800" dirty="0" err="1">
+                <a:solidFill>
+                  <a:srgbClr val="0070C0"/>
+                </a:solidFill>
+              </a:rPr>
+              <a:t>this</a:t>
+            </a:r>
+            <a:r>
+              <a:rPr lang="en-US" sz="1800" dirty="0" err="1"/>
+              <a:t>._power</a:t>
+            </a:r>
+            <a:r>
+              <a:rPr lang="en-US" sz="1800" dirty="0"/>
+              <a:t>;</a:t>
+            </a:r>
+          </a:p>
+          <a:p>
+            <a:r>
+              <a:rPr lang="en-US" sz="1800" dirty="0"/>
+              <a:t>  }</a:t>
+            </a:r>
+          </a:p>
+          <a:p>
+            <a:r>
+              <a:rPr lang="en-US" sz="1800" dirty="0"/>
+              <a:t>}</a:t>
+            </a:r>
+            <a:endParaRPr lang="ru-RU" sz="1800" dirty="0"/>
+          </a:p>
+        </p:txBody>
+      </p:sp>
+      <p:sp>
+        <p:nvSpPr>
+          <p:cNvPr id="4" name="Текст 3">
+            <a:extLst>
+              <a:ext uri="{FF2B5EF4-FFF2-40B4-BE49-F238E27FC236}">
+                <a16:creationId xmlns:a16="http://schemas.microsoft.com/office/drawing/2014/main" id="{42118478-57E4-402D-934A-21575EF079B1}"/>
+              </a:ext>
+            </a:extLst>
+          </p:cNvPr>
+          <p:cNvSpPr>
+            <a:spLocks noGrp="1"/>
+          </p:cNvSpPr>
+          <p:nvPr>
+            <p:ph type="body" sz="quarter" idx="11"/>
+          </p:nvPr>
+        </p:nvSpPr>
+        <p:spPr/>
+        <p:txBody>
+          <a:bodyPr/>
+          <a:lstStyle/>
+          <a:p>
             <a:r>
               <a:rPr lang="en-US" dirty="0">
                 <a:solidFill>
                   <a:srgbClr val="0070C0"/>
                 </a:solidFill>
               </a:rPr>
-              <a:t>#</a:t>
-            </a:r>
-            <a:r>
-              <a:rPr lang="en-US" dirty="0"/>
-              <a:t>. They are only accessible from inside the class. On the language level, </a:t>
+              <a:t>let</a:t>
+            </a:r>
+            <a:r>
+              <a:rPr lang="en-US" dirty="0"/>
+              <a:t> car = new Car(1000);</a:t>
+            </a:r>
+          </a:p>
+          <a:p>
+            <a:r>
+              <a:rPr lang="en-US" dirty="0" err="1"/>
+              <a:t>car.maxSpeed</a:t>
+            </a:r>
+            <a:r>
+              <a:rPr lang="en-US" dirty="0"/>
+              <a:t> = 300;</a:t>
+            </a:r>
+          </a:p>
+          <a:p>
+            <a:r>
+              <a:rPr lang="en-US" dirty="0"/>
+              <a:t>alert(</a:t>
+            </a:r>
+            <a:r>
+              <a:rPr lang="en-US" dirty="0" err="1"/>
+              <a:t>car.maxSpeed</a:t>
+            </a:r>
+            <a:r>
+              <a:rPr lang="en-US" dirty="0"/>
+              <a:t>); </a:t>
             </a:r>
             <a:r>
               <a:rPr lang="en-US" dirty="0">
                 <a:solidFill>
-                  <a:srgbClr val="0070C0"/>
+                  <a:srgbClr val="00B050"/>
                 </a:solidFill>
               </a:rPr>
-              <a:t>#</a:t>
-            </a:r>
-            <a:r>
-              <a:rPr lang="en-US" dirty="0"/>
-              <a:t> is a special sign that the field is private. We can’t access it from outside or from inheriting classes. Private fields do not conflict with public ones. We can have both private </a:t>
+              <a:t>//300</a:t>
+            </a:r>
+            <a:endParaRPr lang="ru-RU" dirty="0">
+              <a:solidFill>
+                <a:srgbClr val="00B050"/>
+              </a:solidFill>
+            </a:endParaRPr>
+          </a:p>
+          <a:p>
+            <a:r>
+              <a:rPr lang="en-US" dirty="0" err="1"/>
+              <a:t>car.power</a:t>
+            </a:r>
+            <a:r>
+              <a:rPr lang="en-US" dirty="0"/>
+              <a:t> = 200;</a:t>
+            </a:r>
+          </a:p>
+          <a:p>
+            <a:r>
+              <a:rPr lang="en-US" dirty="0"/>
+              <a:t>alert(</a:t>
+            </a:r>
+            <a:r>
+              <a:rPr lang="en-US" dirty="0" err="1"/>
+              <a:t>car.power</a:t>
+            </a:r>
+            <a:r>
+              <a:rPr lang="en-US" dirty="0"/>
+              <a:t>); </a:t>
             </a:r>
             <a:r>
               <a:rPr lang="en-US" dirty="0">
                 <a:solidFill>
-                  <a:srgbClr val="0070C0"/>
+                  <a:srgbClr val="00B050"/>
                 </a:solidFill>
               </a:rPr>
-              <a:t>#power </a:t>
-            </a:r>
-            <a:r>
-              <a:rPr lang="en-US" dirty="0"/>
-              <a:t>and public </a:t>
-            </a:r>
-            <a:r>
-              <a:rPr lang="en-US" dirty="0">
-                <a:solidFill>
-                  <a:srgbClr val="0070C0"/>
-                </a:solidFill>
-              </a:rPr>
-              <a:t>power</a:t>
-            </a:r>
-            <a:r>
-              <a:rPr lang="en-US" dirty="0"/>
-              <a:t> fields at the same time.</a:t>
-            </a:r>
+              <a:t>//1000</a:t>
+            </a:r>
+          </a:p>
+          <a:p>
             <a:endParaRPr lang="ru-RU" dirty="0"/>
           </a:p>
         </p:txBody>
@@ -14821,7 +14920,7 @@
     </p:spTree>
     <p:extLst>
       <p:ext uri="{BB962C8B-B14F-4D97-AF65-F5344CB8AC3E}">
-        <p14:creationId xmlns:p14="http://schemas.microsoft.com/office/powerpoint/2010/main" val="1182725788"/>
+        <p14:creationId xmlns:p14="http://schemas.microsoft.com/office/powerpoint/2010/main" val="2264997509"/>
       </p:ext>
     </p:extLst>
   </p:cSld>
@@ -14853,7 +14952,7 @@
           <p:cNvPr id="2" name="Заголовок 1">
             <a:extLst>
               <a:ext uri="{FF2B5EF4-FFF2-40B4-BE49-F238E27FC236}">
-                <a16:creationId xmlns:a16="http://schemas.microsoft.com/office/drawing/2014/main" id="{C50AEB88-1EB0-4009-BC0A-7985B11F98CF}"/>
+                <a16:creationId xmlns:a16="http://schemas.microsoft.com/office/drawing/2014/main" id="{8969908C-C09C-4DC3-8AA2-0F8F6A9374B7}"/>
               </a:ext>
             </a:extLst>
           </p:cNvPr>
@@ -14864,19 +14963,14 @@
             <p:ph type="title"/>
           </p:nvPr>
         </p:nvSpPr>
-        <p:spPr>
-          <a:xfrm>
-            <a:off x="685800" y="685801"/>
-            <a:ext cx="10820400" cy="82825"/>
-          </a:xfrm>
-        </p:spPr>
+        <p:spPr/>
         <p:txBody>
           <a:bodyPr/>
           <a:lstStyle/>
           <a:p>
             <a:r>
               <a:rPr lang="en-US" dirty="0"/>
-              <a:t> </a:t>
+              <a:t>Private properties</a:t>
             </a:r>
             <a:endParaRPr lang="ru-RU" dirty="0"/>
           </a:p>
@@ -14887,7 +14981,7 @@
           <p:cNvPr id="3" name="Текст 2">
             <a:extLst>
               <a:ext uri="{FF2B5EF4-FFF2-40B4-BE49-F238E27FC236}">
-                <a16:creationId xmlns:a16="http://schemas.microsoft.com/office/drawing/2014/main" id="{89851411-D513-47F4-B670-F6318F6C44AA}"/>
+                <a16:creationId xmlns:a16="http://schemas.microsoft.com/office/drawing/2014/main" id="{28130928-7B01-4515-A5EE-97CAABC0BDBC}"/>
               </a:ext>
             </a:extLst>
           </p:cNvPr>
@@ -14898,152 +14992,72 @@
             <p:ph type="body" sz="quarter" idx="10"/>
           </p:nvPr>
         </p:nvSpPr>
-        <p:spPr>
-          <a:xfrm>
-            <a:off x="685800" y="768626"/>
-            <a:ext cx="10820400" cy="4717774"/>
-          </a:xfrm>
-        </p:spPr>
+        <p:spPr/>
         <p:txBody>
           <a:bodyPr/>
           <a:lstStyle/>
           <a:p>
+            <a:r>
+              <a:rPr lang="en-US" dirty="0"/>
+              <a:t>There’s a finished JavaScript proposal, almost in the standard, that provides language-level support for private properties and methods.</a:t>
+            </a:r>
+          </a:p>
+          <a:p>
+            <a:endParaRPr lang="en-US" dirty="0"/>
+          </a:p>
+          <a:p>
+            <a:r>
+              <a:rPr lang="en-US" dirty="0"/>
+              <a:t>Privates should start with </a:t>
+            </a:r>
             <a:r>
               <a:rPr lang="en-US" dirty="0">
                 <a:solidFill>
                   <a:srgbClr val="0070C0"/>
                 </a:solidFill>
               </a:rPr>
-              <a:t>class</a:t>
-            </a:r>
-            <a:r>
-              <a:rPr lang="en-US" dirty="0"/>
-              <a:t> Car {</a:t>
-            </a:r>
-          </a:p>
-          <a:p>
-            <a:r>
-              <a:rPr lang="en-US" dirty="0"/>
-              <a:t>  #</a:t>
-            </a:r>
-            <a:r>
-              <a:rPr lang="en-US" dirty="0" err="1"/>
-              <a:t>tankCapacity</a:t>
-            </a:r>
-            <a:r>
-              <a:rPr lang="en-US" dirty="0"/>
-              <a:t> = 0;</a:t>
-            </a:r>
-          </a:p>
-          <a:p>
-            <a:endParaRPr lang="en-US" dirty="0"/>
-          </a:p>
-          <a:p>
-            <a:r>
-              <a:rPr lang="en-US" dirty="0"/>
-              <a:t>  #</a:t>
-            </a:r>
-            <a:r>
-              <a:rPr lang="en-US" dirty="0" err="1"/>
-              <a:t>checkAmoutOfPetrol</a:t>
-            </a:r>
-            <a:r>
-              <a:rPr lang="en-US" dirty="0"/>
-              <a:t>() {</a:t>
-            </a:r>
-          </a:p>
-          <a:p>
-            <a:r>
-              <a:rPr lang="en-US" dirty="0">
-                <a:solidFill>
-                  <a:srgbClr val="00B050"/>
-                </a:solidFill>
-              </a:rPr>
-              <a:t>       //</a:t>
-            </a:r>
-          </a:p>
-          <a:p>
-            <a:r>
-              <a:rPr lang="en-US" dirty="0"/>
-              <a:t>   }</a:t>
-            </a:r>
-          </a:p>
-          <a:p>
-            <a:r>
-              <a:rPr lang="en-US" dirty="0"/>
-              <a:t>}</a:t>
-            </a:r>
-          </a:p>
-          <a:p>
-            <a:endParaRPr lang="en-US" dirty="0"/>
-          </a:p>
-          <a:p>
+              <a:t>#</a:t>
+            </a:r>
+            <a:r>
+              <a:rPr lang="en-US" dirty="0"/>
+              <a:t>. They are only accessible from inside the class. On the language level, </a:t>
+            </a:r>
             <a:r>
               <a:rPr lang="en-US" dirty="0">
                 <a:solidFill>
                   <a:srgbClr val="0070C0"/>
                 </a:solidFill>
               </a:rPr>
-              <a:t>let</a:t>
-            </a:r>
-            <a:r>
-              <a:rPr lang="en-US" dirty="0"/>
-              <a:t> car = new Car();</a:t>
-            </a:r>
-          </a:p>
-          <a:p>
-            <a:endParaRPr lang="en-US" dirty="0"/>
-          </a:p>
-          <a:p>
-            <a:r>
-              <a:rPr lang="en-US" dirty="0"/>
-              <a:t>car.#</a:t>
-            </a:r>
-            <a:r>
-              <a:rPr lang="en-US" dirty="0" err="1"/>
-              <a:t>tankCapacity</a:t>
-            </a:r>
-            <a:r>
-              <a:rPr lang="en-US" dirty="0"/>
-              <a:t> = 38; </a:t>
+              <a:t>#</a:t>
+            </a:r>
+            <a:r>
+              <a:rPr lang="en-US" dirty="0"/>
+              <a:t> is a special sign that the field is private. We can’t access it from outside or from inheriting classes. Private fields do not conflict with public ones. We can have both private </a:t>
             </a:r>
             <a:r>
               <a:rPr lang="en-US" dirty="0">
                 <a:solidFill>
-                  <a:srgbClr val="00B050"/>
+                  <a:srgbClr val="0070C0"/>
                 </a:solidFill>
               </a:rPr>
-              <a:t>// ERROR</a:t>
-            </a:r>
-          </a:p>
-          <a:p>
-            <a:r>
-              <a:rPr lang="en-US" dirty="0"/>
-              <a:t>car.#</a:t>
-            </a:r>
-            <a:r>
-              <a:rPr lang="en-US" dirty="0" err="1"/>
-              <a:t>checkAmountOfPetrol</a:t>
-            </a:r>
-            <a:r>
-              <a:rPr lang="en-US" dirty="0"/>
-              <a:t>(); </a:t>
+              <a:t>#power </a:t>
+            </a:r>
+            <a:r>
+              <a:rPr lang="en-US" dirty="0"/>
+              <a:t>and public </a:t>
             </a:r>
             <a:r>
               <a:rPr lang="en-US" dirty="0">
                 <a:solidFill>
-                  <a:srgbClr val="00B050"/>
+                  <a:srgbClr val="0070C0"/>
                 </a:solidFill>
               </a:rPr>
-              <a:t>//ERROR</a:t>
-            </a:r>
-            <a:endParaRPr lang="ru-RU" dirty="0">
-              <a:solidFill>
-                <a:srgbClr val="00B050"/>
-              </a:solidFill>
-            </a:endParaRPr>
-          </a:p>
-          <a:p>
+              <a:t>power</a:t>
+            </a:r>
+            <a:r>
+              <a:rPr lang="en-US" dirty="0"/>
+              <a:t> fields at the same time.</a:t>
+            </a:r>
             <a:endParaRPr lang="ru-RU" dirty="0"/>
           </a:p>
         </p:txBody>
@@ -15051,7 +15065,7 @@
     </p:spTree>
     <p:extLst>
       <p:ext uri="{BB962C8B-B14F-4D97-AF65-F5344CB8AC3E}">
-        <p14:creationId xmlns:p14="http://schemas.microsoft.com/office/powerpoint/2010/main" val="3449036669"/>
+        <p14:creationId xmlns:p14="http://schemas.microsoft.com/office/powerpoint/2010/main" val="1182725788"/>
       </p:ext>
     </p:extLst>
   </p:cSld>
@@ -15083,6 +15097,236 @@
           <p:cNvPr id="2" name="Заголовок 1">
             <a:extLst>
               <a:ext uri="{FF2B5EF4-FFF2-40B4-BE49-F238E27FC236}">
+                <a16:creationId xmlns:a16="http://schemas.microsoft.com/office/drawing/2014/main" id="{C50AEB88-1EB0-4009-BC0A-7985B11F98CF}"/>
+              </a:ext>
+            </a:extLst>
+          </p:cNvPr>
+          <p:cNvSpPr>
+            <a:spLocks noGrp="1"/>
+          </p:cNvSpPr>
+          <p:nvPr>
+            <p:ph type="title"/>
+          </p:nvPr>
+        </p:nvSpPr>
+        <p:spPr>
+          <a:xfrm>
+            <a:off x="685800" y="685801"/>
+            <a:ext cx="10820400" cy="82825"/>
+          </a:xfrm>
+        </p:spPr>
+        <p:txBody>
+          <a:bodyPr/>
+          <a:lstStyle/>
+          <a:p>
+            <a:r>
+              <a:rPr lang="en-US" dirty="0"/>
+              <a:t> </a:t>
+            </a:r>
+            <a:endParaRPr lang="ru-RU" dirty="0"/>
+          </a:p>
+        </p:txBody>
+      </p:sp>
+      <p:sp>
+        <p:nvSpPr>
+          <p:cNvPr id="3" name="Текст 2">
+            <a:extLst>
+              <a:ext uri="{FF2B5EF4-FFF2-40B4-BE49-F238E27FC236}">
+                <a16:creationId xmlns:a16="http://schemas.microsoft.com/office/drawing/2014/main" id="{89851411-D513-47F4-B670-F6318F6C44AA}"/>
+              </a:ext>
+            </a:extLst>
+          </p:cNvPr>
+          <p:cNvSpPr>
+            <a:spLocks noGrp="1"/>
+          </p:cNvSpPr>
+          <p:nvPr>
+            <p:ph type="body" sz="quarter" idx="10"/>
+          </p:nvPr>
+        </p:nvSpPr>
+        <p:spPr>
+          <a:xfrm>
+            <a:off x="685800" y="768626"/>
+            <a:ext cx="10820400" cy="4717774"/>
+          </a:xfrm>
+        </p:spPr>
+        <p:txBody>
+          <a:bodyPr/>
+          <a:lstStyle/>
+          <a:p>
+            <a:r>
+              <a:rPr lang="en-US" dirty="0">
+                <a:solidFill>
+                  <a:srgbClr val="0070C0"/>
+                </a:solidFill>
+              </a:rPr>
+              <a:t>class</a:t>
+            </a:r>
+            <a:r>
+              <a:rPr lang="en-US" dirty="0"/>
+              <a:t> Car {</a:t>
+            </a:r>
+          </a:p>
+          <a:p>
+            <a:r>
+              <a:rPr lang="en-US" dirty="0"/>
+              <a:t>  #</a:t>
+            </a:r>
+            <a:r>
+              <a:rPr lang="en-US" dirty="0" err="1"/>
+              <a:t>tankCapacity</a:t>
+            </a:r>
+            <a:r>
+              <a:rPr lang="en-US" dirty="0"/>
+              <a:t> = 0;</a:t>
+            </a:r>
+          </a:p>
+          <a:p>
+            <a:endParaRPr lang="en-US" dirty="0"/>
+          </a:p>
+          <a:p>
+            <a:r>
+              <a:rPr lang="en-US" dirty="0"/>
+              <a:t>  #</a:t>
+            </a:r>
+            <a:r>
+              <a:rPr lang="en-US" dirty="0" err="1"/>
+              <a:t>checkAmoutOfPetrol</a:t>
+            </a:r>
+            <a:r>
+              <a:rPr lang="en-US" dirty="0"/>
+              <a:t>() {</a:t>
+            </a:r>
+          </a:p>
+          <a:p>
+            <a:r>
+              <a:rPr lang="en-US" dirty="0">
+                <a:solidFill>
+                  <a:srgbClr val="00B050"/>
+                </a:solidFill>
+              </a:rPr>
+              <a:t>       //</a:t>
+            </a:r>
+          </a:p>
+          <a:p>
+            <a:r>
+              <a:rPr lang="en-US" dirty="0"/>
+              <a:t>   }</a:t>
+            </a:r>
+          </a:p>
+          <a:p>
+            <a:r>
+              <a:rPr lang="en-US" dirty="0"/>
+              <a:t>}</a:t>
+            </a:r>
+          </a:p>
+          <a:p>
+            <a:endParaRPr lang="en-US" dirty="0"/>
+          </a:p>
+          <a:p>
+            <a:r>
+              <a:rPr lang="en-US" dirty="0">
+                <a:solidFill>
+                  <a:srgbClr val="0070C0"/>
+                </a:solidFill>
+              </a:rPr>
+              <a:t>let</a:t>
+            </a:r>
+            <a:r>
+              <a:rPr lang="en-US" dirty="0"/>
+              <a:t> car = new Car();</a:t>
+            </a:r>
+          </a:p>
+          <a:p>
+            <a:endParaRPr lang="en-US" dirty="0"/>
+          </a:p>
+          <a:p>
+            <a:r>
+              <a:rPr lang="en-US" dirty="0"/>
+              <a:t>car.#</a:t>
+            </a:r>
+            <a:r>
+              <a:rPr lang="en-US" dirty="0" err="1"/>
+              <a:t>tankCapacity</a:t>
+            </a:r>
+            <a:r>
+              <a:rPr lang="en-US" dirty="0"/>
+              <a:t> = 38; </a:t>
+            </a:r>
+            <a:r>
+              <a:rPr lang="en-US" dirty="0">
+                <a:solidFill>
+                  <a:srgbClr val="00B050"/>
+                </a:solidFill>
+              </a:rPr>
+              <a:t>// ERROR</a:t>
+            </a:r>
+          </a:p>
+          <a:p>
+            <a:r>
+              <a:rPr lang="en-US" dirty="0"/>
+              <a:t>car.#</a:t>
+            </a:r>
+            <a:r>
+              <a:rPr lang="en-US" dirty="0" err="1"/>
+              <a:t>checkAmountOfPetrol</a:t>
+            </a:r>
+            <a:r>
+              <a:rPr lang="en-US" dirty="0"/>
+              <a:t>(); </a:t>
+            </a:r>
+            <a:r>
+              <a:rPr lang="en-US" dirty="0">
+                <a:solidFill>
+                  <a:srgbClr val="00B050"/>
+                </a:solidFill>
+              </a:rPr>
+              <a:t>//ERROR</a:t>
+            </a:r>
+            <a:endParaRPr lang="ru-RU" dirty="0">
+              <a:solidFill>
+                <a:srgbClr val="00B050"/>
+              </a:solidFill>
+            </a:endParaRPr>
+          </a:p>
+          <a:p>
+            <a:endParaRPr lang="ru-RU" dirty="0"/>
+          </a:p>
+        </p:txBody>
+      </p:sp>
+    </p:spTree>
+    <p:extLst>
+      <p:ext uri="{BB962C8B-B14F-4D97-AF65-F5344CB8AC3E}">
+        <p14:creationId xmlns:p14="http://schemas.microsoft.com/office/powerpoint/2010/main" val="3449036669"/>
+      </p:ext>
+    </p:extLst>
+  </p:cSld>
+  <p:clrMapOvr>
+    <a:masterClrMapping/>
+  </p:clrMapOvr>
+</p:sld>
+</file>
+
+<file path=ppt/slides/slide23.xml><?xml version="1.0" encoding="utf-8"?>
+<p:sld xmlns:a="http://schemas.openxmlformats.org/drawingml/2006/main" xmlns:r="http://schemas.openxmlformats.org/officeDocument/2006/relationships" xmlns:p="http://schemas.openxmlformats.org/presentationml/2006/main">
+  <p:cSld>
+    <p:spTree>
+      <p:nvGrpSpPr>
+        <p:cNvPr id="1" name=""/>
+        <p:cNvGrpSpPr/>
+        <p:nvPr/>
+      </p:nvGrpSpPr>
+      <p:grpSpPr>
+        <a:xfrm>
+          <a:off x="0" y="0"/>
+          <a:ext cx="0" cy="0"/>
+          <a:chOff x="0" y="0"/>
+          <a:chExt cx="0" cy="0"/>
+        </a:xfrm>
+      </p:grpSpPr>
+      <p:sp>
+        <p:nvSpPr>
+          <p:cNvPr id="2" name="Заголовок 1">
+            <a:extLst>
+              <a:ext uri="{FF2B5EF4-FFF2-40B4-BE49-F238E27FC236}">
                 <a16:creationId xmlns:a16="http://schemas.microsoft.com/office/drawing/2014/main" id="{B6484DAF-1109-4ED8-B8CE-0A858E554979}"/>
               </a:ext>
             </a:extLst>
@@ -15145,6 +15389,9 @@
               </a:rPr>
               <a:t>http://jsraccoon.ru/es6-classes</a:t>
             </a:r>
+            <a:endParaRPr lang="en-US" dirty="0"/>
+          </a:p>
+          <a:p>
             <a:endParaRPr lang="pl-PL" u="sng" dirty="0">
               <a:hlinkClick r:id="rId4"/>
             </a:endParaRPr>
@@ -15170,7 +15417,7 @@
 </p:sld>
 </file>
 
-<file path=ppt/slides/slide23.xml><?xml version="1.0" encoding="utf-8"?>
+<file path=ppt/slides/slide24.xml><?xml version="1.0" encoding="utf-8"?>
 <p:sld xmlns:a="http://schemas.openxmlformats.org/drawingml/2006/main" xmlns:r="http://schemas.openxmlformats.org/officeDocument/2006/relationships" xmlns:p="http://schemas.openxmlformats.org/presentationml/2006/main">
   <p:cSld>
     <p:spTree>
@@ -16537,7 +16784,7 @@
           <p:cNvPr id="2" name="Заголовок 1">
             <a:extLst>
               <a:ext uri="{FF2B5EF4-FFF2-40B4-BE49-F238E27FC236}">
-                <a16:creationId xmlns:a16="http://schemas.microsoft.com/office/drawing/2014/main" id="{FDAFB092-67BA-4F92-8699-29F541D0754A}"/>
+                <a16:creationId xmlns:a16="http://schemas.microsoft.com/office/drawing/2014/main" id="{F50E4487-7318-4721-BB4C-7BCC7CFA6C4B}"/>
               </a:ext>
             </a:extLst>
           </p:cNvPr>
@@ -16554,9 +16801,12 @@
           <a:lstStyle/>
           <a:p>
             <a:r>
-              <a:rPr lang="en-US" dirty="0"/>
-              <a:t>Class Expression</a:t>
-            </a:r>
+              <a:rPr lang="en-US" b="1" dirty="0"/>
+              <a:t>Hoisting</a:t>
+            </a:r>
+            <a:br>
+              <a:rPr lang="en-US" b="1" dirty="0"/>
+            </a:br>
             <a:endParaRPr lang="uk-UA" dirty="0"/>
           </a:p>
         </p:txBody>
@@ -16566,7 +16816,7 @@
           <p:cNvPr id="3" name="Місце для тексту 2">
             <a:extLst>
               <a:ext uri="{FF2B5EF4-FFF2-40B4-BE49-F238E27FC236}">
-                <a16:creationId xmlns:a16="http://schemas.microsoft.com/office/drawing/2014/main" id="{64EAE3B6-917F-469C-9C97-8CFF7CFB12BB}"/>
+                <a16:creationId xmlns:a16="http://schemas.microsoft.com/office/drawing/2014/main" id="{B48ACCA6-EB27-4324-A647-48CD2F11BC16}"/>
               </a:ext>
             </a:extLst>
           </p:cNvPr>
@@ -16577,300 +16827,107 @@
             <p:ph type="body" sz="quarter" idx="10"/>
           </p:nvPr>
         </p:nvSpPr>
-        <p:spPr>
-          <a:xfrm>
-            <a:off x="685800" y="2057400"/>
-            <a:ext cx="5410200" cy="3429000"/>
-          </a:xfrm>
-        </p:spPr>
+        <p:spPr/>
         <p:txBody>
           <a:bodyPr/>
           <a:lstStyle/>
           <a:p>
             <a:r>
               <a:rPr lang="en-US" dirty="0"/>
-              <a:t>Just like functions, classes can be defined inside another expression, passed around, returned, assigned etc.</a:t>
-            </a:r>
-          </a:p>
-          <a:p>
-            <a:endParaRPr lang="en-US" dirty="0"/>
-          </a:p>
-          <a:p>
-            <a:r>
-              <a:rPr lang="en-US" sz="1800" dirty="0">
+              <a:t>An important difference between </a:t>
+            </a:r>
+            <a:r>
+              <a:rPr lang="en-US" dirty="0">
                 <a:solidFill>
-                  <a:srgbClr val="0070C0"/>
+                  <a:srgbClr val="FF0000"/>
                 </a:solidFill>
               </a:rPr>
-              <a:t>let</a:t>
-            </a:r>
-            <a:r>
-              <a:rPr lang="en-US" sz="1800" dirty="0"/>
-              <a:t> User = </a:t>
-            </a:r>
-            <a:r>
-              <a:rPr lang="en-US" sz="1800" dirty="0">
+              <a:t>function declarations </a:t>
+            </a:r>
+            <a:r>
+              <a:rPr lang="en-US" dirty="0"/>
+              <a:t>and </a:t>
+            </a:r>
+            <a:r>
+              <a:rPr lang="en-US" dirty="0">
                 <a:solidFill>
-                  <a:srgbClr val="0070C0"/>
+                  <a:srgbClr val="FF0000"/>
                 </a:solidFill>
               </a:rPr>
-              <a:t>class</a:t>
-            </a:r>
-            <a:r>
-              <a:rPr lang="en-US" sz="1800" dirty="0"/>
-              <a:t> {</a:t>
-            </a:r>
-          </a:p>
-          <a:p>
-            <a:r>
-              <a:rPr lang="en-US" sz="1800" dirty="0"/>
-              <a:t>  </a:t>
-            </a:r>
-            <a:r>
-              <a:rPr lang="en-US" sz="1800" dirty="0" err="1"/>
-              <a:t>sayHi</a:t>
-            </a:r>
-            <a:r>
-              <a:rPr lang="en-US" sz="1800" dirty="0"/>
-              <a:t>() {</a:t>
-            </a:r>
-          </a:p>
-          <a:p>
-            <a:r>
-              <a:rPr lang="en-US" sz="1800" dirty="0"/>
-              <a:t>    alert("</a:t>
-            </a:r>
-            <a:r>
-              <a:rPr lang="uk-UA" sz="1800" dirty="0" err="1"/>
-              <a:t>Привет</a:t>
-            </a:r>
-            <a:r>
-              <a:rPr lang="uk-UA" sz="1800" dirty="0"/>
-              <a:t>");</a:t>
-            </a:r>
-          </a:p>
-          <a:p>
-            <a:r>
-              <a:rPr lang="uk-UA" sz="1800" dirty="0"/>
-              <a:t>  }</a:t>
-            </a:r>
-          </a:p>
-          <a:p>
-            <a:r>
-              <a:rPr lang="uk-UA" sz="1800" dirty="0"/>
-              <a:t>};</a:t>
-            </a:r>
-          </a:p>
-        </p:txBody>
-      </p:sp>
-      <p:sp>
-        <p:nvSpPr>
-          <p:cNvPr id="5" name="TextBox 4">
+              <a:t>class declarations </a:t>
+            </a:r>
+            <a:r>
+              <a:rPr lang="en-US" dirty="0"/>
+              <a:t>is that function declarations are </a:t>
+            </a:r>
+            <a:r>
+              <a:rPr lang="en-US" dirty="0">
+                <a:solidFill>
+                  <a:srgbClr val="FF0000"/>
+                </a:solidFill>
+              </a:rPr>
+              <a:t>hoisted</a:t>
+            </a:r>
+            <a:r>
+              <a:rPr lang="en-US" dirty="0"/>
+              <a:t> and class declarations are not. You first need to declare your class and then access it, otherwise code like the following will throw a </a:t>
+            </a:r>
+            <a:r>
+              <a:rPr lang="en-US" dirty="0" err="1">
+                <a:solidFill>
+                  <a:srgbClr val="FF0000"/>
+                </a:solidFill>
+              </a:rPr>
+              <a:t>ReferenceError</a:t>
+            </a:r>
+            <a:r>
+              <a:rPr lang="en-US" dirty="0"/>
+              <a:t>:</a:t>
+            </a:r>
+            <a:endParaRPr lang="uk-UA" dirty="0"/>
+          </a:p>
+        </p:txBody>
+      </p:sp>
+      <p:pic>
+        <p:nvPicPr>
+          <p:cNvPr id="6" name="Рисунок 5">
             <a:extLst>
               <a:ext uri="{FF2B5EF4-FFF2-40B4-BE49-F238E27FC236}">
-                <a16:creationId xmlns:a16="http://schemas.microsoft.com/office/drawing/2014/main" id="{DEB1B2AE-8ED7-47E3-A087-3BF334814C39}"/>
+                <a16:creationId xmlns:a16="http://schemas.microsoft.com/office/drawing/2014/main" id="{CF9408CE-1C90-4C5E-AA0B-BCACE180E904}"/>
               </a:ext>
             </a:extLst>
           </p:cNvPr>
-          <p:cNvSpPr txBox="1"/>
+          <p:cNvPicPr>
+            <a:picLocks noChangeAspect="1"/>
+          </p:cNvPicPr>
           <p:nvPr/>
-        </p:nvSpPr>
-        <p:spPr>
-          <a:xfrm>
-            <a:off x="5945171" y="2057400"/>
-            <a:ext cx="6202339" cy="2862322"/>
+        </p:nvPicPr>
+        <p:blipFill>
+          <a:blip r:embed="rId2">
+            <a:extLst>
+              <a:ext uri="{28A0092B-C50C-407E-A947-70E740481C1C}">
+                <a14:useLocalDpi xmlns:a14="http://schemas.microsoft.com/office/drawing/2010/main" val="0"/>
+              </a:ext>
+            </a:extLst>
+          </a:blip>
+          <a:stretch>
+            <a:fillRect/>
+          </a:stretch>
+        </p:blipFill>
+        <p:spPr>
+          <a:xfrm>
+            <a:off x="685800" y="3771900"/>
+            <a:ext cx="6124575" cy="1190625"/>
           </a:xfrm>
           <a:prstGeom prst="rect">
             <a:avLst/>
           </a:prstGeom>
-          <a:noFill/>
-        </p:spPr>
-        <p:txBody>
-          <a:bodyPr wrap="none" rtlCol="0">
-            <a:spAutoFit/>
-          </a:bodyPr>
-          <a:lstStyle/>
-          <a:p>
-            <a:r>
-              <a:rPr lang="en-US" i="1" dirty="0"/>
-              <a:t>// "Named Class Expression"</a:t>
-            </a:r>
-          </a:p>
-          <a:p>
-            <a:r>
-              <a:rPr lang="en-US" dirty="0">
-                <a:solidFill>
-                  <a:srgbClr val="0070C0"/>
-                </a:solidFill>
-              </a:rPr>
-              <a:t>let</a:t>
-            </a:r>
-            <a:r>
-              <a:rPr lang="en-US" dirty="0"/>
-              <a:t> User = </a:t>
-            </a:r>
-            <a:r>
-              <a:rPr lang="en-US" dirty="0">
-                <a:solidFill>
-                  <a:srgbClr val="0070C0"/>
-                </a:solidFill>
-              </a:rPr>
-              <a:t>class</a:t>
-            </a:r>
-            <a:r>
-              <a:rPr lang="en-US" dirty="0"/>
-              <a:t> </a:t>
-            </a:r>
-            <a:r>
-              <a:rPr lang="en-US" dirty="0" err="1"/>
-              <a:t>MyClass</a:t>
-            </a:r>
-            <a:r>
-              <a:rPr lang="en-US" dirty="0"/>
-              <a:t> {</a:t>
-            </a:r>
-          </a:p>
-          <a:p>
-            <a:r>
-              <a:rPr lang="en-US" dirty="0"/>
-              <a:t>  </a:t>
-            </a:r>
-            <a:r>
-              <a:rPr lang="en-US" dirty="0" err="1"/>
-              <a:t>sayHi</a:t>
-            </a:r>
-            <a:r>
-              <a:rPr lang="en-US" dirty="0"/>
-              <a:t>() {</a:t>
-            </a:r>
-          </a:p>
-          <a:p>
-            <a:r>
-              <a:rPr lang="en-US" dirty="0"/>
-              <a:t>    alert(</a:t>
-            </a:r>
-            <a:r>
-              <a:rPr lang="en-US" dirty="0" err="1"/>
-              <a:t>MyClass</a:t>
-            </a:r>
-            <a:r>
-              <a:rPr lang="en-US" dirty="0"/>
-              <a:t>); // </a:t>
-            </a:r>
-            <a:r>
-              <a:rPr lang="en-US" dirty="0" err="1">
-                <a:solidFill>
-                  <a:srgbClr val="00B050"/>
-                </a:solidFill>
-              </a:rPr>
-              <a:t>MyClass</a:t>
-            </a:r>
-            <a:r>
-              <a:rPr lang="en-US" dirty="0">
-                <a:solidFill>
-                  <a:srgbClr val="00B050"/>
-                </a:solidFill>
-              </a:rPr>
-              <a:t> name is visible only inside the class</a:t>
-            </a:r>
-          </a:p>
-          <a:p>
-            <a:r>
-              <a:rPr lang="en-US" dirty="0"/>
-              <a:t>  }</a:t>
-            </a:r>
-          </a:p>
-          <a:p>
-            <a:r>
-              <a:rPr lang="en-US" dirty="0"/>
-              <a:t>};</a:t>
-            </a:r>
-          </a:p>
-          <a:p>
-            <a:endParaRPr lang="en-US" dirty="0"/>
-          </a:p>
-          <a:p>
-            <a:r>
-              <a:rPr lang="en-US" dirty="0">
-                <a:solidFill>
-                  <a:srgbClr val="0070C0"/>
-                </a:solidFill>
-              </a:rPr>
-              <a:t>new</a:t>
-            </a:r>
-            <a:r>
-              <a:rPr lang="en-US" dirty="0"/>
-              <a:t> User().</a:t>
-            </a:r>
-            <a:r>
-              <a:rPr lang="en-US" dirty="0" err="1"/>
-              <a:t>sayHi</a:t>
-            </a:r>
-            <a:r>
-              <a:rPr lang="en-US" dirty="0"/>
-              <a:t>(); // </a:t>
-            </a:r>
-            <a:r>
-              <a:rPr lang="en-US" dirty="0">
-                <a:solidFill>
-                  <a:srgbClr val="00B050"/>
-                </a:solidFill>
-              </a:rPr>
-              <a:t>works, shows </a:t>
-            </a:r>
-            <a:r>
-              <a:rPr lang="en-US" dirty="0" err="1">
-                <a:solidFill>
-                  <a:srgbClr val="00B050"/>
-                </a:solidFill>
-              </a:rPr>
-              <a:t>MyClass</a:t>
-            </a:r>
-            <a:r>
-              <a:rPr lang="en-US" dirty="0">
-                <a:solidFill>
-                  <a:srgbClr val="00B050"/>
-                </a:solidFill>
-              </a:rPr>
-              <a:t> definition</a:t>
-            </a:r>
-          </a:p>
-          <a:p>
-            <a:endParaRPr lang="en-US" dirty="0"/>
-          </a:p>
-          <a:p>
-            <a:r>
-              <a:rPr lang="en-US" dirty="0"/>
-              <a:t>alert(</a:t>
-            </a:r>
-            <a:r>
-              <a:rPr lang="en-US" dirty="0" err="1"/>
-              <a:t>MyClass</a:t>
-            </a:r>
-            <a:r>
-              <a:rPr lang="en-US" dirty="0"/>
-              <a:t>); // </a:t>
-            </a:r>
-            <a:r>
-              <a:rPr lang="en-US" dirty="0">
-                <a:solidFill>
-                  <a:srgbClr val="C00000"/>
-                </a:solidFill>
-              </a:rPr>
-              <a:t>error</a:t>
-            </a:r>
-            <a:endParaRPr lang="uk-UA" dirty="0">
-              <a:solidFill>
-                <a:srgbClr val="C00000"/>
-              </a:solidFill>
-            </a:endParaRPr>
-          </a:p>
-        </p:txBody>
-      </p:sp>
+        </p:spPr>
+      </p:pic>
     </p:spTree>
     <p:extLst>
       <p:ext uri="{BB962C8B-B14F-4D97-AF65-F5344CB8AC3E}">
-        <p14:creationId xmlns:p14="http://schemas.microsoft.com/office/powerpoint/2010/main" val="3864762211"/>
+        <p14:creationId xmlns:p14="http://schemas.microsoft.com/office/powerpoint/2010/main" val="2454247629"/>
       </p:ext>
     </p:extLst>
   </p:cSld>
@@ -16902,7 +16959,7 @@
           <p:cNvPr id="2" name="Заголовок 1">
             <a:extLst>
               <a:ext uri="{FF2B5EF4-FFF2-40B4-BE49-F238E27FC236}">
-                <a16:creationId xmlns:a16="http://schemas.microsoft.com/office/drawing/2014/main" id="{D1307734-A513-449E-9CF6-572DFAA42628}"/>
+                <a16:creationId xmlns:a16="http://schemas.microsoft.com/office/drawing/2014/main" id="{FDAFB092-67BA-4F92-8699-29F541D0754A}"/>
               </a:ext>
             </a:extLst>
           </p:cNvPr>
@@ -16920,7 +16977,7 @@
           <a:p>
             <a:r>
               <a:rPr lang="en-US" dirty="0"/>
-              <a:t>Class properties</a:t>
+              <a:t>Class Expression</a:t>
             </a:r>
             <a:endParaRPr lang="uk-UA" dirty="0"/>
           </a:p>
@@ -16931,7 +16988,7 @@
           <p:cNvPr id="3" name="Місце для тексту 2">
             <a:extLst>
               <a:ext uri="{FF2B5EF4-FFF2-40B4-BE49-F238E27FC236}">
-                <a16:creationId xmlns:a16="http://schemas.microsoft.com/office/drawing/2014/main" id="{51A06BB8-A26E-428B-8BAF-E1372810A178}"/>
+                <a16:creationId xmlns:a16="http://schemas.microsoft.com/office/drawing/2014/main" id="{64EAE3B6-917F-469C-9C97-8CFF7CFB12BB}"/>
               </a:ext>
             </a:extLst>
           </p:cNvPr>
@@ -16953,45 +17010,122 @@
           <a:lstStyle/>
           <a:p>
             <a:r>
+              <a:rPr lang="en-US" dirty="0"/>
+              <a:t>Just like functions, classes can be defined inside another expression, passed around, returned, assigned etc.</a:t>
+            </a:r>
+          </a:p>
+          <a:p>
+            <a:endParaRPr lang="en-US" dirty="0"/>
+          </a:p>
+          <a:p>
+            <a:r>
+              <a:rPr lang="en-US" sz="1800" dirty="0">
+                <a:solidFill>
+                  <a:srgbClr val="0070C0"/>
+                </a:solidFill>
+              </a:rPr>
+              <a:t>let</a:t>
+            </a:r>
+            <a:r>
+              <a:rPr lang="en-US" sz="1800" dirty="0"/>
+              <a:t> User = </a:t>
+            </a:r>
+            <a:r>
+              <a:rPr lang="en-US" sz="1800" dirty="0">
+                <a:solidFill>
+                  <a:srgbClr val="0070C0"/>
+                </a:solidFill>
+              </a:rPr>
+              <a:t>class</a:t>
+            </a:r>
+            <a:r>
+              <a:rPr lang="en-US" sz="1800" dirty="0"/>
+              <a:t> {</a:t>
+            </a:r>
+          </a:p>
+          <a:p>
+            <a:r>
+              <a:rPr lang="en-US" sz="1800" dirty="0"/>
+              <a:t>  </a:t>
+            </a:r>
+            <a:r>
+              <a:rPr lang="en-US" sz="1800" dirty="0" err="1"/>
+              <a:t>sayHi</a:t>
+            </a:r>
+            <a:r>
+              <a:rPr lang="en-US" sz="1800" dirty="0"/>
+              <a:t>() {</a:t>
+            </a:r>
+          </a:p>
+          <a:p>
+            <a:r>
+              <a:rPr lang="en-US" sz="1800" dirty="0"/>
+              <a:t>    alert(“Hi</a:t>
+            </a:r>
+            <a:r>
+              <a:rPr lang="uk-UA" sz="1800" dirty="0"/>
+              <a:t>");</a:t>
+            </a:r>
+          </a:p>
+          <a:p>
+            <a:r>
+              <a:rPr lang="uk-UA" sz="1800" dirty="0"/>
+              <a:t>  }</a:t>
+            </a:r>
+          </a:p>
+          <a:p>
+            <a:r>
+              <a:rPr lang="uk-UA" sz="1800" dirty="0"/>
+              <a:t>};</a:t>
+            </a:r>
+          </a:p>
+        </p:txBody>
+      </p:sp>
+      <p:sp>
+        <p:nvSpPr>
+          <p:cNvPr id="5" name="TextBox 4">
+            <a:extLst>
+              <a:ext uri="{FF2B5EF4-FFF2-40B4-BE49-F238E27FC236}">
+                <a16:creationId xmlns:a16="http://schemas.microsoft.com/office/drawing/2014/main" id="{DEB1B2AE-8ED7-47E3-A087-3BF334814C39}"/>
+              </a:ext>
+            </a:extLst>
+          </p:cNvPr>
+          <p:cNvSpPr txBox="1"/>
+          <p:nvPr/>
+        </p:nvSpPr>
+        <p:spPr>
+          <a:xfrm>
+            <a:off x="5945171" y="2057400"/>
+            <a:ext cx="6202339" cy="2862322"/>
+          </a:xfrm>
+          <a:prstGeom prst="rect">
+            <a:avLst/>
+          </a:prstGeom>
+          <a:noFill/>
+        </p:spPr>
+        <p:txBody>
+          <a:bodyPr wrap="none" rtlCol="0">
+            <a:spAutoFit/>
+          </a:bodyPr>
+          <a:lstStyle/>
+          <a:p>
+            <a:r>
+              <a:rPr lang="en-US" i="1" dirty="0"/>
+              <a:t>// "Named Class Expression"</a:t>
+            </a:r>
+          </a:p>
+          <a:p>
+            <a:r>
               <a:rPr lang="en-US" dirty="0">
                 <a:solidFill>
                   <a:srgbClr val="0070C0"/>
                 </a:solidFill>
               </a:rPr>
-              <a:t>class</a:t>
-            </a:r>
-            <a:r>
-              <a:rPr lang="en-US" dirty="0"/>
-              <a:t> User {</a:t>
-            </a:r>
-          </a:p>
-          <a:p>
-            <a:r>
-              <a:rPr lang="en-US" dirty="0"/>
-              <a:t>  name = "Anonymous";</a:t>
-            </a:r>
-          </a:p>
-          <a:p>
-            <a:endParaRPr lang="en-US" dirty="0"/>
-          </a:p>
-          <a:p>
-            <a:r>
-              <a:rPr lang="en-US" dirty="0"/>
-              <a:t>  </a:t>
-            </a:r>
-            <a:r>
-              <a:rPr lang="en-US" dirty="0" err="1"/>
-              <a:t>sayHi</a:t>
-            </a:r>
-            <a:r>
-              <a:rPr lang="en-US" dirty="0"/>
-              <a:t>() {</a:t>
-            </a:r>
-          </a:p>
-          <a:p>
-            <a:r>
-              <a:rPr lang="en-US" dirty="0"/>
-              <a:t>    alert(`Hello, ${</a:t>
+              <a:t>let</a:t>
+            </a:r>
+            <a:r>
+              <a:rPr lang="en-US" dirty="0"/>
+              <a:t> User = </a:t>
             </a:r>
             <a:r>
               <a:rPr lang="en-US" dirty="0">
@@ -16999,11 +17133,63 @@
                   <a:srgbClr val="0070C0"/>
                 </a:solidFill>
               </a:rPr>
-              <a:t>this</a:t>
-            </a:r>
-            <a:r>
-              <a:rPr lang="en-US" dirty="0"/>
-              <a:t>.name}!`);</a:t>
+              <a:t>class</a:t>
+            </a:r>
+            <a:r>
+              <a:rPr lang="en-US" dirty="0"/>
+              <a:t> </a:t>
+            </a:r>
+            <a:r>
+              <a:rPr lang="en-US" dirty="0" err="1"/>
+              <a:t>MyClass</a:t>
+            </a:r>
+            <a:r>
+              <a:rPr lang="en-US" dirty="0"/>
+              <a:t> {</a:t>
+            </a:r>
+          </a:p>
+          <a:p>
+            <a:r>
+              <a:rPr lang="en-US" dirty="0"/>
+              <a:t>  </a:t>
+            </a:r>
+            <a:r>
+              <a:rPr lang="en-US" dirty="0" err="1"/>
+              <a:t>sayHi</a:t>
+            </a:r>
+            <a:r>
+              <a:rPr lang="en-US" dirty="0"/>
+              <a:t>() {</a:t>
+            </a:r>
+          </a:p>
+          <a:p>
+            <a:r>
+              <a:rPr lang="en-US" dirty="0"/>
+              <a:t>    alert(</a:t>
+            </a:r>
+            <a:r>
+              <a:rPr lang="en-US" dirty="0" err="1"/>
+              <a:t>MyClass</a:t>
+            </a:r>
+            <a:r>
+              <a:rPr lang="en-US" dirty="0"/>
+              <a:t>); // </a:t>
+            </a:r>
+            <a:r>
+              <a:rPr lang="en-US" dirty="0" err="1">
+                <a:solidFill>
+                  <a:srgbClr val="00B050"/>
+                </a:solidFill>
+              </a:rPr>
+              <a:t>MyClass</a:t>
+            </a:r>
+            <a:r>
+              <a:rPr lang="en-US" dirty="0">
+                <a:solidFill>
+                  <a:srgbClr val="00B050"/>
+                </a:solidFill>
+              </a:rPr>
+              <a:t> name is visible only inside the class</a:t>
             </a:r>
           </a:p>
           <a:p>
@@ -17015,8 +17201,11 @@
           <a:p>
             <a:r>
               <a:rPr lang="en-US" dirty="0"/>
-              <a:t>}</a:t>
-            </a:r>
+              <a:t>};</a:t>
+            </a:r>
+          </a:p>
+          <a:p>
+            <a:endParaRPr lang="en-US" dirty="0"/>
           </a:p>
           <a:p>
             <a:r>
@@ -17037,7 +17226,7 @@
             </a:r>
             <a:r>
               <a:rPr lang="en-US" dirty="0"/>
-              <a:t>(); </a:t>
+              <a:t>(); // </a:t>
             </a:r>
             <a:r>
               <a:rPr lang="en-US" dirty="0">
@@ -17045,83 +17234,61 @@
                   <a:srgbClr val="00B050"/>
                 </a:solidFill>
               </a:rPr>
-              <a:t>// “Hello, Anonymous”</a:t>
+              <a:t>works, shows </a:t>
+            </a:r>
+            <a:r>
+              <a:rPr lang="en-US" dirty="0" err="1">
+                <a:solidFill>
+                  <a:srgbClr val="00B050"/>
+                </a:solidFill>
+              </a:rPr>
+              <a:t>MyClass</a:t>
+            </a:r>
+            <a:r>
+              <a:rPr lang="en-US" dirty="0">
+                <a:solidFill>
+                  <a:srgbClr val="00B050"/>
+                </a:solidFill>
+              </a:rPr>
+              <a:t> definition</a:t>
+            </a:r>
+          </a:p>
+          <a:p>
+            <a:endParaRPr lang="en-US" dirty="0"/>
+          </a:p>
+          <a:p>
+            <a:r>
+              <a:rPr lang="en-US" dirty="0"/>
+              <a:t>alert(</a:t>
+            </a:r>
+            <a:r>
+              <a:rPr lang="en-US" dirty="0" err="1"/>
+              <a:t>MyClass</a:t>
+            </a:r>
+            <a:r>
+              <a:rPr lang="en-US" dirty="0"/>
+              <a:t>); // </a:t>
+            </a:r>
+            <a:r>
+              <a:rPr lang="en-US" dirty="0">
+                <a:solidFill>
+                  <a:srgbClr val="C00000"/>
+                </a:solidFill>
+              </a:rPr>
+              <a:t>error</a:t>
             </a:r>
             <a:endParaRPr lang="uk-UA" dirty="0">
               <a:solidFill>
-                <a:srgbClr val="00B050"/>
+                <a:srgbClr val="C00000"/>
               </a:solidFill>
             </a:endParaRPr>
-          </a:p>
-        </p:txBody>
-      </p:sp>
-      <p:sp>
-        <p:nvSpPr>
-          <p:cNvPr id="11" name="Прямокутник 10">
-            <a:extLst>
-              <a:ext uri="{FF2B5EF4-FFF2-40B4-BE49-F238E27FC236}">
-                <a16:creationId xmlns:a16="http://schemas.microsoft.com/office/drawing/2014/main" id="{9B54ED77-D749-4A8D-8560-90A774CBE789}"/>
-              </a:ext>
-            </a:extLst>
-          </p:cNvPr>
-          <p:cNvSpPr/>
-          <p:nvPr/>
-        </p:nvSpPr>
-        <p:spPr>
-          <a:xfrm>
-            <a:off x="6096000" y="2057400"/>
-            <a:ext cx="6096000" cy="1015663"/>
-          </a:xfrm>
-          <a:prstGeom prst="rect">
-            <a:avLst/>
-          </a:prstGeom>
-        </p:spPr>
-        <p:txBody>
-          <a:bodyPr>
-            <a:spAutoFit/>
-          </a:bodyPr>
-          <a:lstStyle/>
-          <a:p>
-            <a:r>
-              <a:rPr lang="en-US" sz="2000" dirty="0"/>
-              <a:t>The property </a:t>
-            </a:r>
-            <a:r>
-              <a:rPr lang="en-US" sz="2000" i="1" dirty="0"/>
-              <a:t>name</a:t>
-            </a:r>
-            <a:r>
-              <a:rPr lang="en-US" sz="2000" dirty="0"/>
-              <a:t> is not placed into </a:t>
-            </a:r>
-            <a:r>
-              <a:rPr lang="en-US" sz="2000" i="1" dirty="0" err="1"/>
-              <a:t>User.prototype</a:t>
-            </a:r>
-            <a:r>
-              <a:rPr lang="en-US" sz="2000" i="1" dirty="0"/>
-              <a:t>. </a:t>
-            </a:r>
-            <a:r>
-              <a:rPr lang="en-US" sz="2000" dirty="0"/>
-              <a:t>Instead, it is created by </a:t>
-            </a:r>
-            <a:r>
-              <a:rPr lang="en-US" sz="2000" i="1" dirty="0"/>
-              <a:t>new </a:t>
-            </a:r>
-            <a:r>
-              <a:rPr lang="en-US" sz="2000" dirty="0"/>
-              <a:t>before calling constructor, it’s the property of the object itself.</a:t>
-            </a:r>
-            <a:endParaRPr lang="uk-UA" sz="2000" dirty="0"/>
           </a:p>
         </p:txBody>
       </p:sp>
     </p:spTree>
     <p:extLst>
       <p:ext uri="{BB962C8B-B14F-4D97-AF65-F5344CB8AC3E}">
-        <p14:creationId xmlns:p14="http://schemas.microsoft.com/office/powerpoint/2010/main" val="3000571340"/>
+        <p14:creationId xmlns:p14="http://schemas.microsoft.com/office/powerpoint/2010/main" val="3864762211"/>
       </p:ext>
     </p:extLst>
   </p:cSld>
@@ -17603,6 +17770,14 @@
 </file>
 
 <file path=customXml/item2.xml><?xml version="1.0" encoding="utf-8"?>
+<p:properties xmlns:p="http://schemas.microsoft.com/office/2006/metadata/properties" xmlns:xsi="http://www.w3.org/2001/XMLSchema-instance" xmlns:pc="http://schemas.microsoft.com/office/infopath/2007/PartnerControls">
+  <documentManagement>
+    <_x041a__x043e__x043c__x0435__x0442__x0430__x0440_ xmlns="835f28f2-30f1-4728-84d2-86d96e143488" xsi:nil="true"/>
+  </documentManagement>
+</p:properties>
+</file>
+
+<file path=customXml/item3.xml><?xml version="1.0" encoding="utf-8"?>
 <ct:contentTypeSchema xmlns:ct="http://schemas.microsoft.com/office/2006/metadata/contentType" xmlns:ma="http://schemas.microsoft.com/office/2006/metadata/properties/metaAttributes" ct:_="" ma:_="" ma:contentTypeName="Документ" ma:contentTypeID="0x0101004195FC54A15F344D83577B1CDDD67A5D" ma:contentTypeVersion="9" ma:contentTypeDescription="Создание документа." ma:contentTypeScope="" ma:versionID="961ec8db58076c7d3e9f84b9cd82fd45">
   <xsd:schema xmlns:xsd="http://www.w3.org/2001/XMLSchema" xmlns:xs="http://www.w3.org/2001/XMLSchema" xmlns:p="http://schemas.microsoft.com/office/2006/metadata/properties" xmlns:ns2="341e6018-ac0a-4dfb-8409-db9e0d25502e" xmlns:ns3="835f28f2-30f1-4728-84d2-86d96e143488" targetNamespace="http://schemas.microsoft.com/office/2006/metadata/properties" ma:root="true" ma:fieldsID="bd9f0c80ada20ee560e77d723f3ef44e" ns2:_="" ns3:_="">
     <xsd:import namespace="341e6018-ac0a-4dfb-8409-db9e0d25502e"/>
@@ -17801,14 +17976,6 @@
 </ct:contentTypeSchema>
 </file>
 
-<file path=customXml/item3.xml><?xml version="1.0" encoding="utf-8"?>
-<p:properties xmlns:p="http://schemas.microsoft.com/office/2006/metadata/properties" xmlns:xsi="http://www.w3.org/2001/XMLSchema-instance" xmlns:pc="http://schemas.microsoft.com/office/infopath/2007/PartnerControls">
-  <documentManagement>
-    <_x041a__x043e__x043c__x0435__x0442__x0430__x0440_ xmlns="835f28f2-30f1-4728-84d2-86d96e143488" xsi:nil="true"/>
-  </documentManagement>
-</p:properties>
-</file>
-
 <file path=customXml/itemProps1.xml><?xml version="1.0" encoding="utf-8"?>
 <ds:datastoreItem xmlns:ds="http://schemas.openxmlformats.org/officeDocument/2006/customXml" ds:itemID="{296B3B9E-03D8-4766-BF45-6129617CF026}">
   <ds:schemaRefs>
@@ -17818,6 +17985,23 @@
 </file>
 
 <file path=customXml/itemProps2.xml><?xml version="1.0" encoding="utf-8"?>
+<ds:datastoreItem xmlns:ds="http://schemas.openxmlformats.org/officeDocument/2006/customXml" ds:itemID="{B3A1340B-3A1B-4156-ADE3-51DF6C2C795D}">
+  <ds:schemaRefs>
+    <ds:schemaRef ds:uri="http://schemas.microsoft.com/office/2006/documentManagement/types"/>
+    <ds:schemaRef ds:uri="http://purl.org/dc/dcmitype/"/>
+    <ds:schemaRef ds:uri="http://purl.org/dc/terms/"/>
+    <ds:schemaRef ds:uri="http://purl.org/dc/elements/1.1/"/>
+    <ds:schemaRef ds:uri="http://schemas.microsoft.com/office/infopath/2007/PartnerControls"/>
+    <ds:schemaRef ds:uri="http://www.w3.org/XML/1998/namespace"/>
+    <ds:schemaRef ds:uri="http://schemas.microsoft.com/office/2006/metadata/properties"/>
+    <ds:schemaRef ds:uri="http://schemas.openxmlformats.org/package/2006/metadata/core-properties"/>
+    <ds:schemaRef ds:uri="835f28f2-30f1-4728-84d2-86d96e143488"/>
+    <ds:schemaRef ds:uri="341e6018-ac0a-4dfb-8409-db9e0d25502e"/>
+  </ds:schemaRefs>
+</ds:datastoreItem>
+</file>
+
+<file path=customXml/itemProps3.xml><?xml version="1.0" encoding="utf-8"?>
 <ds:datastoreItem xmlns:ds="http://schemas.openxmlformats.org/officeDocument/2006/customXml" ds:itemID="{CAFDAB34-20E1-438F-BCB2-ECDA5496F36D}">
   <ds:schemaRefs>
     <ds:schemaRef ds:uri="http://schemas.microsoft.com/office/2006/metadata/contentType"/>
@@ -17834,21 +18018,4 @@
     <ds:schemaRef ds:uri="http://schemas.microsoft.com/internal/obd"/>
   </ds:schemaRefs>
 </ds:datastoreItem>
-</file>
-
-<file path=customXml/itemProps3.xml><?xml version="1.0" encoding="utf-8"?>
-<ds:datastoreItem xmlns:ds="http://schemas.openxmlformats.org/officeDocument/2006/customXml" ds:itemID="{B3A1340B-3A1B-4156-ADE3-51DF6C2C795D}">
-  <ds:schemaRefs>
-    <ds:schemaRef ds:uri="http://schemas.microsoft.com/office/2006/documentManagement/types"/>
-    <ds:schemaRef ds:uri="http://purl.org/dc/dcmitype/"/>
-    <ds:schemaRef ds:uri="http://purl.org/dc/terms/"/>
-    <ds:schemaRef ds:uri="http://purl.org/dc/elements/1.1/"/>
-    <ds:schemaRef ds:uri="http://schemas.microsoft.com/office/infopath/2007/PartnerControls"/>
-    <ds:schemaRef ds:uri="http://www.w3.org/XML/1998/namespace"/>
-    <ds:schemaRef ds:uri="http://schemas.microsoft.com/office/2006/metadata/properties"/>
-    <ds:schemaRef ds:uri="http://schemas.openxmlformats.org/package/2006/metadata/core-properties"/>
-    <ds:schemaRef ds:uri="835f28f2-30f1-4728-84d2-86d96e143488"/>
-    <ds:schemaRef ds:uri="341e6018-ac0a-4dfb-8409-db9e0d25502e"/>
-  </ds:schemaRefs>
-</ds:datastoreItem>
 </file>